--- a/Webinar.pptx
+++ b/Webinar.pptx
@@ -4,9 +4,16 @@
   <p:sldMasterIdLst>
     <p:sldMasterId id="2147483648" r:id="rId1"/>
   </p:sldMasterIdLst>
+  <p:notesMasterIdLst>
+    <p:notesMasterId r:id="rId8"/>
+  </p:notesMasterIdLst>
   <p:sldIdLst>
     <p:sldId id="327" r:id="rId2"/>
     <p:sldId id="328" r:id="rId3"/>
+    <p:sldId id="330" r:id="rId4"/>
+    <p:sldId id="329" r:id="rId5"/>
+    <p:sldId id="331" r:id="rId6"/>
+    <p:sldId id="332" r:id="rId7"/>
   </p:sldIdLst>
   <p:sldSz cx="12192000" cy="6858000"/>
   <p:notesSz cx="6858000" cy="9144000"/>
@@ -105,7 +112,446 @@
       </a:defRPr>
     </a:lvl9pPr>
   </p:defaultTextStyle>
+  <p:extLst>
+    <p:ext uri="{EFAFB233-063F-42B5-8137-9DF3F51BA10A}">
+      <p15:sldGuideLst xmlns:p15="http://schemas.microsoft.com/office/powerpoint/2012/main"/>
+    </p:ext>
+  </p:extLst>
 </p:presentation>
+</file>
+
+<file path=ppt/notesMasters/notesMaster1.xml><?xml version="1.0" encoding="utf-8"?>
+<p:notesMaster xmlns:a="http://schemas.openxmlformats.org/drawingml/2006/main" xmlns:r="http://schemas.openxmlformats.org/officeDocument/2006/relationships" xmlns:p="http://schemas.openxmlformats.org/presentationml/2006/main">
+  <p:cSld>
+    <p:bg>
+      <p:bgRef idx="1001">
+        <a:schemeClr val="bg1"/>
+      </p:bgRef>
+    </p:bg>
+    <p:spTree>
+      <p:nvGrpSpPr>
+        <p:cNvPr id="1" name=""/>
+        <p:cNvGrpSpPr/>
+        <p:nvPr/>
+      </p:nvGrpSpPr>
+      <p:grpSpPr>
+        <a:xfrm>
+          <a:off x="0" y="0"/>
+          <a:ext cx="0" cy="0"/>
+          <a:chOff x="0" y="0"/>
+          <a:chExt cx="0" cy="0"/>
+        </a:xfrm>
+      </p:grpSpPr>
+      <p:sp>
+        <p:nvSpPr>
+          <p:cNvPr id="2" name="Header Placeholder 1"/>
+          <p:cNvSpPr>
+            <a:spLocks noGrp="1"/>
+          </p:cNvSpPr>
+          <p:nvPr>
+            <p:ph type="hdr" sz="quarter"/>
+          </p:nvPr>
+        </p:nvSpPr>
+        <p:spPr>
+          <a:xfrm>
+            <a:off x="0" y="0"/>
+            <a:ext cx="2971800" cy="458788"/>
+          </a:xfrm>
+          <a:prstGeom prst="rect">
+            <a:avLst/>
+          </a:prstGeom>
+        </p:spPr>
+        <p:txBody>
+          <a:bodyPr vert="horz" lIns="91440" tIns="45720" rIns="91440" bIns="45720" rtlCol="0"/>
+          <a:lstStyle>
+            <a:lvl1pPr algn="l">
+              <a:defRPr sz="1200"/>
+            </a:lvl1pPr>
+          </a:lstStyle>
+          <a:p>
+            <a:endParaRPr lang="en-US"/>
+          </a:p>
+        </p:txBody>
+      </p:sp>
+      <p:sp>
+        <p:nvSpPr>
+          <p:cNvPr id="3" name="Date Placeholder 2"/>
+          <p:cNvSpPr>
+            <a:spLocks noGrp="1"/>
+          </p:cNvSpPr>
+          <p:nvPr>
+            <p:ph type="dt" idx="1"/>
+          </p:nvPr>
+        </p:nvSpPr>
+        <p:spPr>
+          <a:xfrm>
+            <a:off x="3884613" y="0"/>
+            <a:ext cx="2971800" cy="458788"/>
+          </a:xfrm>
+          <a:prstGeom prst="rect">
+            <a:avLst/>
+          </a:prstGeom>
+        </p:spPr>
+        <p:txBody>
+          <a:bodyPr vert="horz" lIns="91440" tIns="45720" rIns="91440" bIns="45720" rtlCol="0"/>
+          <a:lstStyle>
+            <a:lvl1pPr algn="r">
+              <a:defRPr sz="1200"/>
+            </a:lvl1pPr>
+          </a:lstStyle>
+          <a:p>
+            <a:fld id="{1427C32D-D45C-DA4A-81ED-48B693A8F82D}" type="datetimeFigureOut">
+              <a:rPr lang="en-US" smtClean="0"/>
+              <a:t>1/28/22</a:t>
+            </a:fld>
+            <a:endParaRPr lang="en-US"/>
+          </a:p>
+        </p:txBody>
+      </p:sp>
+      <p:sp>
+        <p:nvSpPr>
+          <p:cNvPr id="4" name="Slide Image Placeholder 3"/>
+          <p:cNvSpPr>
+            <a:spLocks noGrp="1" noRot="1" noChangeAspect="1"/>
+          </p:cNvSpPr>
+          <p:nvPr>
+            <p:ph type="sldImg" idx="2"/>
+          </p:nvPr>
+        </p:nvSpPr>
+        <p:spPr>
+          <a:xfrm>
+            <a:off x="685800" y="1143000"/>
+            <a:ext cx="5486400" cy="3086100"/>
+          </a:xfrm>
+          <a:prstGeom prst="rect">
+            <a:avLst/>
+          </a:prstGeom>
+          <a:noFill/>
+          <a:ln w="12700">
+            <a:solidFill>
+              <a:prstClr val="black"/>
+            </a:solidFill>
+          </a:ln>
+        </p:spPr>
+        <p:txBody>
+          <a:bodyPr vert="horz" lIns="91440" tIns="45720" rIns="91440" bIns="45720" rtlCol="0" anchor="ctr"/>
+          <a:lstStyle/>
+          <a:p>
+            <a:endParaRPr lang="en-US"/>
+          </a:p>
+        </p:txBody>
+      </p:sp>
+      <p:sp>
+        <p:nvSpPr>
+          <p:cNvPr id="5" name="Notes Placeholder 4"/>
+          <p:cNvSpPr>
+            <a:spLocks noGrp="1"/>
+          </p:cNvSpPr>
+          <p:nvPr>
+            <p:ph type="body" sz="quarter" idx="3"/>
+          </p:nvPr>
+        </p:nvSpPr>
+        <p:spPr>
+          <a:xfrm>
+            <a:off x="685800" y="4400550"/>
+            <a:ext cx="5486400" cy="3600450"/>
+          </a:xfrm>
+          <a:prstGeom prst="rect">
+            <a:avLst/>
+          </a:prstGeom>
+        </p:spPr>
+        <p:txBody>
+          <a:bodyPr vert="horz" lIns="91440" tIns="45720" rIns="91440" bIns="45720" rtlCol="0"/>
+          <a:lstStyle/>
+          <a:p>
+            <a:pPr lvl="0"/>
+            <a:r>
+              <a:rPr lang="en-GB"/>
+              <a:t>Click to edit Master text styles</a:t>
+            </a:r>
+          </a:p>
+          <a:p>
+            <a:pPr lvl="1"/>
+            <a:r>
+              <a:rPr lang="en-GB"/>
+              <a:t>Second level</a:t>
+            </a:r>
+          </a:p>
+          <a:p>
+            <a:pPr lvl="2"/>
+            <a:r>
+              <a:rPr lang="en-GB"/>
+              <a:t>Third level</a:t>
+            </a:r>
+          </a:p>
+          <a:p>
+            <a:pPr lvl="3"/>
+            <a:r>
+              <a:rPr lang="en-GB"/>
+              <a:t>Fourth level</a:t>
+            </a:r>
+          </a:p>
+          <a:p>
+            <a:pPr lvl="4"/>
+            <a:r>
+              <a:rPr lang="en-GB"/>
+              <a:t>Fifth level</a:t>
+            </a:r>
+            <a:endParaRPr lang="en-US"/>
+          </a:p>
+        </p:txBody>
+      </p:sp>
+      <p:sp>
+        <p:nvSpPr>
+          <p:cNvPr id="6" name="Footer Placeholder 5"/>
+          <p:cNvSpPr>
+            <a:spLocks noGrp="1"/>
+          </p:cNvSpPr>
+          <p:nvPr>
+            <p:ph type="ftr" sz="quarter" idx="4"/>
+          </p:nvPr>
+        </p:nvSpPr>
+        <p:spPr>
+          <a:xfrm>
+            <a:off x="0" y="8685213"/>
+            <a:ext cx="2971800" cy="458787"/>
+          </a:xfrm>
+          <a:prstGeom prst="rect">
+            <a:avLst/>
+          </a:prstGeom>
+        </p:spPr>
+        <p:txBody>
+          <a:bodyPr vert="horz" lIns="91440" tIns="45720" rIns="91440" bIns="45720" rtlCol="0" anchor="b"/>
+          <a:lstStyle>
+            <a:lvl1pPr algn="l">
+              <a:defRPr sz="1200"/>
+            </a:lvl1pPr>
+          </a:lstStyle>
+          <a:p>
+            <a:endParaRPr lang="en-US"/>
+          </a:p>
+        </p:txBody>
+      </p:sp>
+      <p:sp>
+        <p:nvSpPr>
+          <p:cNvPr id="7" name="Slide Number Placeholder 6"/>
+          <p:cNvSpPr>
+            <a:spLocks noGrp="1"/>
+          </p:cNvSpPr>
+          <p:nvPr>
+            <p:ph type="sldNum" sz="quarter" idx="5"/>
+          </p:nvPr>
+        </p:nvSpPr>
+        <p:spPr>
+          <a:xfrm>
+            <a:off x="3884613" y="8685213"/>
+            <a:ext cx="2971800" cy="458787"/>
+          </a:xfrm>
+          <a:prstGeom prst="rect">
+            <a:avLst/>
+          </a:prstGeom>
+        </p:spPr>
+        <p:txBody>
+          <a:bodyPr vert="horz" lIns="91440" tIns="45720" rIns="91440" bIns="45720" rtlCol="0" anchor="b"/>
+          <a:lstStyle>
+            <a:lvl1pPr algn="r">
+              <a:defRPr sz="1200"/>
+            </a:lvl1pPr>
+          </a:lstStyle>
+          <a:p>
+            <a:fld id="{997274CE-51E2-314F-8544-5E91EE33A09F}" type="slidenum">
+              <a:rPr lang="en-US" smtClean="0"/>
+              <a:t>‹#›</a:t>
+            </a:fld>
+            <a:endParaRPr lang="en-US"/>
+          </a:p>
+        </p:txBody>
+      </p:sp>
+    </p:spTree>
+    <p:extLst>
+      <p:ext uri="{BB962C8B-B14F-4D97-AF65-F5344CB8AC3E}">
+        <p14:creationId xmlns:p14="http://schemas.microsoft.com/office/powerpoint/2010/main" val="3426422364"/>
+      </p:ext>
+    </p:extLst>
+  </p:cSld>
+  <p:clrMap bg1="lt1" tx1="dk1" bg2="lt2" tx2="dk2" accent1="accent1" accent2="accent2" accent3="accent3" accent4="accent4" accent5="accent5" accent6="accent6" hlink="hlink" folHlink="folHlink"/>
+  <p:notesStyle>
+    <a:lvl1pPr marL="0" algn="l" defTabSz="914400" rtl="0" eaLnBrk="1" latinLnBrk="0" hangingPunct="1">
+      <a:defRPr sz="1200" kern="1200">
+        <a:solidFill>
+          <a:schemeClr val="tx1"/>
+        </a:solidFill>
+        <a:latin typeface="+mn-lt"/>
+        <a:ea typeface="+mn-ea"/>
+        <a:cs typeface="+mn-cs"/>
+      </a:defRPr>
+    </a:lvl1pPr>
+    <a:lvl2pPr marL="457200" algn="l" defTabSz="914400" rtl="0" eaLnBrk="1" latinLnBrk="0" hangingPunct="1">
+      <a:defRPr sz="1200" kern="1200">
+        <a:solidFill>
+          <a:schemeClr val="tx1"/>
+        </a:solidFill>
+        <a:latin typeface="+mn-lt"/>
+        <a:ea typeface="+mn-ea"/>
+        <a:cs typeface="+mn-cs"/>
+      </a:defRPr>
+    </a:lvl2pPr>
+    <a:lvl3pPr marL="914400" algn="l" defTabSz="914400" rtl="0" eaLnBrk="1" latinLnBrk="0" hangingPunct="1">
+      <a:defRPr sz="1200" kern="1200">
+        <a:solidFill>
+          <a:schemeClr val="tx1"/>
+        </a:solidFill>
+        <a:latin typeface="+mn-lt"/>
+        <a:ea typeface="+mn-ea"/>
+        <a:cs typeface="+mn-cs"/>
+      </a:defRPr>
+    </a:lvl3pPr>
+    <a:lvl4pPr marL="1371600" algn="l" defTabSz="914400" rtl="0" eaLnBrk="1" latinLnBrk="0" hangingPunct="1">
+      <a:defRPr sz="1200" kern="1200">
+        <a:solidFill>
+          <a:schemeClr val="tx1"/>
+        </a:solidFill>
+        <a:latin typeface="+mn-lt"/>
+        <a:ea typeface="+mn-ea"/>
+        <a:cs typeface="+mn-cs"/>
+      </a:defRPr>
+    </a:lvl4pPr>
+    <a:lvl5pPr marL="1828800" algn="l" defTabSz="914400" rtl="0" eaLnBrk="1" latinLnBrk="0" hangingPunct="1">
+      <a:defRPr sz="1200" kern="1200">
+        <a:solidFill>
+          <a:schemeClr val="tx1"/>
+        </a:solidFill>
+        <a:latin typeface="+mn-lt"/>
+        <a:ea typeface="+mn-ea"/>
+        <a:cs typeface="+mn-cs"/>
+      </a:defRPr>
+    </a:lvl5pPr>
+    <a:lvl6pPr marL="2286000" algn="l" defTabSz="914400" rtl="0" eaLnBrk="1" latinLnBrk="0" hangingPunct="1">
+      <a:defRPr sz="1200" kern="1200">
+        <a:solidFill>
+          <a:schemeClr val="tx1"/>
+        </a:solidFill>
+        <a:latin typeface="+mn-lt"/>
+        <a:ea typeface="+mn-ea"/>
+        <a:cs typeface="+mn-cs"/>
+      </a:defRPr>
+    </a:lvl6pPr>
+    <a:lvl7pPr marL="2743200" algn="l" defTabSz="914400" rtl="0" eaLnBrk="1" latinLnBrk="0" hangingPunct="1">
+      <a:defRPr sz="1200" kern="1200">
+        <a:solidFill>
+          <a:schemeClr val="tx1"/>
+        </a:solidFill>
+        <a:latin typeface="+mn-lt"/>
+        <a:ea typeface="+mn-ea"/>
+        <a:cs typeface="+mn-cs"/>
+      </a:defRPr>
+    </a:lvl7pPr>
+    <a:lvl8pPr marL="3200400" algn="l" defTabSz="914400" rtl="0" eaLnBrk="1" latinLnBrk="0" hangingPunct="1">
+      <a:defRPr sz="1200" kern="1200">
+        <a:solidFill>
+          <a:schemeClr val="tx1"/>
+        </a:solidFill>
+        <a:latin typeface="+mn-lt"/>
+        <a:ea typeface="+mn-ea"/>
+        <a:cs typeface="+mn-cs"/>
+      </a:defRPr>
+    </a:lvl8pPr>
+    <a:lvl9pPr marL="3657600" algn="l" defTabSz="914400" rtl="0" eaLnBrk="1" latinLnBrk="0" hangingPunct="1">
+      <a:defRPr sz="1200" kern="1200">
+        <a:solidFill>
+          <a:schemeClr val="tx1"/>
+        </a:solidFill>
+        <a:latin typeface="+mn-lt"/>
+        <a:ea typeface="+mn-ea"/>
+        <a:cs typeface="+mn-cs"/>
+      </a:defRPr>
+    </a:lvl9pPr>
+  </p:notesStyle>
+</p:notesMaster>
+</file>
+
+<file path=ppt/notesSlides/notesSlide1.xml><?xml version="1.0" encoding="utf-8"?>
+<p:notes xmlns:a="http://schemas.openxmlformats.org/drawingml/2006/main" xmlns:r="http://schemas.openxmlformats.org/officeDocument/2006/relationships" xmlns:p="http://schemas.openxmlformats.org/presentationml/2006/main">
+  <p:cSld>
+    <p:spTree>
+      <p:nvGrpSpPr>
+        <p:cNvPr id="1" name=""/>
+        <p:cNvGrpSpPr/>
+        <p:nvPr/>
+      </p:nvGrpSpPr>
+      <p:grpSpPr>
+        <a:xfrm>
+          <a:off x="0" y="0"/>
+          <a:ext cx="0" cy="0"/>
+          <a:chOff x="0" y="0"/>
+          <a:chExt cx="0" cy="0"/>
+        </a:xfrm>
+      </p:grpSpPr>
+      <p:sp>
+        <p:nvSpPr>
+          <p:cNvPr id="2" name="Slide Image Placeholder 1"/>
+          <p:cNvSpPr>
+            <a:spLocks noGrp="1" noRot="1" noChangeAspect="1"/>
+          </p:cNvSpPr>
+          <p:nvPr>
+            <p:ph type="sldImg"/>
+          </p:nvPr>
+        </p:nvSpPr>
+        <p:spPr/>
+      </p:sp>
+      <p:sp>
+        <p:nvSpPr>
+          <p:cNvPr id="3" name="Notes Placeholder 2"/>
+          <p:cNvSpPr>
+            <a:spLocks noGrp="1"/>
+          </p:cNvSpPr>
+          <p:nvPr>
+            <p:ph type="body" idx="1"/>
+          </p:nvPr>
+        </p:nvSpPr>
+        <p:spPr/>
+        <p:txBody>
+          <a:bodyPr/>
+          <a:lstStyle/>
+          <a:p>
+            <a:endParaRPr lang="en-US" dirty="0"/>
+          </a:p>
+        </p:txBody>
+      </p:sp>
+      <p:sp>
+        <p:nvSpPr>
+          <p:cNvPr id="4" name="Slide Number Placeholder 3"/>
+          <p:cNvSpPr>
+            <a:spLocks noGrp="1"/>
+          </p:cNvSpPr>
+          <p:nvPr>
+            <p:ph type="sldNum" sz="quarter" idx="5"/>
+          </p:nvPr>
+        </p:nvSpPr>
+        <p:spPr/>
+        <p:txBody>
+          <a:bodyPr/>
+          <a:lstStyle/>
+          <a:p>
+            <a:fld id="{997274CE-51E2-314F-8544-5E91EE33A09F}" type="slidenum">
+              <a:rPr lang="en-US" smtClean="0"/>
+              <a:t>2</a:t>
+            </a:fld>
+            <a:endParaRPr lang="en-US"/>
+          </a:p>
+        </p:txBody>
+      </p:sp>
+    </p:spTree>
+    <p:extLst>
+      <p:ext uri="{BB962C8B-B14F-4D97-AF65-F5344CB8AC3E}">
+        <p14:creationId xmlns:p14="http://schemas.microsoft.com/office/powerpoint/2010/main" val="351348751"/>
+      </p:ext>
+    </p:extLst>
+  </p:cSld>
+  <p:clrMapOvr>
+    <a:masterClrMapping/>
+  </p:clrMapOvr>
+</p:notes>
 </file>
 
 <file path=ppt/slideLayouts/slideLayout1.xml><?xml version="1.0" encoding="utf-8"?>
@@ -257,7 +703,7 @@
           <a:p>
             <a:fld id="{5C84B05F-AEE2-1547-B25D-E4BB66D49DF9}" type="datetimeFigureOut">
               <a:rPr lang="en-US" smtClean="0"/>
-              <a:t>11/19/21</a:t>
+              <a:t>1/24/22</a:t>
             </a:fld>
             <a:endParaRPr lang="en-US"/>
           </a:p>
@@ -457,7 +903,7 @@
           <a:p>
             <a:fld id="{5C84B05F-AEE2-1547-B25D-E4BB66D49DF9}" type="datetimeFigureOut">
               <a:rPr lang="en-US" smtClean="0"/>
-              <a:t>11/19/21</a:t>
+              <a:t>1/24/22</a:t>
             </a:fld>
             <a:endParaRPr lang="en-US"/>
           </a:p>
@@ -667,7 +1113,7 @@
           <a:p>
             <a:fld id="{5C84B05F-AEE2-1547-B25D-E4BB66D49DF9}" type="datetimeFigureOut">
               <a:rPr lang="en-US" smtClean="0"/>
-              <a:t>11/19/21</a:t>
+              <a:t>1/24/22</a:t>
             </a:fld>
             <a:endParaRPr lang="en-US"/>
           </a:p>
@@ -902,7 +1348,7 @@
           <a:p>
             <a:fld id="{5C84B05F-AEE2-1547-B25D-E4BB66D49DF9}" type="datetimeFigureOut">
               <a:rPr lang="en-US" smtClean="0"/>
-              <a:t>11/19/21</a:t>
+              <a:t>1/24/22</a:t>
             </a:fld>
             <a:endParaRPr lang="en-US"/>
           </a:p>
@@ -1178,7 +1624,7 @@
           <a:p>
             <a:fld id="{5C84B05F-AEE2-1547-B25D-E4BB66D49DF9}" type="datetimeFigureOut">
               <a:rPr lang="en-US" smtClean="0"/>
-              <a:t>11/19/21</a:t>
+              <a:t>1/24/22</a:t>
             </a:fld>
             <a:endParaRPr lang="en-US"/>
           </a:p>
@@ -1446,7 +1892,7 @@
           <a:p>
             <a:fld id="{5C84B05F-AEE2-1547-B25D-E4BB66D49DF9}" type="datetimeFigureOut">
               <a:rPr lang="en-US" smtClean="0"/>
-              <a:t>11/19/21</a:t>
+              <a:t>1/24/22</a:t>
             </a:fld>
             <a:endParaRPr lang="en-US"/>
           </a:p>
@@ -1861,7 +2307,7 @@
           <a:p>
             <a:fld id="{5C84B05F-AEE2-1547-B25D-E4BB66D49DF9}" type="datetimeFigureOut">
               <a:rPr lang="en-US" smtClean="0"/>
-              <a:t>11/19/21</a:t>
+              <a:t>1/24/22</a:t>
             </a:fld>
             <a:endParaRPr lang="en-US"/>
           </a:p>
@@ -2003,7 +2449,7 @@
           <a:p>
             <a:fld id="{5C84B05F-AEE2-1547-B25D-E4BB66D49DF9}" type="datetimeFigureOut">
               <a:rPr lang="en-US" smtClean="0"/>
-              <a:t>11/19/21</a:t>
+              <a:t>1/24/22</a:t>
             </a:fld>
             <a:endParaRPr lang="en-US"/>
           </a:p>
@@ -2116,7 +2562,7 @@
           <a:p>
             <a:fld id="{5C84B05F-AEE2-1547-B25D-E4BB66D49DF9}" type="datetimeFigureOut">
               <a:rPr lang="en-US" smtClean="0"/>
-              <a:t>11/19/21</a:t>
+              <a:t>1/24/22</a:t>
             </a:fld>
             <a:endParaRPr lang="en-US"/>
           </a:p>
@@ -2429,7 +2875,7 @@
           <a:p>
             <a:fld id="{5C84B05F-AEE2-1547-B25D-E4BB66D49DF9}" type="datetimeFigureOut">
               <a:rPr lang="en-US" smtClean="0"/>
-              <a:t>11/19/21</a:t>
+              <a:t>1/24/22</a:t>
             </a:fld>
             <a:endParaRPr lang="en-US"/>
           </a:p>
@@ -2718,7 +3164,7 @@
           <a:p>
             <a:fld id="{5C84B05F-AEE2-1547-B25D-E4BB66D49DF9}" type="datetimeFigureOut">
               <a:rPr lang="en-US" smtClean="0"/>
-              <a:t>11/19/21</a:t>
+              <a:t>1/24/22</a:t>
             </a:fld>
             <a:endParaRPr lang="en-US"/>
           </a:p>
@@ -2961,7 +3407,7 @@
           <a:p>
             <a:fld id="{5C84B05F-AEE2-1547-B25D-E4BB66D49DF9}" type="datetimeFigureOut">
               <a:rPr lang="en-US" smtClean="0"/>
-              <a:t>11/19/21</a:t>
+              <a:t>1/24/22</a:t>
             </a:fld>
             <a:endParaRPr lang="en-US"/>
           </a:p>
@@ -4036,10 +4482,6688 @@
           <a:chExt cx="0" cy="0"/>
         </a:xfrm>
       </p:grpSpPr>
+      <p:sp>
+        <p:nvSpPr>
+          <p:cNvPr id="2" name="TextBox 1">
+            <a:extLst>
+              <a:ext uri="{FF2B5EF4-FFF2-40B4-BE49-F238E27FC236}">
+                <a16:creationId xmlns:a16="http://schemas.microsoft.com/office/drawing/2014/main" id="{A99980E2-A3A9-FD4A-9011-9A37E88F5891}"/>
+              </a:ext>
+            </a:extLst>
+          </p:cNvPr>
+          <p:cNvSpPr txBox="1"/>
+          <p:nvPr/>
+        </p:nvSpPr>
+        <p:spPr>
+          <a:xfrm>
+            <a:off x="1872537" y="343020"/>
+            <a:ext cx="8446926" cy="707886"/>
+          </a:xfrm>
+          <a:prstGeom prst="rect">
+            <a:avLst/>
+          </a:prstGeom>
+          <a:noFill/>
+        </p:spPr>
+        <p:txBody>
+          <a:bodyPr wrap="square" rtlCol="0">
+            <a:spAutoFit/>
+          </a:bodyPr>
+          <a:lstStyle/>
+          <a:p>
+            <a:pPr algn="ctr"/>
+            <a:r>
+              <a:rPr lang="en-US" sz="4000" dirty="0">
+                <a:solidFill>
+                  <a:schemeClr val="accent1">
+                    <a:lumMod val="60000"/>
+                    <a:lumOff val="40000"/>
+                  </a:schemeClr>
+                </a:solidFill>
+              </a:rPr>
+              <a:t>Memory Address*</a:t>
+            </a:r>
+          </a:p>
+        </p:txBody>
+      </p:sp>
+      <p:sp>
+        <p:nvSpPr>
+          <p:cNvPr id="9" name="Rectangle 8">
+            <a:extLst>
+              <a:ext uri="{FF2B5EF4-FFF2-40B4-BE49-F238E27FC236}">
+                <a16:creationId xmlns:a16="http://schemas.microsoft.com/office/drawing/2014/main" id="{59414AE3-BCBF-8F48-A6B9-2781DD8BF8E8}"/>
+              </a:ext>
+            </a:extLst>
+          </p:cNvPr>
+          <p:cNvSpPr/>
+          <p:nvPr/>
+        </p:nvSpPr>
+        <p:spPr>
+          <a:xfrm>
+            <a:off x="3610303" y="1650062"/>
+            <a:ext cx="4929352" cy="504496"/>
+          </a:xfrm>
+          <a:prstGeom prst="rect">
+            <a:avLst/>
+          </a:prstGeom>
+        </p:spPr>
+        <p:style>
+          <a:lnRef idx="2">
+            <a:schemeClr val="accent1">
+              <a:shade val="50000"/>
+            </a:schemeClr>
+          </a:lnRef>
+          <a:fillRef idx="1">
+            <a:schemeClr val="accent1"/>
+          </a:fillRef>
+          <a:effectRef idx="0">
+            <a:schemeClr val="accent1"/>
+          </a:effectRef>
+          <a:fontRef idx="minor">
+            <a:schemeClr val="lt1"/>
+          </a:fontRef>
+        </p:style>
+        <p:txBody>
+          <a:bodyPr rtlCol="0" anchor="ctr"/>
+          <a:lstStyle/>
+          <a:p>
+            <a:pPr algn="ctr"/>
+            <a:endParaRPr lang="en-US"/>
+          </a:p>
+        </p:txBody>
+      </p:sp>
+      <p:sp>
+        <p:nvSpPr>
+          <p:cNvPr id="10" name="Rectangle 9">
+            <a:extLst>
+              <a:ext uri="{FF2B5EF4-FFF2-40B4-BE49-F238E27FC236}">
+                <a16:creationId xmlns:a16="http://schemas.microsoft.com/office/drawing/2014/main" id="{C93CBA87-A0B9-C64E-9ED5-DB6AB5E46240}"/>
+              </a:ext>
+            </a:extLst>
+          </p:cNvPr>
+          <p:cNvSpPr/>
+          <p:nvPr/>
+        </p:nvSpPr>
+        <p:spPr>
+          <a:xfrm>
+            <a:off x="5258224" y="1676337"/>
+            <a:ext cx="3262614" cy="451944"/>
+          </a:xfrm>
+          <a:prstGeom prst="rect">
+            <a:avLst/>
+          </a:prstGeom>
+          <a:solidFill>
+            <a:schemeClr val="accent4"/>
+          </a:solidFill>
+        </p:spPr>
+        <p:style>
+          <a:lnRef idx="2">
+            <a:schemeClr val="accent1">
+              <a:shade val="50000"/>
+            </a:schemeClr>
+          </a:lnRef>
+          <a:fillRef idx="1">
+            <a:schemeClr val="accent1"/>
+          </a:fillRef>
+          <a:effectRef idx="0">
+            <a:schemeClr val="accent1"/>
+          </a:effectRef>
+          <a:fontRef idx="minor">
+            <a:schemeClr val="lt1"/>
+          </a:fontRef>
+        </p:style>
+        <p:txBody>
+          <a:bodyPr rtlCol="0" anchor="ctr"/>
+          <a:lstStyle/>
+          <a:p>
+            <a:pPr algn="ctr"/>
+            <a:r>
+              <a:rPr lang="en-US" sz="1200" b="1" dirty="0">
+                <a:solidFill>
+                  <a:schemeClr val="bg1"/>
+                </a:solidFill>
+              </a:rPr>
+              <a:t>Offset</a:t>
+            </a:r>
+          </a:p>
+          <a:p>
+            <a:pPr algn="ctr"/>
+            <a:r>
+              <a:rPr lang="en-US" sz="1200" b="1" dirty="0">
+                <a:solidFill>
+                  <a:schemeClr val="bg1"/>
+                </a:solidFill>
+              </a:rPr>
+              <a:t>32 Bits</a:t>
+            </a:r>
+          </a:p>
+        </p:txBody>
+      </p:sp>
+      <p:sp>
+        <p:nvSpPr>
+          <p:cNvPr id="11" name="Rectangle 10">
+            <a:extLst>
+              <a:ext uri="{FF2B5EF4-FFF2-40B4-BE49-F238E27FC236}">
+                <a16:creationId xmlns:a16="http://schemas.microsoft.com/office/drawing/2014/main" id="{F8C29554-28CC-9A4C-81AC-4B03F55D6E42}"/>
+              </a:ext>
+            </a:extLst>
+          </p:cNvPr>
+          <p:cNvSpPr/>
+          <p:nvPr/>
+        </p:nvSpPr>
+        <p:spPr>
+          <a:xfrm>
+            <a:off x="3647937" y="1676336"/>
+            <a:ext cx="1591470" cy="451945"/>
+          </a:xfrm>
+          <a:prstGeom prst="rect">
+            <a:avLst/>
+          </a:prstGeom>
+          <a:solidFill>
+            <a:schemeClr val="tx1"/>
+          </a:solidFill>
+        </p:spPr>
+        <p:style>
+          <a:lnRef idx="2">
+            <a:schemeClr val="accent1">
+              <a:shade val="50000"/>
+            </a:schemeClr>
+          </a:lnRef>
+          <a:fillRef idx="1">
+            <a:schemeClr val="accent1"/>
+          </a:fillRef>
+          <a:effectRef idx="0">
+            <a:schemeClr val="accent1"/>
+          </a:effectRef>
+          <a:fontRef idx="minor">
+            <a:schemeClr val="lt1"/>
+          </a:fontRef>
+        </p:style>
+        <p:txBody>
+          <a:bodyPr rtlCol="0" anchor="ctr"/>
+          <a:lstStyle/>
+          <a:p>
+            <a:pPr algn="ctr"/>
+            <a:r>
+              <a:rPr lang="en-US" sz="1200" b="1" dirty="0">
+                <a:solidFill>
+                  <a:schemeClr val="bg1"/>
+                </a:solidFill>
+              </a:rPr>
+              <a:t>Segment Selector</a:t>
+            </a:r>
+          </a:p>
+          <a:p>
+            <a:pPr algn="ctr"/>
+            <a:r>
+              <a:rPr lang="en-US" sz="1200" b="1" dirty="0">
+                <a:solidFill>
+                  <a:schemeClr val="bg1"/>
+                </a:solidFill>
+              </a:rPr>
+              <a:t>16 Bits</a:t>
+            </a:r>
+          </a:p>
+        </p:txBody>
+      </p:sp>
+      <p:sp>
+        <p:nvSpPr>
+          <p:cNvPr id="12" name="TextBox 11">
+            <a:extLst>
+              <a:ext uri="{FF2B5EF4-FFF2-40B4-BE49-F238E27FC236}">
+                <a16:creationId xmlns:a16="http://schemas.microsoft.com/office/drawing/2014/main" id="{9594F970-EF28-ED44-8D3B-0003453D3A95}"/>
+              </a:ext>
+            </a:extLst>
+          </p:cNvPr>
+          <p:cNvSpPr txBox="1"/>
+          <p:nvPr/>
+        </p:nvSpPr>
+        <p:spPr>
+          <a:xfrm>
+            <a:off x="5239407" y="1329495"/>
+            <a:ext cx="1627240" cy="369332"/>
+          </a:xfrm>
+          <a:prstGeom prst="rect">
+            <a:avLst/>
+          </a:prstGeom>
+          <a:noFill/>
+        </p:spPr>
+        <p:txBody>
+          <a:bodyPr wrap="none" rtlCol="0">
+            <a:spAutoFit/>
+          </a:bodyPr>
+          <a:lstStyle/>
+          <a:p>
+            <a:r>
+              <a:rPr lang="en-US" dirty="0"/>
+              <a:t>Logical Address</a:t>
+            </a:r>
+          </a:p>
+        </p:txBody>
+      </p:sp>
+      <p:sp>
+        <p:nvSpPr>
+          <p:cNvPr id="13" name="Down Arrow 12">
+            <a:extLst>
+              <a:ext uri="{FF2B5EF4-FFF2-40B4-BE49-F238E27FC236}">
+                <a16:creationId xmlns:a16="http://schemas.microsoft.com/office/drawing/2014/main" id="{96288096-06F5-EE46-A254-CCB2A73D4821}"/>
+              </a:ext>
+            </a:extLst>
+          </p:cNvPr>
+          <p:cNvSpPr/>
+          <p:nvPr/>
+        </p:nvSpPr>
+        <p:spPr>
+          <a:xfrm>
+            <a:off x="6262730" y="2404407"/>
+            <a:ext cx="515007" cy="1417408"/>
+          </a:xfrm>
+          <a:prstGeom prst="downArrow">
+            <a:avLst/>
+          </a:prstGeom>
+          <a:solidFill>
+            <a:srgbClr val="FFFF00"/>
+          </a:solidFill>
+        </p:spPr>
+        <p:style>
+          <a:lnRef idx="2">
+            <a:schemeClr val="accent1">
+              <a:shade val="50000"/>
+            </a:schemeClr>
+          </a:lnRef>
+          <a:fillRef idx="1">
+            <a:schemeClr val="accent1"/>
+          </a:fillRef>
+          <a:effectRef idx="0">
+            <a:schemeClr val="accent1"/>
+          </a:effectRef>
+          <a:fontRef idx="minor">
+            <a:schemeClr val="lt1"/>
+          </a:fontRef>
+        </p:style>
+        <p:txBody>
+          <a:bodyPr rtlCol="0" anchor="ctr"/>
+          <a:lstStyle/>
+          <a:p>
+            <a:pPr algn="ctr"/>
+            <a:endParaRPr lang="en-US" sz="1200" dirty="0">
+              <a:solidFill>
+                <a:schemeClr val="bg1"/>
+              </a:solidFill>
+            </a:endParaRPr>
+          </a:p>
+          <a:p>
+            <a:pPr algn="ctr"/>
+            <a:endParaRPr lang="en-US" dirty="0"/>
+          </a:p>
+        </p:txBody>
+      </p:sp>
+      <p:sp>
+        <p:nvSpPr>
+          <p:cNvPr id="14" name="TextBox 13">
+            <a:extLst>
+              <a:ext uri="{FF2B5EF4-FFF2-40B4-BE49-F238E27FC236}">
+                <a16:creationId xmlns:a16="http://schemas.microsoft.com/office/drawing/2014/main" id="{DFF06FCA-066E-294C-AE88-E572E4AD5BAF}"/>
+              </a:ext>
+            </a:extLst>
+          </p:cNvPr>
+          <p:cNvSpPr txBox="1"/>
+          <p:nvPr/>
+        </p:nvSpPr>
+        <p:spPr>
+          <a:xfrm>
+            <a:off x="10319463" y="6514980"/>
+            <a:ext cx="1207382" cy="246221"/>
+          </a:xfrm>
+          <a:prstGeom prst="rect">
+            <a:avLst/>
+          </a:prstGeom>
+          <a:noFill/>
+        </p:spPr>
+        <p:txBody>
+          <a:bodyPr wrap="none" rtlCol="0">
+            <a:spAutoFit/>
+          </a:bodyPr>
+          <a:lstStyle/>
+          <a:p>
+            <a:r>
+              <a:rPr lang="en-US" sz="1000" dirty="0"/>
+              <a:t>*In 32 bits Machine</a:t>
+            </a:r>
+          </a:p>
+        </p:txBody>
+      </p:sp>
+      <p:sp>
+        <p:nvSpPr>
+          <p:cNvPr id="15" name="TextBox 14">
+            <a:extLst>
+              <a:ext uri="{FF2B5EF4-FFF2-40B4-BE49-F238E27FC236}">
+                <a16:creationId xmlns:a16="http://schemas.microsoft.com/office/drawing/2014/main" id="{3A32A51C-4B06-B84C-907F-B34D61384BED}"/>
+              </a:ext>
+            </a:extLst>
+          </p:cNvPr>
+          <p:cNvSpPr txBox="1"/>
+          <p:nvPr/>
+        </p:nvSpPr>
+        <p:spPr>
+          <a:xfrm>
+            <a:off x="728821" y="2713092"/>
+            <a:ext cx="1942519" cy="369332"/>
+          </a:xfrm>
+          <a:prstGeom prst="rect">
+            <a:avLst/>
+          </a:prstGeom>
+          <a:noFill/>
+        </p:spPr>
+        <p:txBody>
+          <a:bodyPr wrap="none" rtlCol="0">
+            <a:spAutoFit/>
+          </a:bodyPr>
+          <a:lstStyle/>
+          <a:p>
+            <a:r>
+              <a:rPr lang="en-US" dirty="0">
+                <a:solidFill>
+                  <a:srgbClr val="FFFF00"/>
+                </a:solidFill>
+              </a:rPr>
+              <a:t>Segmentation Unit</a:t>
+            </a:r>
+          </a:p>
+        </p:txBody>
+      </p:sp>
+      <p:sp>
+        <p:nvSpPr>
+          <p:cNvPr id="16" name="Rounded Rectangle 15">
+            <a:extLst>
+              <a:ext uri="{FF2B5EF4-FFF2-40B4-BE49-F238E27FC236}">
+                <a16:creationId xmlns:a16="http://schemas.microsoft.com/office/drawing/2014/main" id="{F01821F6-9BF2-F44B-AE27-E982A93581FC}"/>
+              </a:ext>
+            </a:extLst>
+          </p:cNvPr>
+          <p:cNvSpPr/>
+          <p:nvPr/>
+        </p:nvSpPr>
+        <p:spPr>
+          <a:xfrm>
+            <a:off x="4474563" y="2365573"/>
+            <a:ext cx="1014249" cy="1219200"/>
+          </a:xfrm>
+          <a:prstGeom prst="roundRect">
+            <a:avLst/>
+          </a:prstGeom>
+          <a:solidFill>
+            <a:srgbClr val="FFFF00"/>
+          </a:solidFill>
+        </p:spPr>
+        <p:style>
+          <a:lnRef idx="2">
+            <a:schemeClr val="accent1">
+              <a:shade val="50000"/>
+            </a:schemeClr>
+          </a:lnRef>
+          <a:fillRef idx="1">
+            <a:schemeClr val="accent1"/>
+          </a:fillRef>
+          <a:effectRef idx="0">
+            <a:schemeClr val="accent1"/>
+          </a:effectRef>
+          <a:fontRef idx="minor">
+            <a:schemeClr val="lt1"/>
+          </a:fontRef>
+        </p:style>
+        <p:txBody>
+          <a:bodyPr rtlCol="0" anchor="ctr"/>
+          <a:lstStyle/>
+          <a:p>
+            <a:pPr algn="ctr"/>
+            <a:r>
+              <a:rPr lang="en-US" sz="1400" dirty="0">
+                <a:solidFill>
+                  <a:schemeClr val="bg1"/>
+                </a:solidFill>
+              </a:rPr>
+              <a:t>GDT / LDT</a:t>
+            </a:r>
+          </a:p>
+          <a:p>
+            <a:pPr algn="ctr"/>
+            <a:endParaRPr lang="en-US" dirty="0"/>
+          </a:p>
+          <a:p>
+            <a:pPr algn="ctr"/>
+            <a:endParaRPr lang="en-US" dirty="0"/>
+          </a:p>
+          <a:p>
+            <a:pPr algn="ctr"/>
+            <a:endParaRPr lang="en-US" dirty="0"/>
+          </a:p>
+        </p:txBody>
+      </p:sp>
+      <p:sp>
+        <p:nvSpPr>
+          <p:cNvPr id="17" name="Rectangle 16">
+            <a:extLst>
+              <a:ext uri="{FF2B5EF4-FFF2-40B4-BE49-F238E27FC236}">
+                <a16:creationId xmlns:a16="http://schemas.microsoft.com/office/drawing/2014/main" id="{F8887FC9-8826-9E47-A0C4-164D8FBC3C90}"/>
+              </a:ext>
+            </a:extLst>
+          </p:cNvPr>
+          <p:cNvSpPr/>
+          <p:nvPr/>
+        </p:nvSpPr>
+        <p:spPr>
+          <a:xfrm>
+            <a:off x="4523065" y="2737990"/>
+            <a:ext cx="917244" cy="337030"/>
+          </a:xfrm>
+          <a:prstGeom prst="rect">
+            <a:avLst/>
+          </a:prstGeom>
+          <a:solidFill>
+            <a:schemeClr val="tx1"/>
+          </a:solidFill>
+        </p:spPr>
+        <p:style>
+          <a:lnRef idx="2">
+            <a:schemeClr val="accent1">
+              <a:shade val="50000"/>
+            </a:schemeClr>
+          </a:lnRef>
+          <a:fillRef idx="1">
+            <a:schemeClr val="accent1"/>
+          </a:fillRef>
+          <a:effectRef idx="0">
+            <a:schemeClr val="accent1"/>
+          </a:effectRef>
+          <a:fontRef idx="minor">
+            <a:schemeClr val="lt1"/>
+          </a:fontRef>
+        </p:style>
+        <p:txBody>
+          <a:bodyPr rtlCol="0" anchor="ctr"/>
+          <a:lstStyle/>
+          <a:p>
+            <a:pPr algn="ctr"/>
+            <a:r>
+              <a:rPr lang="en-US" sz="1000" dirty="0">
+                <a:solidFill>
+                  <a:schemeClr val="bg1"/>
+                </a:solidFill>
+              </a:rPr>
+              <a:t>Segment descriptor</a:t>
+            </a:r>
+          </a:p>
+        </p:txBody>
+      </p:sp>
+      <p:cxnSp>
+        <p:nvCxnSpPr>
+          <p:cNvPr id="21" name="Elbow Connector 20">
+            <a:extLst>
+              <a:ext uri="{FF2B5EF4-FFF2-40B4-BE49-F238E27FC236}">
+                <a16:creationId xmlns:a16="http://schemas.microsoft.com/office/drawing/2014/main" id="{496E9081-17D5-1146-B6E2-1646681B47A2}"/>
+              </a:ext>
+            </a:extLst>
+          </p:cNvPr>
+          <p:cNvCxnSpPr>
+            <a:stCxn id="9" idx="1"/>
+            <a:endCxn id="17" idx="1"/>
+          </p:cNvCxnSpPr>
+          <p:nvPr/>
+        </p:nvCxnSpPr>
+        <p:spPr>
+          <a:xfrm rot="10800000" flipH="1" flipV="1">
+            <a:off x="3610303" y="1902309"/>
+            <a:ext cx="912762" cy="1004195"/>
+          </a:xfrm>
+          <a:prstGeom prst="bentConnector3">
+            <a:avLst>
+              <a:gd name="adj1" fmla="val -25045"/>
+            </a:avLst>
+          </a:prstGeom>
+          <a:ln>
+            <a:solidFill>
+              <a:schemeClr val="tx1"/>
+            </a:solidFill>
+            <a:tailEnd type="triangle"/>
+          </a:ln>
+        </p:spPr>
+        <p:style>
+          <a:lnRef idx="1">
+            <a:schemeClr val="accent1"/>
+          </a:lnRef>
+          <a:fillRef idx="0">
+            <a:schemeClr val="accent1"/>
+          </a:fillRef>
+          <a:effectRef idx="0">
+            <a:schemeClr val="accent1"/>
+          </a:effectRef>
+          <a:fontRef idx="minor">
+            <a:schemeClr val="tx1"/>
+          </a:fontRef>
+        </p:style>
+      </p:cxnSp>
+      <p:sp>
+        <p:nvSpPr>
+          <p:cNvPr id="22" name="TextBox 21">
+            <a:extLst>
+              <a:ext uri="{FF2B5EF4-FFF2-40B4-BE49-F238E27FC236}">
+                <a16:creationId xmlns:a16="http://schemas.microsoft.com/office/drawing/2014/main" id="{04201986-B3F5-D244-835C-2044817BFBAA}"/>
+              </a:ext>
+            </a:extLst>
+          </p:cNvPr>
+          <p:cNvSpPr txBox="1"/>
+          <p:nvPr/>
+        </p:nvSpPr>
+        <p:spPr>
+          <a:xfrm>
+            <a:off x="3460074" y="2666710"/>
+            <a:ext cx="861133" cy="261610"/>
+          </a:xfrm>
+          <a:prstGeom prst="rect">
+            <a:avLst/>
+          </a:prstGeom>
+          <a:noFill/>
+        </p:spPr>
+        <p:txBody>
+          <a:bodyPr wrap="none" rtlCol="0">
+            <a:spAutoFit/>
+          </a:bodyPr>
+          <a:lstStyle/>
+          <a:p>
+            <a:r>
+              <a:rPr lang="en-US" sz="1100" dirty="0"/>
+              <a:t>+ gdtr / rdtr</a:t>
+            </a:r>
+          </a:p>
+        </p:txBody>
+      </p:sp>
+      <p:cxnSp>
+        <p:nvCxnSpPr>
+          <p:cNvPr id="29" name="Elbow Connector 28">
+            <a:extLst>
+              <a:ext uri="{FF2B5EF4-FFF2-40B4-BE49-F238E27FC236}">
+                <a16:creationId xmlns:a16="http://schemas.microsoft.com/office/drawing/2014/main" id="{CBD04E77-1BAF-234F-86F2-2B15A047135E}"/>
+              </a:ext>
+            </a:extLst>
+          </p:cNvPr>
+          <p:cNvCxnSpPr>
+            <a:stCxn id="16" idx="3"/>
+          </p:cNvCxnSpPr>
+          <p:nvPr/>
+        </p:nvCxnSpPr>
+        <p:spPr>
+          <a:xfrm flipV="1">
+            <a:off x="5488812" y="2975172"/>
+            <a:ext cx="1035674" cy="1"/>
+          </a:xfrm>
+          <a:prstGeom prst="bentConnector3">
+            <a:avLst/>
+          </a:prstGeom>
+          <a:ln>
+            <a:tailEnd type="triangle"/>
+          </a:ln>
+        </p:spPr>
+        <p:style>
+          <a:lnRef idx="1">
+            <a:schemeClr val="accent1"/>
+          </a:lnRef>
+          <a:fillRef idx="0">
+            <a:schemeClr val="accent1"/>
+          </a:fillRef>
+          <a:effectRef idx="0">
+            <a:schemeClr val="accent1"/>
+          </a:effectRef>
+          <a:fontRef idx="minor">
+            <a:schemeClr val="tx1"/>
+          </a:fontRef>
+        </p:style>
+      </p:cxnSp>
+      <p:cxnSp>
+        <p:nvCxnSpPr>
+          <p:cNvPr id="34" name="Elbow Connector 33">
+            <a:extLst>
+              <a:ext uri="{FF2B5EF4-FFF2-40B4-BE49-F238E27FC236}">
+                <a16:creationId xmlns:a16="http://schemas.microsoft.com/office/drawing/2014/main" id="{351E2FAC-9EBF-1343-A9EF-DF78E01BEFDA}"/>
+              </a:ext>
+            </a:extLst>
+          </p:cNvPr>
+          <p:cNvCxnSpPr>
+            <a:stCxn id="10" idx="3"/>
+          </p:cNvCxnSpPr>
+          <p:nvPr/>
+        </p:nvCxnSpPr>
+        <p:spPr>
+          <a:xfrm flipH="1">
+            <a:off x="6524486" y="1902309"/>
+            <a:ext cx="1996352" cy="1072863"/>
+          </a:xfrm>
+          <a:prstGeom prst="bentConnector3">
+            <a:avLst>
+              <a:gd name="adj1" fmla="val -11451"/>
+            </a:avLst>
+          </a:prstGeom>
+          <a:ln>
+            <a:tailEnd type="triangle"/>
+          </a:ln>
+        </p:spPr>
+        <p:style>
+          <a:lnRef idx="1">
+            <a:schemeClr val="accent1"/>
+          </a:lnRef>
+          <a:fillRef idx="0">
+            <a:schemeClr val="accent1"/>
+          </a:fillRef>
+          <a:effectRef idx="0">
+            <a:schemeClr val="accent1"/>
+          </a:effectRef>
+          <a:fontRef idx="minor">
+            <a:schemeClr val="tx1"/>
+          </a:fontRef>
+        </p:style>
+      </p:cxnSp>
+      <p:sp>
+        <p:nvSpPr>
+          <p:cNvPr id="35" name="TextBox 34">
+            <a:extLst>
+              <a:ext uri="{FF2B5EF4-FFF2-40B4-BE49-F238E27FC236}">
+                <a16:creationId xmlns:a16="http://schemas.microsoft.com/office/drawing/2014/main" id="{722CC638-C867-6947-A7A4-38877D5BDF3A}"/>
+              </a:ext>
+            </a:extLst>
+          </p:cNvPr>
+          <p:cNvSpPr txBox="1"/>
+          <p:nvPr/>
+        </p:nvSpPr>
+        <p:spPr>
+          <a:xfrm>
+            <a:off x="7290934" y="2708773"/>
+            <a:ext cx="544188" cy="276999"/>
+          </a:xfrm>
+          <a:prstGeom prst="rect">
+            <a:avLst/>
+          </a:prstGeom>
+          <a:noFill/>
+        </p:spPr>
+        <p:txBody>
+          <a:bodyPr wrap="none" rtlCol="0">
+            <a:spAutoFit/>
+          </a:bodyPr>
+          <a:lstStyle/>
+          <a:p>
+            <a:r>
+              <a:rPr lang="en-US" sz="1200" dirty="0"/>
+              <a:t>offset</a:t>
+            </a:r>
+          </a:p>
+        </p:txBody>
+      </p:sp>
+      <p:sp>
+        <p:nvSpPr>
+          <p:cNvPr id="39" name="TextBox 38">
+            <a:extLst>
+              <a:ext uri="{FF2B5EF4-FFF2-40B4-BE49-F238E27FC236}">
+                <a16:creationId xmlns:a16="http://schemas.microsoft.com/office/drawing/2014/main" id="{CE0B6C30-690F-FC48-AE0D-9B37EFB4FD4B}"/>
+              </a:ext>
+            </a:extLst>
+          </p:cNvPr>
+          <p:cNvSpPr txBox="1"/>
+          <p:nvPr/>
+        </p:nvSpPr>
+        <p:spPr>
+          <a:xfrm>
+            <a:off x="5578180" y="2703473"/>
+            <a:ext cx="801823" cy="276999"/>
+          </a:xfrm>
+          <a:prstGeom prst="rect">
+            <a:avLst/>
+          </a:prstGeom>
+          <a:noFill/>
+        </p:spPr>
+        <p:txBody>
+          <a:bodyPr wrap="none" rtlCol="0">
+            <a:spAutoFit/>
+          </a:bodyPr>
+          <a:lstStyle/>
+          <a:p>
+            <a:r>
+              <a:rPr lang="en-US" sz="1200" dirty="0"/>
+              <a:t>Base addr</a:t>
+            </a:r>
+          </a:p>
+        </p:txBody>
+      </p:sp>
+      <p:sp>
+        <p:nvSpPr>
+          <p:cNvPr id="40" name="TextBox 39">
+            <a:extLst>
+              <a:ext uri="{FF2B5EF4-FFF2-40B4-BE49-F238E27FC236}">
+                <a16:creationId xmlns:a16="http://schemas.microsoft.com/office/drawing/2014/main" id="{BFB3EEF0-AE3D-5E4F-9497-ADD0F6C63968}"/>
+              </a:ext>
+            </a:extLst>
+          </p:cNvPr>
+          <p:cNvSpPr txBox="1"/>
+          <p:nvPr/>
+        </p:nvSpPr>
+        <p:spPr>
+          <a:xfrm>
+            <a:off x="6380003" y="2721839"/>
+            <a:ext cx="300082" cy="369332"/>
+          </a:xfrm>
+          <a:prstGeom prst="rect">
+            <a:avLst/>
+          </a:prstGeom>
+          <a:noFill/>
+        </p:spPr>
+        <p:txBody>
+          <a:bodyPr wrap="none" rtlCol="0">
+            <a:spAutoFit/>
+          </a:bodyPr>
+          <a:lstStyle/>
+          <a:p>
+            <a:r>
+              <a:rPr lang="en-US" dirty="0">
+                <a:solidFill>
+                  <a:schemeClr val="bg1"/>
+                </a:solidFill>
+              </a:rPr>
+              <a:t>+</a:t>
+            </a:r>
+          </a:p>
+        </p:txBody>
+      </p:sp>
+      <p:sp>
+        <p:nvSpPr>
+          <p:cNvPr id="41" name="TextBox 40">
+            <a:extLst>
+              <a:ext uri="{FF2B5EF4-FFF2-40B4-BE49-F238E27FC236}">
+                <a16:creationId xmlns:a16="http://schemas.microsoft.com/office/drawing/2014/main" id="{BDC98DF9-17A2-C143-8A0E-DCF7EE2D180B}"/>
+              </a:ext>
+            </a:extLst>
+          </p:cNvPr>
+          <p:cNvSpPr txBox="1"/>
+          <p:nvPr/>
+        </p:nvSpPr>
+        <p:spPr>
+          <a:xfrm>
+            <a:off x="5676129" y="2934319"/>
+            <a:ext cx="567784" cy="261610"/>
+          </a:xfrm>
+          <a:prstGeom prst="rect">
+            <a:avLst/>
+          </a:prstGeom>
+          <a:noFill/>
+        </p:spPr>
+        <p:txBody>
+          <a:bodyPr wrap="none" rtlCol="0">
+            <a:spAutoFit/>
+          </a:bodyPr>
+          <a:lstStyle/>
+          <a:p>
+            <a:r>
+              <a:rPr lang="en-US" sz="1050" dirty="0"/>
+              <a:t>32 bits</a:t>
+            </a:r>
+          </a:p>
+        </p:txBody>
+      </p:sp>
+      <p:sp>
+        <p:nvSpPr>
+          <p:cNvPr id="42" name="TextBox 41">
+            <a:extLst>
+              <a:ext uri="{FF2B5EF4-FFF2-40B4-BE49-F238E27FC236}">
+                <a16:creationId xmlns:a16="http://schemas.microsoft.com/office/drawing/2014/main" id="{94BBF2C7-3843-B946-846E-11EC6314C2E6}"/>
+              </a:ext>
+            </a:extLst>
+          </p:cNvPr>
+          <p:cNvSpPr txBox="1"/>
+          <p:nvPr/>
+        </p:nvSpPr>
+        <p:spPr>
+          <a:xfrm>
+            <a:off x="7290866" y="2928320"/>
+            <a:ext cx="567784" cy="261610"/>
+          </a:xfrm>
+          <a:prstGeom prst="rect">
+            <a:avLst/>
+          </a:prstGeom>
+          <a:noFill/>
+        </p:spPr>
+        <p:txBody>
+          <a:bodyPr wrap="none" rtlCol="0">
+            <a:spAutoFit/>
+          </a:bodyPr>
+          <a:lstStyle/>
+          <a:p>
+            <a:r>
+              <a:rPr lang="en-US" sz="1050" dirty="0"/>
+              <a:t>32 bits</a:t>
+            </a:r>
+          </a:p>
+        </p:txBody>
+      </p:sp>
+      <p:sp>
+        <p:nvSpPr>
+          <p:cNvPr id="43" name="Rectangle 42">
+            <a:extLst>
+              <a:ext uri="{FF2B5EF4-FFF2-40B4-BE49-F238E27FC236}">
+                <a16:creationId xmlns:a16="http://schemas.microsoft.com/office/drawing/2014/main" id="{41D7B1B5-736F-464D-9F9E-3D97AB90DD71}"/>
+              </a:ext>
+            </a:extLst>
+          </p:cNvPr>
+          <p:cNvSpPr/>
+          <p:nvPr/>
+        </p:nvSpPr>
+        <p:spPr>
+          <a:xfrm>
+            <a:off x="4328714" y="4071664"/>
+            <a:ext cx="3262614" cy="451944"/>
+          </a:xfrm>
+          <a:prstGeom prst="rect">
+            <a:avLst/>
+          </a:prstGeom>
+          <a:solidFill>
+            <a:srgbClr val="92D050"/>
+          </a:solidFill>
+        </p:spPr>
+        <p:style>
+          <a:lnRef idx="2">
+            <a:schemeClr val="accent1">
+              <a:shade val="50000"/>
+            </a:schemeClr>
+          </a:lnRef>
+          <a:fillRef idx="1">
+            <a:schemeClr val="accent1"/>
+          </a:fillRef>
+          <a:effectRef idx="0">
+            <a:schemeClr val="accent1"/>
+          </a:effectRef>
+          <a:fontRef idx="minor">
+            <a:schemeClr val="lt1"/>
+          </a:fontRef>
+        </p:style>
+        <p:txBody>
+          <a:bodyPr rtlCol="0" anchor="ctr"/>
+          <a:lstStyle/>
+          <a:p>
+            <a:pPr algn="ctr"/>
+            <a:endParaRPr lang="en-US" sz="1200" b="1" dirty="0">
+              <a:solidFill>
+                <a:schemeClr val="bg1"/>
+              </a:solidFill>
+            </a:endParaRPr>
+          </a:p>
+        </p:txBody>
+      </p:sp>
+      <p:sp>
+        <p:nvSpPr>
+          <p:cNvPr id="45" name="TextBox 44">
+            <a:extLst>
+              <a:ext uri="{FF2B5EF4-FFF2-40B4-BE49-F238E27FC236}">
+                <a16:creationId xmlns:a16="http://schemas.microsoft.com/office/drawing/2014/main" id="{B1C6223B-92FE-E04A-85A5-2C70A760FBC4}"/>
+              </a:ext>
+            </a:extLst>
+          </p:cNvPr>
+          <p:cNvSpPr txBox="1"/>
+          <p:nvPr/>
+        </p:nvSpPr>
+        <p:spPr>
+          <a:xfrm>
+            <a:off x="5246460" y="3772088"/>
+            <a:ext cx="2172582" cy="369332"/>
+          </a:xfrm>
+          <a:prstGeom prst="rect">
+            <a:avLst/>
+          </a:prstGeom>
+          <a:noFill/>
+        </p:spPr>
+        <p:txBody>
+          <a:bodyPr wrap="none" rtlCol="0">
+            <a:spAutoFit/>
+          </a:bodyPr>
+          <a:lstStyle/>
+          <a:p>
+            <a:r>
+              <a:rPr lang="en-US" dirty="0"/>
+              <a:t>Virtual Address  </a:t>
+            </a:r>
+            <a:r>
+              <a:rPr lang="en-US" sz="1200" dirty="0"/>
+              <a:t>32Bits</a:t>
+            </a:r>
+            <a:endParaRPr lang="en-US" dirty="0"/>
+          </a:p>
+        </p:txBody>
+      </p:sp>
+      <p:sp>
+        <p:nvSpPr>
+          <p:cNvPr id="46" name="TextBox 45">
+            <a:extLst>
+              <a:ext uri="{FF2B5EF4-FFF2-40B4-BE49-F238E27FC236}">
+                <a16:creationId xmlns:a16="http://schemas.microsoft.com/office/drawing/2014/main" id="{27188527-4158-D34A-9204-43C7B5A81827}"/>
+              </a:ext>
+            </a:extLst>
+          </p:cNvPr>
+          <p:cNvSpPr txBox="1"/>
+          <p:nvPr/>
+        </p:nvSpPr>
+        <p:spPr>
+          <a:xfrm>
+            <a:off x="966552" y="4954817"/>
+            <a:ext cx="1253741" cy="369332"/>
+          </a:xfrm>
+          <a:prstGeom prst="rect">
+            <a:avLst/>
+          </a:prstGeom>
+          <a:noFill/>
+        </p:spPr>
+        <p:txBody>
+          <a:bodyPr wrap="none" rtlCol="0">
+            <a:spAutoFit/>
+          </a:bodyPr>
+          <a:lstStyle/>
+          <a:p>
+            <a:r>
+              <a:rPr lang="en-US" dirty="0">
+                <a:solidFill>
+                  <a:schemeClr val="accent1"/>
+                </a:solidFill>
+              </a:rPr>
+              <a:t>Paging Unit</a:t>
+            </a:r>
+          </a:p>
+        </p:txBody>
+      </p:sp>
+      <p:sp>
+        <p:nvSpPr>
+          <p:cNvPr id="47" name="Rectangle 46">
+            <a:extLst>
+              <a:ext uri="{FF2B5EF4-FFF2-40B4-BE49-F238E27FC236}">
+                <a16:creationId xmlns:a16="http://schemas.microsoft.com/office/drawing/2014/main" id="{4DC9B4A5-32CB-7543-8DF4-88DA27C950F2}"/>
+              </a:ext>
+            </a:extLst>
+          </p:cNvPr>
+          <p:cNvSpPr/>
+          <p:nvPr/>
+        </p:nvSpPr>
+        <p:spPr>
+          <a:xfrm>
+            <a:off x="4328714" y="4103635"/>
+            <a:ext cx="929510" cy="382188"/>
+          </a:xfrm>
+          <a:prstGeom prst="rect">
+            <a:avLst/>
+          </a:prstGeom>
+        </p:spPr>
+        <p:style>
+          <a:lnRef idx="2">
+            <a:schemeClr val="accent1">
+              <a:shade val="50000"/>
+            </a:schemeClr>
+          </a:lnRef>
+          <a:fillRef idx="1">
+            <a:schemeClr val="accent1"/>
+          </a:fillRef>
+          <a:effectRef idx="0">
+            <a:schemeClr val="accent1"/>
+          </a:effectRef>
+          <a:fontRef idx="minor">
+            <a:schemeClr val="lt1"/>
+          </a:fontRef>
+        </p:style>
+        <p:txBody>
+          <a:bodyPr rtlCol="0" anchor="ctr"/>
+          <a:lstStyle/>
+          <a:p>
+            <a:pPr algn="ctr"/>
+            <a:r>
+              <a:rPr lang="en-US" sz="1200" b="1" dirty="0"/>
+              <a:t>Directory</a:t>
+            </a:r>
+          </a:p>
+          <a:p>
+            <a:pPr algn="ctr"/>
+            <a:r>
+              <a:rPr lang="en-US" sz="1200" b="1" dirty="0"/>
+              <a:t>10 bits</a:t>
+            </a:r>
+          </a:p>
+        </p:txBody>
+      </p:sp>
+      <p:sp>
+        <p:nvSpPr>
+          <p:cNvPr id="48" name="Rectangle 47">
+            <a:extLst>
+              <a:ext uri="{FF2B5EF4-FFF2-40B4-BE49-F238E27FC236}">
+                <a16:creationId xmlns:a16="http://schemas.microsoft.com/office/drawing/2014/main" id="{5D404779-3EC2-1C45-9A8C-5D3D6892F8EA}"/>
+              </a:ext>
+            </a:extLst>
+          </p:cNvPr>
+          <p:cNvSpPr/>
+          <p:nvPr/>
+        </p:nvSpPr>
+        <p:spPr>
+          <a:xfrm>
+            <a:off x="6291027" y="4103635"/>
+            <a:ext cx="1258577" cy="382188"/>
+          </a:xfrm>
+          <a:prstGeom prst="rect">
+            <a:avLst/>
+          </a:prstGeom>
+        </p:spPr>
+        <p:style>
+          <a:lnRef idx="2">
+            <a:schemeClr val="accent1">
+              <a:shade val="50000"/>
+            </a:schemeClr>
+          </a:lnRef>
+          <a:fillRef idx="1">
+            <a:schemeClr val="accent1"/>
+          </a:fillRef>
+          <a:effectRef idx="0">
+            <a:schemeClr val="accent1"/>
+          </a:effectRef>
+          <a:fontRef idx="minor">
+            <a:schemeClr val="lt1"/>
+          </a:fontRef>
+        </p:style>
+        <p:txBody>
+          <a:bodyPr rtlCol="0" anchor="ctr"/>
+          <a:lstStyle/>
+          <a:p>
+            <a:pPr algn="ctr"/>
+            <a:r>
+              <a:rPr lang="en-US" sz="1200" b="1" dirty="0"/>
+              <a:t>Offset</a:t>
+            </a:r>
+          </a:p>
+          <a:p>
+            <a:pPr algn="ctr"/>
+            <a:r>
+              <a:rPr lang="en-US" sz="1200" b="1" dirty="0"/>
+              <a:t>12 bits</a:t>
+            </a:r>
+          </a:p>
+        </p:txBody>
+      </p:sp>
+      <p:sp>
+        <p:nvSpPr>
+          <p:cNvPr id="49" name="Rectangle 48">
+            <a:extLst>
+              <a:ext uri="{FF2B5EF4-FFF2-40B4-BE49-F238E27FC236}">
+                <a16:creationId xmlns:a16="http://schemas.microsoft.com/office/drawing/2014/main" id="{9CA5096F-1242-9D49-92A2-EA408F6FC90F}"/>
+              </a:ext>
+            </a:extLst>
+          </p:cNvPr>
+          <p:cNvSpPr/>
+          <p:nvPr/>
+        </p:nvSpPr>
+        <p:spPr>
+          <a:xfrm>
+            <a:off x="5294532" y="4103635"/>
+            <a:ext cx="949381" cy="382188"/>
+          </a:xfrm>
+          <a:prstGeom prst="rect">
+            <a:avLst/>
+          </a:prstGeom>
+        </p:spPr>
+        <p:style>
+          <a:lnRef idx="2">
+            <a:schemeClr val="accent1">
+              <a:shade val="50000"/>
+            </a:schemeClr>
+          </a:lnRef>
+          <a:fillRef idx="1">
+            <a:schemeClr val="accent1"/>
+          </a:fillRef>
+          <a:effectRef idx="0">
+            <a:schemeClr val="accent1"/>
+          </a:effectRef>
+          <a:fontRef idx="minor">
+            <a:schemeClr val="lt1"/>
+          </a:fontRef>
+        </p:style>
+        <p:txBody>
+          <a:bodyPr rtlCol="0" anchor="ctr"/>
+          <a:lstStyle/>
+          <a:p>
+            <a:pPr algn="ctr"/>
+            <a:r>
+              <a:rPr lang="en-US" sz="1200" b="1" dirty="0"/>
+              <a:t>Table</a:t>
+            </a:r>
+          </a:p>
+          <a:p>
+            <a:pPr algn="ctr"/>
+            <a:r>
+              <a:rPr lang="en-US" sz="1200" b="1" dirty="0"/>
+              <a:t>10 bits</a:t>
+            </a:r>
+          </a:p>
+        </p:txBody>
+      </p:sp>
+      <p:sp>
+        <p:nvSpPr>
+          <p:cNvPr id="50" name="Rounded Rectangle 49">
+            <a:extLst>
+              <a:ext uri="{FF2B5EF4-FFF2-40B4-BE49-F238E27FC236}">
+                <a16:creationId xmlns:a16="http://schemas.microsoft.com/office/drawing/2014/main" id="{8B964B67-88E7-774C-AE83-F4327D83FD94}"/>
+              </a:ext>
+            </a:extLst>
+          </p:cNvPr>
+          <p:cNvSpPr/>
+          <p:nvPr/>
+        </p:nvSpPr>
+        <p:spPr>
+          <a:xfrm>
+            <a:off x="4357289" y="5246974"/>
+            <a:ext cx="872359" cy="857404"/>
+          </a:xfrm>
+          <a:prstGeom prst="roundRect">
+            <a:avLst/>
+          </a:prstGeom>
+        </p:spPr>
+        <p:style>
+          <a:lnRef idx="2">
+            <a:schemeClr val="accent1">
+              <a:shade val="50000"/>
+            </a:schemeClr>
+          </a:lnRef>
+          <a:fillRef idx="1">
+            <a:schemeClr val="accent1"/>
+          </a:fillRef>
+          <a:effectRef idx="0">
+            <a:schemeClr val="accent1"/>
+          </a:effectRef>
+          <a:fontRef idx="minor">
+            <a:schemeClr val="lt1"/>
+          </a:fontRef>
+        </p:style>
+        <p:txBody>
+          <a:bodyPr rtlCol="0" anchor="ctr"/>
+          <a:lstStyle/>
+          <a:p>
+            <a:pPr algn="ctr"/>
+            <a:endParaRPr lang="en-US"/>
+          </a:p>
+        </p:txBody>
+      </p:sp>
+      <p:sp>
+        <p:nvSpPr>
+          <p:cNvPr id="51" name="Rounded Rectangle 50">
+            <a:extLst>
+              <a:ext uri="{FF2B5EF4-FFF2-40B4-BE49-F238E27FC236}">
+                <a16:creationId xmlns:a16="http://schemas.microsoft.com/office/drawing/2014/main" id="{4695EBFD-80C5-9C4C-8376-36128D1EF604}"/>
+              </a:ext>
+            </a:extLst>
+          </p:cNvPr>
+          <p:cNvSpPr/>
+          <p:nvPr/>
+        </p:nvSpPr>
+        <p:spPr>
+          <a:xfrm>
+            <a:off x="5333042" y="4676454"/>
+            <a:ext cx="872359" cy="857404"/>
+          </a:xfrm>
+          <a:prstGeom prst="roundRect">
+            <a:avLst/>
+          </a:prstGeom>
+        </p:spPr>
+        <p:style>
+          <a:lnRef idx="2">
+            <a:schemeClr val="accent1">
+              <a:shade val="50000"/>
+            </a:schemeClr>
+          </a:lnRef>
+          <a:fillRef idx="1">
+            <a:schemeClr val="accent1"/>
+          </a:fillRef>
+          <a:effectRef idx="0">
+            <a:schemeClr val="accent1"/>
+          </a:effectRef>
+          <a:fontRef idx="minor">
+            <a:schemeClr val="lt1"/>
+          </a:fontRef>
+        </p:style>
+        <p:txBody>
+          <a:bodyPr rtlCol="0" anchor="ctr"/>
+          <a:lstStyle/>
+          <a:p>
+            <a:pPr algn="ctr"/>
+            <a:endParaRPr lang="en-US"/>
+          </a:p>
+        </p:txBody>
+      </p:sp>
+      <p:sp>
+        <p:nvSpPr>
+          <p:cNvPr id="52" name="Rounded Rectangle 51">
+            <a:extLst>
+              <a:ext uri="{FF2B5EF4-FFF2-40B4-BE49-F238E27FC236}">
+                <a16:creationId xmlns:a16="http://schemas.microsoft.com/office/drawing/2014/main" id="{2AC9666D-4699-7F45-8C31-7668F45DEB74}"/>
+              </a:ext>
+            </a:extLst>
+          </p:cNvPr>
+          <p:cNvSpPr/>
+          <p:nvPr/>
+        </p:nvSpPr>
+        <p:spPr>
+          <a:xfrm>
+            <a:off x="6453351" y="4595577"/>
+            <a:ext cx="872359" cy="1508801"/>
+          </a:xfrm>
+          <a:prstGeom prst="roundRect">
+            <a:avLst/>
+          </a:prstGeom>
+        </p:spPr>
+        <p:style>
+          <a:lnRef idx="2">
+            <a:schemeClr val="accent1">
+              <a:shade val="50000"/>
+            </a:schemeClr>
+          </a:lnRef>
+          <a:fillRef idx="1">
+            <a:schemeClr val="accent1"/>
+          </a:fillRef>
+          <a:effectRef idx="0">
+            <a:schemeClr val="accent1"/>
+          </a:effectRef>
+          <a:fontRef idx="minor">
+            <a:schemeClr val="lt1"/>
+          </a:fontRef>
+        </p:style>
+        <p:txBody>
+          <a:bodyPr rtlCol="0" anchor="ctr"/>
+          <a:lstStyle/>
+          <a:p>
+            <a:pPr algn="ctr"/>
+            <a:r>
+              <a:rPr lang="en-US" sz="1400" dirty="0"/>
+              <a:t>Page</a:t>
+            </a:r>
+          </a:p>
+          <a:p>
+            <a:pPr algn="ctr"/>
+            <a:endParaRPr lang="en-US" dirty="0"/>
+          </a:p>
+          <a:p>
+            <a:pPr algn="ctr"/>
+            <a:endParaRPr lang="en-US" dirty="0"/>
+          </a:p>
+          <a:p>
+            <a:pPr algn="ctr"/>
+            <a:endParaRPr lang="en-US" dirty="0"/>
+          </a:p>
+          <a:p>
+            <a:pPr algn="ctr"/>
+            <a:endParaRPr lang="en-US" dirty="0"/>
+          </a:p>
+          <a:p>
+            <a:pPr algn="ctr"/>
+            <a:endParaRPr lang="en-US" dirty="0"/>
+          </a:p>
+        </p:txBody>
+      </p:sp>
+      <p:sp>
+        <p:nvSpPr>
+          <p:cNvPr id="53" name="Rounded Rectangle 52">
+            <a:extLst>
+              <a:ext uri="{FF2B5EF4-FFF2-40B4-BE49-F238E27FC236}">
+                <a16:creationId xmlns:a16="http://schemas.microsoft.com/office/drawing/2014/main" id="{9D1239A5-9A46-7542-9380-8C57E2DDC55A}"/>
+              </a:ext>
+            </a:extLst>
+          </p:cNvPr>
+          <p:cNvSpPr/>
+          <p:nvPr/>
+        </p:nvSpPr>
+        <p:spPr>
+          <a:xfrm>
+            <a:off x="6504213" y="4844854"/>
+            <a:ext cx="770633" cy="219926"/>
+          </a:xfrm>
+          <a:prstGeom prst="roundRect">
+            <a:avLst/>
+          </a:prstGeom>
+          <a:solidFill>
+            <a:srgbClr val="92D050"/>
+          </a:solidFill>
+        </p:spPr>
+        <p:style>
+          <a:lnRef idx="2">
+            <a:schemeClr val="accent1">
+              <a:shade val="50000"/>
+            </a:schemeClr>
+          </a:lnRef>
+          <a:fillRef idx="1">
+            <a:schemeClr val="accent1"/>
+          </a:fillRef>
+          <a:effectRef idx="0">
+            <a:schemeClr val="accent1"/>
+          </a:effectRef>
+          <a:fontRef idx="minor">
+            <a:schemeClr val="lt1"/>
+          </a:fontRef>
+        </p:style>
+        <p:txBody>
+          <a:bodyPr rtlCol="0" anchor="ctr"/>
+          <a:lstStyle/>
+          <a:p>
+            <a:pPr algn="ctr"/>
+            <a:r>
+              <a:rPr lang="en-US" sz="1200" dirty="0">
+                <a:solidFill>
+                  <a:schemeClr val="bg1"/>
+                </a:solidFill>
+              </a:rPr>
+              <a:t>4KB</a:t>
+            </a:r>
+          </a:p>
+        </p:txBody>
+      </p:sp>
+      <p:cxnSp>
+        <p:nvCxnSpPr>
+          <p:cNvPr id="56" name="Elbow Connector 55">
+            <a:extLst>
+              <a:ext uri="{FF2B5EF4-FFF2-40B4-BE49-F238E27FC236}">
+                <a16:creationId xmlns:a16="http://schemas.microsoft.com/office/drawing/2014/main" id="{F2849AF0-C901-EF4A-9FAA-1622ACF72145}"/>
+              </a:ext>
+            </a:extLst>
+          </p:cNvPr>
+          <p:cNvCxnSpPr>
+            <a:stCxn id="47" idx="1"/>
+            <a:endCxn id="50" idx="1"/>
+          </p:cNvCxnSpPr>
+          <p:nvPr/>
+        </p:nvCxnSpPr>
+        <p:spPr>
+          <a:xfrm rot="10800000" flipH="1" flipV="1">
+            <a:off x="4328713" y="4294728"/>
+            <a:ext cx="28575" cy="1380947"/>
+          </a:xfrm>
+          <a:prstGeom prst="bentConnector3">
+            <a:avLst>
+              <a:gd name="adj1" fmla="val -800000"/>
+            </a:avLst>
+          </a:prstGeom>
+          <a:ln>
+            <a:solidFill>
+              <a:schemeClr val="tx1"/>
+            </a:solidFill>
+            <a:tailEnd type="triangle"/>
+          </a:ln>
+        </p:spPr>
+        <p:style>
+          <a:lnRef idx="1">
+            <a:schemeClr val="accent1"/>
+          </a:lnRef>
+          <a:fillRef idx="0">
+            <a:schemeClr val="accent1"/>
+          </a:fillRef>
+          <a:effectRef idx="0">
+            <a:schemeClr val="accent1"/>
+          </a:effectRef>
+          <a:fontRef idx="minor">
+            <a:schemeClr val="tx1"/>
+          </a:fontRef>
+        </p:style>
+      </p:cxnSp>
+      <p:sp>
+        <p:nvSpPr>
+          <p:cNvPr id="57" name="Rounded Rectangle 56">
+            <a:extLst>
+              <a:ext uri="{FF2B5EF4-FFF2-40B4-BE49-F238E27FC236}">
+                <a16:creationId xmlns:a16="http://schemas.microsoft.com/office/drawing/2014/main" id="{7742E3EB-05FD-AD46-8B31-1558D03920B3}"/>
+              </a:ext>
+            </a:extLst>
+          </p:cNvPr>
+          <p:cNvSpPr/>
+          <p:nvPr/>
+        </p:nvSpPr>
+        <p:spPr>
+          <a:xfrm>
+            <a:off x="6504212" y="5102284"/>
+            <a:ext cx="770633" cy="219926"/>
+          </a:xfrm>
+          <a:prstGeom prst="roundRect">
+            <a:avLst/>
+          </a:prstGeom>
+          <a:solidFill>
+            <a:srgbClr val="92D050"/>
+          </a:solidFill>
+        </p:spPr>
+        <p:style>
+          <a:lnRef idx="2">
+            <a:schemeClr val="accent1">
+              <a:shade val="50000"/>
+            </a:schemeClr>
+          </a:lnRef>
+          <a:fillRef idx="1">
+            <a:schemeClr val="accent1"/>
+          </a:fillRef>
+          <a:effectRef idx="0">
+            <a:schemeClr val="accent1"/>
+          </a:effectRef>
+          <a:fontRef idx="minor">
+            <a:schemeClr val="lt1"/>
+          </a:fontRef>
+        </p:style>
+        <p:txBody>
+          <a:bodyPr rtlCol="0" anchor="ctr"/>
+          <a:lstStyle/>
+          <a:p>
+            <a:pPr algn="ctr"/>
+            <a:r>
+              <a:rPr lang="en-US" sz="1200" dirty="0">
+                <a:solidFill>
+                  <a:schemeClr val="bg1"/>
+                </a:solidFill>
+              </a:rPr>
+              <a:t>4KB</a:t>
+            </a:r>
+          </a:p>
+        </p:txBody>
+      </p:sp>
+      <p:sp>
+        <p:nvSpPr>
+          <p:cNvPr id="58" name="Rounded Rectangle 57">
+            <a:extLst>
+              <a:ext uri="{FF2B5EF4-FFF2-40B4-BE49-F238E27FC236}">
+                <a16:creationId xmlns:a16="http://schemas.microsoft.com/office/drawing/2014/main" id="{4AAE7163-F852-3F46-AAA7-9D5D4B4209E6}"/>
+              </a:ext>
+            </a:extLst>
+          </p:cNvPr>
+          <p:cNvSpPr/>
+          <p:nvPr/>
+        </p:nvSpPr>
+        <p:spPr>
+          <a:xfrm>
+            <a:off x="6504211" y="5355205"/>
+            <a:ext cx="770633" cy="219926"/>
+          </a:xfrm>
+          <a:prstGeom prst="roundRect">
+            <a:avLst/>
+          </a:prstGeom>
+          <a:solidFill>
+            <a:srgbClr val="92D050"/>
+          </a:solidFill>
+        </p:spPr>
+        <p:style>
+          <a:lnRef idx="2">
+            <a:schemeClr val="accent1">
+              <a:shade val="50000"/>
+            </a:schemeClr>
+          </a:lnRef>
+          <a:fillRef idx="1">
+            <a:schemeClr val="accent1"/>
+          </a:fillRef>
+          <a:effectRef idx="0">
+            <a:schemeClr val="accent1"/>
+          </a:effectRef>
+          <a:fontRef idx="minor">
+            <a:schemeClr val="lt1"/>
+          </a:fontRef>
+        </p:style>
+        <p:txBody>
+          <a:bodyPr rtlCol="0" anchor="ctr"/>
+          <a:lstStyle/>
+          <a:p>
+            <a:pPr algn="ctr"/>
+            <a:r>
+              <a:rPr lang="en-US" sz="1200" dirty="0">
+                <a:solidFill>
+                  <a:schemeClr val="bg1"/>
+                </a:solidFill>
+              </a:rPr>
+              <a:t>4KB</a:t>
+            </a:r>
+          </a:p>
+        </p:txBody>
+      </p:sp>
+      <p:cxnSp>
+        <p:nvCxnSpPr>
+          <p:cNvPr id="62" name="Elbow Connector 61">
+            <a:extLst>
+              <a:ext uri="{FF2B5EF4-FFF2-40B4-BE49-F238E27FC236}">
+                <a16:creationId xmlns:a16="http://schemas.microsoft.com/office/drawing/2014/main" id="{05716A5F-E7FD-454A-AC6B-D25F3A895363}"/>
+              </a:ext>
+            </a:extLst>
+          </p:cNvPr>
+          <p:cNvCxnSpPr>
+            <a:stCxn id="49" idx="2"/>
+            <a:endCxn id="51" idx="1"/>
+          </p:cNvCxnSpPr>
+          <p:nvPr/>
+        </p:nvCxnSpPr>
+        <p:spPr>
+          <a:xfrm rot="5400000">
+            <a:off x="5241467" y="4577399"/>
+            <a:ext cx="619333" cy="436181"/>
+          </a:xfrm>
+          <a:prstGeom prst="bentConnector4">
+            <a:avLst>
+              <a:gd name="adj1" fmla="val 15390"/>
+              <a:gd name="adj2" fmla="val 152409"/>
+            </a:avLst>
+          </a:prstGeom>
+          <a:ln>
+            <a:solidFill>
+              <a:schemeClr val="tx1"/>
+            </a:solidFill>
+            <a:tailEnd type="triangle"/>
+          </a:ln>
+        </p:spPr>
+        <p:style>
+          <a:lnRef idx="1">
+            <a:schemeClr val="accent1"/>
+          </a:lnRef>
+          <a:fillRef idx="0">
+            <a:schemeClr val="accent1"/>
+          </a:fillRef>
+          <a:effectRef idx="0">
+            <a:schemeClr val="accent1"/>
+          </a:effectRef>
+          <a:fontRef idx="minor">
+            <a:schemeClr val="tx1"/>
+          </a:fontRef>
+        </p:style>
+      </p:cxnSp>
+      <p:sp>
+        <p:nvSpPr>
+          <p:cNvPr id="63" name="Rounded Rectangle 62">
+            <a:extLst>
+              <a:ext uri="{FF2B5EF4-FFF2-40B4-BE49-F238E27FC236}">
+                <a16:creationId xmlns:a16="http://schemas.microsoft.com/office/drawing/2014/main" id="{B9B967C7-23D2-9549-997A-72C878A77F21}"/>
+              </a:ext>
+            </a:extLst>
+          </p:cNvPr>
+          <p:cNvSpPr/>
+          <p:nvPr/>
+        </p:nvSpPr>
+        <p:spPr>
+          <a:xfrm>
+            <a:off x="4361287" y="5578076"/>
+            <a:ext cx="864361" cy="210508"/>
+          </a:xfrm>
+          <a:prstGeom prst="roundRect">
+            <a:avLst/>
+          </a:prstGeom>
+          <a:solidFill>
+            <a:srgbClr val="92D050"/>
+          </a:solidFill>
+        </p:spPr>
+        <p:style>
+          <a:lnRef idx="2">
+            <a:schemeClr val="accent1">
+              <a:shade val="50000"/>
+            </a:schemeClr>
+          </a:lnRef>
+          <a:fillRef idx="1">
+            <a:schemeClr val="accent1"/>
+          </a:fillRef>
+          <a:effectRef idx="0">
+            <a:schemeClr val="accent1"/>
+          </a:effectRef>
+          <a:fontRef idx="minor">
+            <a:schemeClr val="lt1"/>
+          </a:fontRef>
+        </p:style>
+        <p:txBody>
+          <a:bodyPr rtlCol="0" anchor="ctr"/>
+          <a:lstStyle/>
+          <a:p>
+            <a:pPr algn="ctr"/>
+            <a:r>
+              <a:rPr lang="en-US" sz="1200" dirty="0">
+                <a:solidFill>
+                  <a:schemeClr val="bg1"/>
+                </a:solidFill>
+              </a:rPr>
+              <a:t>Page table</a:t>
+            </a:r>
+          </a:p>
+        </p:txBody>
+      </p:sp>
+      <p:sp>
+        <p:nvSpPr>
+          <p:cNvPr id="64" name="Rounded Rectangle 63">
+            <a:extLst>
+              <a:ext uri="{FF2B5EF4-FFF2-40B4-BE49-F238E27FC236}">
+                <a16:creationId xmlns:a16="http://schemas.microsoft.com/office/drawing/2014/main" id="{DE82907D-8EDD-5844-86C6-E8E21451C224}"/>
+              </a:ext>
+            </a:extLst>
+          </p:cNvPr>
+          <p:cNvSpPr/>
+          <p:nvPr/>
+        </p:nvSpPr>
+        <p:spPr>
+          <a:xfrm>
+            <a:off x="4365287" y="5796239"/>
+            <a:ext cx="864361" cy="210508"/>
+          </a:xfrm>
+          <a:prstGeom prst="roundRect">
+            <a:avLst/>
+          </a:prstGeom>
+          <a:solidFill>
+            <a:srgbClr val="92D050"/>
+          </a:solidFill>
+        </p:spPr>
+        <p:style>
+          <a:lnRef idx="2">
+            <a:schemeClr val="accent1">
+              <a:shade val="50000"/>
+            </a:schemeClr>
+          </a:lnRef>
+          <a:fillRef idx="1">
+            <a:schemeClr val="accent1"/>
+          </a:fillRef>
+          <a:effectRef idx="0">
+            <a:schemeClr val="accent1"/>
+          </a:effectRef>
+          <a:fontRef idx="minor">
+            <a:schemeClr val="lt1"/>
+          </a:fontRef>
+        </p:style>
+        <p:txBody>
+          <a:bodyPr rtlCol="0" anchor="ctr"/>
+          <a:lstStyle/>
+          <a:p>
+            <a:pPr algn="ctr"/>
+            <a:r>
+              <a:rPr lang="en-US" sz="1200" dirty="0">
+                <a:solidFill>
+                  <a:schemeClr val="bg1"/>
+                </a:solidFill>
+              </a:rPr>
+              <a:t>Page table</a:t>
+            </a:r>
+          </a:p>
+        </p:txBody>
+      </p:sp>
+      <p:sp>
+        <p:nvSpPr>
+          <p:cNvPr id="65" name="Rounded Rectangle 64">
+            <a:extLst>
+              <a:ext uri="{FF2B5EF4-FFF2-40B4-BE49-F238E27FC236}">
+                <a16:creationId xmlns:a16="http://schemas.microsoft.com/office/drawing/2014/main" id="{D392761C-4EF7-274C-9BA2-093C4AFCFD6F}"/>
+              </a:ext>
+            </a:extLst>
+          </p:cNvPr>
+          <p:cNvSpPr/>
+          <p:nvPr/>
+        </p:nvSpPr>
+        <p:spPr>
+          <a:xfrm>
+            <a:off x="4361287" y="5359914"/>
+            <a:ext cx="864361" cy="210508"/>
+          </a:xfrm>
+          <a:prstGeom prst="roundRect">
+            <a:avLst/>
+          </a:prstGeom>
+          <a:solidFill>
+            <a:srgbClr val="92D050"/>
+          </a:solidFill>
+        </p:spPr>
+        <p:style>
+          <a:lnRef idx="2">
+            <a:schemeClr val="accent1">
+              <a:shade val="50000"/>
+            </a:schemeClr>
+          </a:lnRef>
+          <a:fillRef idx="1">
+            <a:schemeClr val="accent1"/>
+          </a:fillRef>
+          <a:effectRef idx="0">
+            <a:schemeClr val="accent1"/>
+          </a:effectRef>
+          <a:fontRef idx="minor">
+            <a:schemeClr val="lt1"/>
+          </a:fontRef>
+        </p:style>
+        <p:txBody>
+          <a:bodyPr rtlCol="0" anchor="ctr"/>
+          <a:lstStyle/>
+          <a:p>
+            <a:pPr algn="ctr"/>
+            <a:r>
+              <a:rPr lang="en-US" sz="1200" dirty="0">
+                <a:solidFill>
+                  <a:schemeClr val="bg1"/>
+                </a:solidFill>
+              </a:rPr>
+              <a:t>Page table</a:t>
+            </a:r>
+          </a:p>
+        </p:txBody>
+      </p:sp>
+      <p:cxnSp>
+        <p:nvCxnSpPr>
+          <p:cNvPr id="76" name="Elbow Connector 75">
+            <a:extLst>
+              <a:ext uri="{FF2B5EF4-FFF2-40B4-BE49-F238E27FC236}">
+                <a16:creationId xmlns:a16="http://schemas.microsoft.com/office/drawing/2014/main" id="{61ADCABC-62C7-E642-A5BB-41EFCA030521}"/>
+              </a:ext>
+            </a:extLst>
+          </p:cNvPr>
+          <p:cNvCxnSpPr>
+            <a:stCxn id="63" idx="0"/>
+            <a:endCxn id="51" idx="1"/>
+          </p:cNvCxnSpPr>
+          <p:nvPr/>
+        </p:nvCxnSpPr>
+        <p:spPr>
+          <a:xfrm rot="5400000" flipH="1" flipV="1">
+            <a:off x="4826795" y="5071829"/>
+            <a:ext cx="472920" cy="539574"/>
+          </a:xfrm>
+          <a:prstGeom prst="bentConnector2">
+            <a:avLst/>
+          </a:prstGeom>
+          <a:ln>
+            <a:solidFill>
+              <a:schemeClr val="tx1"/>
+            </a:solidFill>
+            <a:tailEnd type="triangle"/>
+          </a:ln>
+        </p:spPr>
+        <p:style>
+          <a:lnRef idx="1">
+            <a:schemeClr val="accent1"/>
+          </a:lnRef>
+          <a:fillRef idx="0">
+            <a:schemeClr val="accent1"/>
+          </a:fillRef>
+          <a:effectRef idx="0">
+            <a:schemeClr val="accent1"/>
+          </a:effectRef>
+          <a:fontRef idx="minor">
+            <a:schemeClr val="tx1"/>
+          </a:fontRef>
+        </p:style>
+      </p:cxnSp>
+      <p:sp>
+        <p:nvSpPr>
+          <p:cNvPr id="77" name="Rounded Rectangle 76">
+            <a:extLst>
+              <a:ext uri="{FF2B5EF4-FFF2-40B4-BE49-F238E27FC236}">
+                <a16:creationId xmlns:a16="http://schemas.microsoft.com/office/drawing/2014/main" id="{1F6E33FB-26DB-F549-81F7-16565A7A61D6}"/>
+              </a:ext>
+            </a:extLst>
+          </p:cNvPr>
+          <p:cNvSpPr/>
+          <p:nvPr/>
+        </p:nvSpPr>
+        <p:spPr>
+          <a:xfrm>
+            <a:off x="5333042" y="4997368"/>
+            <a:ext cx="864361" cy="210508"/>
+          </a:xfrm>
+          <a:prstGeom prst="roundRect">
+            <a:avLst/>
+          </a:prstGeom>
+          <a:solidFill>
+            <a:srgbClr val="92D050"/>
+          </a:solidFill>
+        </p:spPr>
+        <p:style>
+          <a:lnRef idx="2">
+            <a:schemeClr val="accent1">
+              <a:shade val="50000"/>
+            </a:schemeClr>
+          </a:lnRef>
+          <a:fillRef idx="1">
+            <a:schemeClr val="accent1"/>
+          </a:fillRef>
+          <a:effectRef idx="0">
+            <a:schemeClr val="accent1"/>
+          </a:effectRef>
+          <a:fontRef idx="minor">
+            <a:schemeClr val="lt1"/>
+          </a:fontRef>
+        </p:style>
+        <p:txBody>
+          <a:bodyPr rtlCol="0" anchor="ctr"/>
+          <a:lstStyle/>
+          <a:p>
+            <a:pPr algn="ctr"/>
+            <a:r>
+              <a:rPr lang="en-US" sz="1200" dirty="0">
+                <a:solidFill>
+                  <a:schemeClr val="bg1"/>
+                </a:solidFill>
+              </a:rPr>
+              <a:t>Page Base</a:t>
+            </a:r>
+          </a:p>
+        </p:txBody>
+      </p:sp>
+      <p:cxnSp>
+        <p:nvCxnSpPr>
+          <p:cNvPr id="79" name="Elbow Connector 78">
+            <a:extLst>
+              <a:ext uri="{FF2B5EF4-FFF2-40B4-BE49-F238E27FC236}">
+                <a16:creationId xmlns:a16="http://schemas.microsoft.com/office/drawing/2014/main" id="{0515DC45-E5BA-2A4E-A76C-446C266316F4}"/>
+              </a:ext>
+            </a:extLst>
+          </p:cNvPr>
+          <p:cNvCxnSpPr>
+            <a:endCxn id="52" idx="1"/>
+          </p:cNvCxnSpPr>
+          <p:nvPr/>
+        </p:nvCxnSpPr>
+        <p:spPr>
+          <a:xfrm rot="5400000">
+            <a:off x="6247816" y="4708267"/>
+            <a:ext cx="847246" cy="436176"/>
+          </a:xfrm>
+          <a:prstGeom prst="bentConnector4">
+            <a:avLst>
+              <a:gd name="adj1" fmla="val 5479"/>
+              <a:gd name="adj2" fmla="val 152410"/>
+            </a:avLst>
+          </a:prstGeom>
+          <a:ln>
+            <a:solidFill>
+              <a:schemeClr val="tx1"/>
+            </a:solidFill>
+            <a:tailEnd type="triangle"/>
+          </a:ln>
+        </p:spPr>
+        <p:style>
+          <a:lnRef idx="1">
+            <a:schemeClr val="accent1"/>
+          </a:lnRef>
+          <a:fillRef idx="0">
+            <a:schemeClr val="accent1"/>
+          </a:fillRef>
+          <a:effectRef idx="0">
+            <a:schemeClr val="accent1"/>
+          </a:effectRef>
+          <a:fontRef idx="minor">
+            <a:schemeClr val="tx1"/>
+          </a:fontRef>
+        </p:style>
+      </p:cxnSp>
+      <p:cxnSp>
+        <p:nvCxnSpPr>
+          <p:cNvPr id="81" name="Elbow Connector 80">
+            <a:extLst>
+              <a:ext uri="{FF2B5EF4-FFF2-40B4-BE49-F238E27FC236}">
+                <a16:creationId xmlns:a16="http://schemas.microsoft.com/office/drawing/2014/main" id="{D9CDF3F4-2209-E343-99DF-81EADF794859}"/>
+              </a:ext>
+            </a:extLst>
+          </p:cNvPr>
+          <p:cNvCxnSpPr>
+            <a:stCxn id="77" idx="3"/>
+            <a:endCxn id="52" idx="1"/>
+          </p:cNvCxnSpPr>
+          <p:nvPr/>
+        </p:nvCxnSpPr>
+        <p:spPr>
+          <a:xfrm>
+            <a:off x="6197403" y="5102622"/>
+            <a:ext cx="255948" cy="247356"/>
+          </a:xfrm>
+          <a:prstGeom prst="bentConnector3">
+            <a:avLst/>
+          </a:prstGeom>
+          <a:ln>
+            <a:solidFill>
+              <a:schemeClr val="tx1"/>
+            </a:solidFill>
+            <a:tailEnd type="triangle"/>
+          </a:ln>
+        </p:spPr>
+        <p:style>
+          <a:lnRef idx="1">
+            <a:schemeClr val="accent1"/>
+          </a:lnRef>
+          <a:fillRef idx="0">
+            <a:schemeClr val="accent1"/>
+          </a:fillRef>
+          <a:effectRef idx="0">
+            <a:schemeClr val="accent1"/>
+          </a:effectRef>
+          <a:fontRef idx="minor">
+            <a:schemeClr val="tx1"/>
+          </a:fontRef>
+        </p:style>
+      </p:cxnSp>
+      <p:sp>
+        <p:nvSpPr>
+          <p:cNvPr id="82" name="Rounded Rectangle 81">
+            <a:extLst>
+              <a:ext uri="{FF2B5EF4-FFF2-40B4-BE49-F238E27FC236}">
+                <a16:creationId xmlns:a16="http://schemas.microsoft.com/office/drawing/2014/main" id="{077C30E7-7B95-3D45-8B81-7E02D6BF002E}"/>
+              </a:ext>
+            </a:extLst>
+          </p:cNvPr>
+          <p:cNvSpPr/>
+          <p:nvPr/>
+        </p:nvSpPr>
+        <p:spPr>
+          <a:xfrm>
+            <a:off x="5337040" y="5226300"/>
+            <a:ext cx="864361" cy="210508"/>
+          </a:xfrm>
+          <a:prstGeom prst="roundRect">
+            <a:avLst/>
+          </a:prstGeom>
+          <a:solidFill>
+            <a:srgbClr val="92D050"/>
+          </a:solidFill>
+        </p:spPr>
+        <p:style>
+          <a:lnRef idx="2">
+            <a:schemeClr val="accent1">
+              <a:shade val="50000"/>
+            </a:schemeClr>
+          </a:lnRef>
+          <a:fillRef idx="1">
+            <a:schemeClr val="accent1"/>
+          </a:fillRef>
+          <a:effectRef idx="0">
+            <a:schemeClr val="accent1"/>
+          </a:effectRef>
+          <a:fontRef idx="minor">
+            <a:schemeClr val="lt1"/>
+          </a:fontRef>
+        </p:style>
+        <p:txBody>
+          <a:bodyPr rtlCol="0" anchor="ctr"/>
+          <a:lstStyle/>
+          <a:p>
+            <a:pPr algn="ctr"/>
+            <a:r>
+              <a:rPr lang="en-US" sz="1200" dirty="0">
+                <a:solidFill>
+                  <a:schemeClr val="bg1"/>
+                </a:solidFill>
+              </a:rPr>
+              <a:t>Page Base</a:t>
+            </a:r>
+          </a:p>
+        </p:txBody>
+      </p:sp>
+      <p:sp>
+        <p:nvSpPr>
+          <p:cNvPr id="83" name="Rounded Rectangle 82">
+            <a:extLst>
+              <a:ext uri="{FF2B5EF4-FFF2-40B4-BE49-F238E27FC236}">
+                <a16:creationId xmlns:a16="http://schemas.microsoft.com/office/drawing/2014/main" id="{B72831ED-E31B-034E-9331-C96039A8BDC9}"/>
+              </a:ext>
+            </a:extLst>
+          </p:cNvPr>
+          <p:cNvSpPr/>
+          <p:nvPr/>
+        </p:nvSpPr>
+        <p:spPr>
+          <a:xfrm>
+            <a:off x="5319369" y="4769700"/>
+            <a:ext cx="864361" cy="210508"/>
+          </a:xfrm>
+          <a:prstGeom prst="roundRect">
+            <a:avLst/>
+          </a:prstGeom>
+          <a:solidFill>
+            <a:srgbClr val="92D050"/>
+          </a:solidFill>
+        </p:spPr>
+        <p:style>
+          <a:lnRef idx="2">
+            <a:schemeClr val="accent1">
+              <a:shade val="50000"/>
+            </a:schemeClr>
+          </a:lnRef>
+          <a:fillRef idx="1">
+            <a:schemeClr val="accent1"/>
+          </a:fillRef>
+          <a:effectRef idx="0">
+            <a:schemeClr val="accent1"/>
+          </a:effectRef>
+          <a:fontRef idx="minor">
+            <a:schemeClr val="lt1"/>
+          </a:fontRef>
+        </p:style>
+        <p:txBody>
+          <a:bodyPr rtlCol="0" anchor="ctr"/>
+          <a:lstStyle/>
+          <a:p>
+            <a:pPr algn="ctr"/>
+            <a:r>
+              <a:rPr lang="en-US" sz="1200" dirty="0">
+                <a:solidFill>
+                  <a:schemeClr val="bg1"/>
+                </a:solidFill>
+              </a:rPr>
+              <a:t>Page Base</a:t>
+            </a:r>
+          </a:p>
+        </p:txBody>
+      </p:sp>
+      <p:sp>
+        <p:nvSpPr>
+          <p:cNvPr id="84" name="Down Arrow 83">
+            <a:extLst>
+              <a:ext uri="{FF2B5EF4-FFF2-40B4-BE49-F238E27FC236}">
+                <a16:creationId xmlns:a16="http://schemas.microsoft.com/office/drawing/2014/main" id="{0AF46EED-EA2E-F546-AA0C-A52D0DF742BF}"/>
+              </a:ext>
+            </a:extLst>
+          </p:cNvPr>
+          <p:cNvSpPr/>
+          <p:nvPr/>
+        </p:nvSpPr>
+        <p:spPr>
+          <a:xfrm>
+            <a:off x="6215370" y="5550300"/>
+            <a:ext cx="213184" cy="981122"/>
+          </a:xfrm>
+          <a:prstGeom prst="downArrow">
+            <a:avLst/>
+          </a:prstGeom>
+          <a:solidFill>
+            <a:schemeClr val="accent6"/>
+          </a:solidFill>
+        </p:spPr>
+        <p:style>
+          <a:lnRef idx="2">
+            <a:schemeClr val="accent1">
+              <a:shade val="50000"/>
+            </a:schemeClr>
+          </a:lnRef>
+          <a:fillRef idx="1">
+            <a:schemeClr val="accent1"/>
+          </a:fillRef>
+          <a:effectRef idx="0">
+            <a:schemeClr val="accent1"/>
+          </a:effectRef>
+          <a:fontRef idx="minor">
+            <a:schemeClr val="lt1"/>
+          </a:fontRef>
+        </p:style>
+        <p:txBody>
+          <a:bodyPr rtlCol="0" anchor="ctr"/>
+          <a:lstStyle/>
+          <a:p>
+            <a:pPr algn="ctr"/>
+            <a:endParaRPr lang="en-US"/>
+          </a:p>
+        </p:txBody>
+      </p:sp>
+      <p:sp>
+        <p:nvSpPr>
+          <p:cNvPr id="85" name="TextBox 84">
+            <a:extLst>
+              <a:ext uri="{FF2B5EF4-FFF2-40B4-BE49-F238E27FC236}">
+                <a16:creationId xmlns:a16="http://schemas.microsoft.com/office/drawing/2014/main" id="{C5AB9EF1-D197-0C44-921E-E04F1F656632}"/>
+              </a:ext>
+            </a:extLst>
+          </p:cNvPr>
+          <p:cNvSpPr txBox="1"/>
+          <p:nvPr/>
+        </p:nvSpPr>
+        <p:spPr>
+          <a:xfrm>
+            <a:off x="5157622" y="6488668"/>
+            <a:ext cx="2220351" cy="369332"/>
+          </a:xfrm>
+          <a:prstGeom prst="rect">
+            <a:avLst/>
+          </a:prstGeom>
+          <a:noFill/>
+        </p:spPr>
+        <p:txBody>
+          <a:bodyPr wrap="none" rtlCol="0">
+            <a:spAutoFit/>
+          </a:bodyPr>
+          <a:lstStyle/>
+          <a:p>
+            <a:r>
+              <a:rPr lang="en-US" dirty="0"/>
+              <a:t>Physical Address  </a:t>
+            </a:r>
+            <a:r>
+              <a:rPr lang="en-US" sz="1200" dirty="0"/>
+              <a:t>32Bits</a:t>
+            </a:r>
+            <a:endParaRPr lang="en-US" dirty="0"/>
+          </a:p>
+        </p:txBody>
+      </p:sp>
     </p:spTree>
     <p:extLst>
       <p:ext uri="{BB962C8B-B14F-4D97-AF65-F5344CB8AC3E}">
         <p14:creationId xmlns:p14="http://schemas.microsoft.com/office/powerpoint/2010/main" val="2466575279"/>
+      </p:ext>
+    </p:extLst>
+  </p:cSld>
+  <p:clrMapOvr>
+    <a:masterClrMapping/>
+  </p:clrMapOvr>
+</p:sld>
+</file>
+
+<file path=ppt/slides/slide3.xml><?xml version="1.0" encoding="utf-8"?>
+<p:sld xmlns:a="http://schemas.openxmlformats.org/drawingml/2006/main" xmlns:r="http://schemas.openxmlformats.org/officeDocument/2006/relationships" xmlns:p="http://schemas.openxmlformats.org/presentationml/2006/main">
+  <p:cSld>
+    <p:spTree>
+      <p:nvGrpSpPr>
+        <p:cNvPr id="1" name=""/>
+        <p:cNvGrpSpPr/>
+        <p:nvPr/>
+      </p:nvGrpSpPr>
+      <p:grpSpPr>
+        <a:xfrm>
+          <a:off x="0" y="0"/>
+          <a:ext cx="0" cy="0"/>
+          <a:chOff x="0" y="0"/>
+          <a:chExt cx="0" cy="0"/>
+        </a:xfrm>
+      </p:grpSpPr>
+      <p:sp>
+        <p:nvSpPr>
+          <p:cNvPr id="2" name="TextBox 1">
+            <a:extLst>
+              <a:ext uri="{FF2B5EF4-FFF2-40B4-BE49-F238E27FC236}">
+                <a16:creationId xmlns:a16="http://schemas.microsoft.com/office/drawing/2014/main" id="{A99980E2-A3A9-FD4A-9011-9A37E88F5891}"/>
+              </a:ext>
+            </a:extLst>
+          </p:cNvPr>
+          <p:cNvSpPr txBox="1"/>
+          <p:nvPr/>
+        </p:nvSpPr>
+        <p:spPr>
+          <a:xfrm>
+            <a:off x="1872536" y="247242"/>
+            <a:ext cx="8446926" cy="707886"/>
+          </a:xfrm>
+          <a:prstGeom prst="rect">
+            <a:avLst/>
+          </a:prstGeom>
+          <a:noFill/>
+        </p:spPr>
+        <p:txBody>
+          <a:bodyPr wrap="square" rtlCol="0">
+            <a:spAutoFit/>
+          </a:bodyPr>
+          <a:lstStyle/>
+          <a:p>
+            <a:pPr algn="ctr"/>
+            <a:r>
+              <a:rPr lang="en-US" sz="4000" dirty="0">
+                <a:solidFill>
+                  <a:schemeClr val="accent1">
+                    <a:lumMod val="60000"/>
+                    <a:lumOff val="40000"/>
+                  </a:schemeClr>
+                </a:solidFill>
+              </a:rPr>
+              <a:t>TSS</a:t>
+            </a:r>
+          </a:p>
+        </p:txBody>
+      </p:sp>
+      <p:sp>
+        <p:nvSpPr>
+          <p:cNvPr id="3" name="Rounded Rectangle 2">
+            <a:extLst>
+              <a:ext uri="{FF2B5EF4-FFF2-40B4-BE49-F238E27FC236}">
+                <a16:creationId xmlns:a16="http://schemas.microsoft.com/office/drawing/2014/main" id="{9F0540AD-C1A3-2447-AB8A-92F5F4064C10}"/>
+              </a:ext>
+            </a:extLst>
+          </p:cNvPr>
+          <p:cNvSpPr/>
+          <p:nvPr/>
+        </p:nvSpPr>
+        <p:spPr>
+          <a:xfrm>
+            <a:off x="3342785" y="2819400"/>
+            <a:ext cx="1014249" cy="1219200"/>
+          </a:xfrm>
+          <a:prstGeom prst="roundRect">
+            <a:avLst/>
+          </a:prstGeom>
+          <a:solidFill>
+            <a:srgbClr val="FFFF00"/>
+          </a:solidFill>
+        </p:spPr>
+        <p:style>
+          <a:lnRef idx="2">
+            <a:schemeClr val="accent1">
+              <a:shade val="50000"/>
+            </a:schemeClr>
+          </a:lnRef>
+          <a:fillRef idx="1">
+            <a:schemeClr val="accent1"/>
+          </a:fillRef>
+          <a:effectRef idx="0">
+            <a:schemeClr val="accent1"/>
+          </a:effectRef>
+          <a:fontRef idx="minor">
+            <a:schemeClr val="lt1"/>
+          </a:fontRef>
+        </p:style>
+        <p:txBody>
+          <a:bodyPr rtlCol="0" anchor="ctr"/>
+          <a:lstStyle/>
+          <a:p>
+            <a:pPr algn="ctr"/>
+            <a:r>
+              <a:rPr lang="en-US" sz="1400" dirty="0">
+                <a:solidFill>
+                  <a:schemeClr val="bg1"/>
+                </a:solidFill>
+              </a:rPr>
+              <a:t>GDT / LDT</a:t>
+            </a:r>
+          </a:p>
+          <a:p>
+            <a:pPr algn="ctr"/>
+            <a:endParaRPr lang="en-US" dirty="0"/>
+          </a:p>
+          <a:p>
+            <a:pPr algn="ctr"/>
+            <a:endParaRPr lang="en-US" dirty="0"/>
+          </a:p>
+          <a:p>
+            <a:pPr algn="ctr"/>
+            <a:endParaRPr lang="en-US" dirty="0"/>
+          </a:p>
+        </p:txBody>
+      </p:sp>
+      <p:sp>
+        <p:nvSpPr>
+          <p:cNvPr id="4" name="Rectangle 3">
+            <a:extLst>
+              <a:ext uri="{FF2B5EF4-FFF2-40B4-BE49-F238E27FC236}">
+                <a16:creationId xmlns:a16="http://schemas.microsoft.com/office/drawing/2014/main" id="{B25DF108-D7EC-204E-BE1D-0E26311BECA9}"/>
+              </a:ext>
+            </a:extLst>
+          </p:cNvPr>
+          <p:cNvSpPr/>
+          <p:nvPr/>
+        </p:nvSpPr>
+        <p:spPr>
+          <a:xfrm>
+            <a:off x="3391287" y="3191817"/>
+            <a:ext cx="917244" cy="337030"/>
+          </a:xfrm>
+          <a:prstGeom prst="rect">
+            <a:avLst/>
+          </a:prstGeom>
+          <a:solidFill>
+            <a:schemeClr val="tx1"/>
+          </a:solidFill>
+        </p:spPr>
+        <p:style>
+          <a:lnRef idx="2">
+            <a:schemeClr val="accent1">
+              <a:shade val="50000"/>
+            </a:schemeClr>
+          </a:lnRef>
+          <a:fillRef idx="1">
+            <a:schemeClr val="accent1"/>
+          </a:fillRef>
+          <a:effectRef idx="0">
+            <a:schemeClr val="accent1"/>
+          </a:effectRef>
+          <a:fontRef idx="minor">
+            <a:schemeClr val="lt1"/>
+          </a:fontRef>
+        </p:style>
+        <p:txBody>
+          <a:bodyPr rtlCol="0" anchor="ctr"/>
+          <a:lstStyle/>
+          <a:p>
+            <a:pPr algn="ctr"/>
+            <a:r>
+              <a:rPr lang="en-US" sz="1000" dirty="0">
+                <a:solidFill>
+                  <a:schemeClr val="bg1"/>
+                </a:solidFill>
+              </a:rPr>
+              <a:t>Segment descriptor…</a:t>
+            </a:r>
+          </a:p>
+        </p:txBody>
+      </p:sp>
+      <p:sp>
+        <p:nvSpPr>
+          <p:cNvPr id="5" name="Rectangle 4">
+            <a:extLst>
+              <a:ext uri="{FF2B5EF4-FFF2-40B4-BE49-F238E27FC236}">
+                <a16:creationId xmlns:a16="http://schemas.microsoft.com/office/drawing/2014/main" id="{5003C6EF-CB7F-FE4A-B1AA-021A5A0B44E9}"/>
+              </a:ext>
+            </a:extLst>
+          </p:cNvPr>
+          <p:cNvSpPr/>
+          <p:nvPr/>
+        </p:nvSpPr>
+        <p:spPr>
+          <a:xfrm>
+            <a:off x="3391287" y="3599093"/>
+            <a:ext cx="917244" cy="184630"/>
+          </a:xfrm>
+          <a:prstGeom prst="rect">
+            <a:avLst/>
+          </a:prstGeom>
+          <a:solidFill>
+            <a:schemeClr val="tx1"/>
+          </a:solidFill>
+        </p:spPr>
+        <p:style>
+          <a:lnRef idx="2">
+            <a:schemeClr val="accent1">
+              <a:shade val="50000"/>
+            </a:schemeClr>
+          </a:lnRef>
+          <a:fillRef idx="1">
+            <a:schemeClr val="accent1"/>
+          </a:fillRef>
+          <a:effectRef idx="0">
+            <a:schemeClr val="accent1"/>
+          </a:effectRef>
+          <a:fontRef idx="minor">
+            <a:schemeClr val="lt1"/>
+          </a:fontRef>
+        </p:style>
+        <p:txBody>
+          <a:bodyPr rtlCol="0" anchor="ctr"/>
+          <a:lstStyle/>
+          <a:p>
+            <a:pPr algn="ctr"/>
+            <a:r>
+              <a:rPr lang="en-US" sz="1000" dirty="0">
+                <a:solidFill>
+                  <a:schemeClr val="bg1"/>
+                </a:solidFill>
+              </a:rPr>
+              <a:t>TSS</a:t>
+            </a:r>
+          </a:p>
+        </p:txBody>
+      </p:sp>
+      <p:sp>
+        <p:nvSpPr>
+          <p:cNvPr id="6" name="Rectangle 5">
+            <a:extLst>
+              <a:ext uri="{FF2B5EF4-FFF2-40B4-BE49-F238E27FC236}">
+                <a16:creationId xmlns:a16="http://schemas.microsoft.com/office/drawing/2014/main" id="{4BCC5275-146E-8B4D-9FDA-0D31E0E352BE}"/>
+              </a:ext>
+            </a:extLst>
+          </p:cNvPr>
+          <p:cNvSpPr/>
+          <p:nvPr/>
+        </p:nvSpPr>
+        <p:spPr>
+          <a:xfrm>
+            <a:off x="7834965" y="2472515"/>
+            <a:ext cx="1735199" cy="2253155"/>
+          </a:xfrm>
+          <a:prstGeom prst="rect">
+            <a:avLst/>
+          </a:prstGeom>
+          <a:solidFill>
+            <a:srgbClr val="FF0000"/>
+          </a:solidFill>
+        </p:spPr>
+        <p:style>
+          <a:lnRef idx="2">
+            <a:schemeClr val="accent1">
+              <a:shade val="50000"/>
+            </a:schemeClr>
+          </a:lnRef>
+          <a:fillRef idx="1">
+            <a:schemeClr val="accent1"/>
+          </a:fillRef>
+          <a:effectRef idx="0">
+            <a:schemeClr val="accent1"/>
+          </a:effectRef>
+          <a:fontRef idx="minor">
+            <a:schemeClr val="lt1"/>
+          </a:fontRef>
+        </p:style>
+        <p:txBody>
+          <a:bodyPr rtlCol="0" anchor="ctr"/>
+          <a:lstStyle/>
+          <a:p>
+            <a:pPr algn="ctr"/>
+            <a:endParaRPr lang="en-US" dirty="0"/>
+          </a:p>
+        </p:txBody>
+      </p:sp>
+      <p:sp>
+        <p:nvSpPr>
+          <p:cNvPr id="7" name="Rectangle 6">
+            <a:extLst>
+              <a:ext uri="{FF2B5EF4-FFF2-40B4-BE49-F238E27FC236}">
+                <a16:creationId xmlns:a16="http://schemas.microsoft.com/office/drawing/2014/main" id="{9EEA7167-ED52-3E4E-BC60-8FF7623860C0}"/>
+              </a:ext>
+            </a:extLst>
+          </p:cNvPr>
+          <p:cNvSpPr/>
+          <p:nvPr/>
+        </p:nvSpPr>
+        <p:spPr>
+          <a:xfrm>
+            <a:off x="7834966" y="2472515"/>
+            <a:ext cx="1735199" cy="277211"/>
+          </a:xfrm>
+          <a:prstGeom prst="rect">
+            <a:avLst/>
+          </a:prstGeom>
+          <a:solidFill>
+            <a:srgbClr val="FF0000"/>
+          </a:solidFill>
+        </p:spPr>
+        <p:style>
+          <a:lnRef idx="2">
+            <a:schemeClr val="accent1">
+              <a:shade val="50000"/>
+            </a:schemeClr>
+          </a:lnRef>
+          <a:fillRef idx="1">
+            <a:schemeClr val="accent1"/>
+          </a:fillRef>
+          <a:effectRef idx="0">
+            <a:schemeClr val="accent1"/>
+          </a:effectRef>
+          <a:fontRef idx="minor">
+            <a:schemeClr val="lt1"/>
+          </a:fontRef>
+        </p:style>
+        <p:txBody>
+          <a:bodyPr rtlCol="0" anchor="ctr"/>
+          <a:lstStyle/>
+          <a:p>
+            <a:pPr algn="ctr"/>
+            <a:r>
+              <a:rPr lang="en-US" sz="1200" b="1" dirty="0">
+                <a:solidFill>
+                  <a:schemeClr val="bg1"/>
+                </a:solidFill>
+              </a:rPr>
+              <a:t>Interrupted Process (irp)</a:t>
+            </a:r>
+          </a:p>
+        </p:txBody>
+      </p:sp>
+      <p:sp>
+        <p:nvSpPr>
+          <p:cNvPr id="8" name="Rounded Rectangle 7">
+            <a:extLst>
+              <a:ext uri="{FF2B5EF4-FFF2-40B4-BE49-F238E27FC236}">
+                <a16:creationId xmlns:a16="http://schemas.microsoft.com/office/drawing/2014/main" id="{FBBBC294-4057-0E41-8AF1-B4A16C764740}"/>
+              </a:ext>
+            </a:extLst>
+          </p:cNvPr>
+          <p:cNvSpPr/>
+          <p:nvPr/>
+        </p:nvSpPr>
+        <p:spPr>
+          <a:xfrm>
+            <a:off x="8271143" y="3059123"/>
+            <a:ext cx="862841" cy="1079938"/>
+          </a:xfrm>
+          <a:prstGeom prst="roundRect">
+            <a:avLst/>
+          </a:prstGeom>
+          <a:solidFill>
+            <a:srgbClr val="92D050"/>
+          </a:solidFill>
+        </p:spPr>
+        <p:style>
+          <a:lnRef idx="2">
+            <a:schemeClr val="accent1">
+              <a:shade val="50000"/>
+            </a:schemeClr>
+          </a:lnRef>
+          <a:fillRef idx="1">
+            <a:schemeClr val="accent1"/>
+          </a:fillRef>
+          <a:effectRef idx="0">
+            <a:schemeClr val="accent1"/>
+          </a:effectRef>
+          <a:fontRef idx="minor">
+            <a:schemeClr val="lt1"/>
+          </a:fontRef>
+        </p:style>
+        <p:txBody>
+          <a:bodyPr rtlCol="0" anchor="ctr"/>
+          <a:lstStyle/>
+          <a:p>
+            <a:pPr algn="ctr"/>
+            <a:r>
+              <a:rPr lang="en-US" sz="1200" dirty="0"/>
+              <a:t>Registers</a:t>
+            </a:r>
+          </a:p>
+          <a:p>
+            <a:pPr algn="ctr"/>
+            <a:r>
+              <a:rPr lang="en-US" sz="1200" dirty="0"/>
+              <a:t>Value</a:t>
+            </a:r>
+          </a:p>
+        </p:txBody>
+      </p:sp>
+      <p:sp>
+        <p:nvSpPr>
+          <p:cNvPr id="9" name="Rectangle 8">
+            <a:extLst>
+              <a:ext uri="{FF2B5EF4-FFF2-40B4-BE49-F238E27FC236}">
+                <a16:creationId xmlns:a16="http://schemas.microsoft.com/office/drawing/2014/main" id="{569FC78F-1947-2240-A1AC-AFC37B4246B9}"/>
+              </a:ext>
+            </a:extLst>
+          </p:cNvPr>
+          <p:cNvSpPr/>
+          <p:nvPr/>
+        </p:nvSpPr>
+        <p:spPr>
+          <a:xfrm>
+            <a:off x="5008179" y="890752"/>
+            <a:ext cx="2175641" cy="5814848"/>
+          </a:xfrm>
+          <a:prstGeom prst="rect">
+            <a:avLst/>
+          </a:prstGeom>
+        </p:spPr>
+        <p:style>
+          <a:lnRef idx="2">
+            <a:schemeClr val="accent1">
+              <a:shade val="50000"/>
+            </a:schemeClr>
+          </a:lnRef>
+          <a:fillRef idx="1">
+            <a:schemeClr val="accent1"/>
+          </a:fillRef>
+          <a:effectRef idx="0">
+            <a:schemeClr val="accent1"/>
+          </a:effectRef>
+          <a:fontRef idx="minor">
+            <a:schemeClr val="lt1"/>
+          </a:fontRef>
+        </p:style>
+        <p:txBody>
+          <a:bodyPr rtlCol="0" anchor="ctr"/>
+          <a:lstStyle/>
+          <a:p>
+            <a:pPr algn="ctr"/>
+            <a:endParaRPr lang="en-US"/>
+          </a:p>
+        </p:txBody>
+      </p:sp>
+      <p:sp>
+        <p:nvSpPr>
+          <p:cNvPr id="10" name="Rectangle 9">
+            <a:extLst>
+              <a:ext uri="{FF2B5EF4-FFF2-40B4-BE49-F238E27FC236}">
+                <a16:creationId xmlns:a16="http://schemas.microsoft.com/office/drawing/2014/main" id="{74203FE3-90C1-974E-BC76-36C49C23A00C}"/>
+              </a:ext>
+            </a:extLst>
+          </p:cNvPr>
+          <p:cNvSpPr/>
+          <p:nvPr/>
+        </p:nvSpPr>
+        <p:spPr>
+          <a:xfrm>
+            <a:off x="5008179" y="1019503"/>
+            <a:ext cx="2175641" cy="1229710"/>
+          </a:xfrm>
+          <a:prstGeom prst="rect">
+            <a:avLst/>
+          </a:prstGeom>
+          <a:solidFill>
+            <a:schemeClr val="tx1"/>
+          </a:solidFill>
+        </p:spPr>
+        <p:style>
+          <a:lnRef idx="2">
+            <a:schemeClr val="accent1">
+              <a:shade val="50000"/>
+            </a:schemeClr>
+          </a:lnRef>
+          <a:fillRef idx="1">
+            <a:schemeClr val="accent1"/>
+          </a:fillRef>
+          <a:effectRef idx="0">
+            <a:schemeClr val="accent1"/>
+          </a:effectRef>
+          <a:fontRef idx="minor">
+            <a:schemeClr val="lt1"/>
+          </a:fontRef>
+        </p:style>
+        <p:txBody>
+          <a:bodyPr rtlCol="0" anchor="ctr"/>
+          <a:lstStyle/>
+          <a:p>
+            <a:pPr algn="ctr"/>
+            <a:endParaRPr lang="en-US"/>
+          </a:p>
+        </p:txBody>
+      </p:sp>
+      <p:sp>
+        <p:nvSpPr>
+          <p:cNvPr id="11" name="Rectangle 10">
+            <a:extLst>
+              <a:ext uri="{FF2B5EF4-FFF2-40B4-BE49-F238E27FC236}">
+                <a16:creationId xmlns:a16="http://schemas.microsoft.com/office/drawing/2014/main" id="{45EA19F2-F5F4-134F-AD13-C1250F0F7EF3}"/>
+              </a:ext>
+            </a:extLst>
+          </p:cNvPr>
+          <p:cNvSpPr/>
+          <p:nvPr/>
+        </p:nvSpPr>
+        <p:spPr>
+          <a:xfrm>
+            <a:off x="5093575" y="1130927"/>
+            <a:ext cx="529459" cy="750425"/>
+          </a:xfrm>
+          <a:prstGeom prst="rect">
+            <a:avLst/>
+          </a:prstGeom>
+        </p:spPr>
+        <p:style>
+          <a:lnRef idx="2">
+            <a:schemeClr val="accent1">
+              <a:shade val="50000"/>
+            </a:schemeClr>
+          </a:lnRef>
+          <a:fillRef idx="1">
+            <a:schemeClr val="accent1"/>
+          </a:fillRef>
+          <a:effectRef idx="0">
+            <a:schemeClr val="accent1"/>
+          </a:effectRef>
+          <a:fontRef idx="minor">
+            <a:schemeClr val="lt1"/>
+          </a:fontRef>
+        </p:style>
+        <p:txBody>
+          <a:bodyPr rtlCol="0" anchor="ctr"/>
+          <a:lstStyle/>
+          <a:p>
+            <a:pPr algn="ctr"/>
+            <a:endParaRPr lang="en-US" sz="1100" dirty="0"/>
+          </a:p>
+        </p:txBody>
+      </p:sp>
+      <p:sp>
+        <p:nvSpPr>
+          <p:cNvPr id="12" name="Rectangle 11">
+            <a:extLst>
+              <a:ext uri="{FF2B5EF4-FFF2-40B4-BE49-F238E27FC236}">
+                <a16:creationId xmlns:a16="http://schemas.microsoft.com/office/drawing/2014/main" id="{478F6C87-612B-B141-AADE-29A505B04729}"/>
+              </a:ext>
+            </a:extLst>
+          </p:cNvPr>
+          <p:cNvSpPr/>
+          <p:nvPr/>
+        </p:nvSpPr>
+        <p:spPr>
+          <a:xfrm>
+            <a:off x="5820102" y="1130927"/>
+            <a:ext cx="529459" cy="750425"/>
+          </a:xfrm>
+          <a:prstGeom prst="rect">
+            <a:avLst/>
+          </a:prstGeom>
+        </p:spPr>
+        <p:style>
+          <a:lnRef idx="2">
+            <a:schemeClr val="accent1">
+              <a:shade val="50000"/>
+            </a:schemeClr>
+          </a:lnRef>
+          <a:fillRef idx="1">
+            <a:schemeClr val="accent1"/>
+          </a:fillRef>
+          <a:effectRef idx="0">
+            <a:schemeClr val="accent1"/>
+          </a:effectRef>
+          <a:fontRef idx="minor">
+            <a:schemeClr val="lt1"/>
+          </a:fontRef>
+        </p:style>
+        <p:txBody>
+          <a:bodyPr rtlCol="0" anchor="ctr"/>
+          <a:lstStyle/>
+          <a:p>
+            <a:pPr algn="ctr"/>
+            <a:endParaRPr lang="en-US"/>
+          </a:p>
+        </p:txBody>
+      </p:sp>
+      <p:sp>
+        <p:nvSpPr>
+          <p:cNvPr id="13" name="Rectangle 12">
+            <a:extLst>
+              <a:ext uri="{FF2B5EF4-FFF2-40B4-BE49-F238E27FC236}">
+                <a16:creationId xmlns:a16="http://schemas.microsoft.com/office/drawing/2014/main" id="{554E71C6-E7A6-FA41-B40B-2B84759784FF}"/>
+              </a:ext>
+            </a:extLst>
+          </p:cNvPr>
+          <p:cNvSpPr/>
+          <p:nvPr/>
+        </p:nvSpPr>
+        <p:spPr>
+          <a:xfrm>
+            <a:off x="6546629" y="1130926"/>
+            <a:ext cx="529459" cy="750425"/>
+          </a:xfrm>
+          <a:prstGeom prst="rect">
+            <a:avLst/>
+          </a:prstGeom>
+        </p:spPr>
+        <p:style>
+          <a:lnRef idx="2">
+            <a:schemeClr val="accent1">
+              <a:shade val="50000"/>
+            </a:schemeClr>
+          </a:lnRef>
+          <a:fillRef idx="1">
+            <a:schemeClr val="accent1"/>
+          </a:fillRef>
+          <a:effectRef idx="0">
+            <a:schemeClr val="accent1"/>
+          </a:effectRef>
+          <a:fontRef idx="minor">
+            <a:schemeClr val="lt1"/>
+          </a:fontRef>
+        </p:style>
+        <p:txBody>
+          <a:bodyPr rtlCol="0" anchor="ctr"/>
+          <a:lstStyle/>
+          <a:p>
+            <a:pPr algn="ctr"/>
+            <a:endParaRPr lang="en-US"/>
+          </a:p>
+        </p:txBody>
+      </p:sp>
+      <p:sp>
+        <p:nvSpPr>
+          <p:cNvPr id="14" name="Rectangle 13">
+            <a:extLst>
+              <a:ext uri="{FF2B5EF4-FFF2-40B4-BE49-F238E27FC236}">
+                <a16:creationId xmlns:a16="http://schemas.microsoft.com/office/drawing/2014/main" id="{763A4652-0652-294A-91C4-1622BCEB1DFF}"/>
+              </a:ext>
+            </a:extLst>
+          </p:cNvPr>
+          <p:cNvSpPr/>
+          <p:nvPr/>
+        </p:nvSpPr>
+        <p:spPr>
+          <a:xfrm>
+            <a:off x="5093575" y="1130926"/>
+            <a:ext cx="514106" cy="214398"/>
+          </a:xfrm>
+          <a:prstGeom prst="rect">
+            <a:avLst/>
+          </a:prstGeom>
+          <a:solidFill>
+            <a:schemeClr val="tx1"/>
+          </a:solidFill>
+        </p:spPr>
+        <p:style>
+          <a:lnRef idx="2">
+            <a:schemeClr val="accent1">
+              <a:shade val="50000"/>
+            </a:schemeClr>
+          </a:lnRef>
+          <a:fillRef idx="1">
+            <a:schemeClr val="accent1"/>
+          </a:fillRef>
+          <a:effectRef idx="0">
+            <a:schemeClr val="accent1"/>
+          </a:effectRef>
+          <a:fontRef idx="minor">
+            <a:schemeClr val="lt1"/>
+          </a:fontRef>
+        </p:style>
+        <p:txBody>
+          <a:bodyPr rtlCol="0" anchor="ctr"/>
+          <a:lstStyle/>
+          <a:p>
+            <a:pPr algn="ctr"/>
+            <a:r>
+              <a:rPr lang="en-US" sz="1200" dirty="0">
+                <a:solidFill>
+                  <a:schemeClr val="bg1"/>
+                </a:solidFill>
+              </a:rPr>
+              <a:t>irp 1</a:t>
+            </a:r>
+          </a:p>
+        </p:txBody>
+      </p:sp>
+      <p:sp>
+        <p:nvSpPr>
+          <p:cNvPr id="15" name="Rectangle 14">
+            <a:extLst>
+              <a:ext uri="{FF2B5EF4-FFF2-40B4-BE49-F238E27FC236}">
+                <a16:creationId xmlns:a16="http://schemas.microsoft.com/office/drawing/2014/main" id="{3379E4FD-B312-BE41-AF8D-5349B33690FD}"/>
+              </a:ext>
+            </a:extLst>
+          </p:cNvPr>
+          <p:cNvSpPr/>
+          <p:nvPr/>
+        </p:nvSpPr>
+        <p:spPr>
+          <a:xfrm>
+            <a:off x="5821415" y="1130926"/>
+            <a:ext cx="514106" cy="214398"/>
+          </a:xfrm>
+          <a:prstGeom prst="rect">
+            <a:avLst/>
+          </a:prstGeom>
+          <a:solidFill>
+            <a:schemeClr val="tx1"/>
+          </a:solidFill>
+        </p:spPr>
+        <p:style>
+          <a:lnRef idx="2">
+            <a:schemeClr val="accent1">
+              <a:shade val="50000"/>
+            </a:schemeClr>
+          </a:lnRef>
+          <a:fillRef idx="1">
+            <a:schemeClr val="accent1"/>
+          </a:fillRef>
+          <a:effectRef idx="0">
+            <a:schemeClr val="accent1"/>
+          </a:effectRef>
+          <a:fontRef idx="minor">
+            <a:schemeClr val="lt1"/>
+          </a:fontRef>
+        </p:style>
+        <p:txBody>
+          <a:bodyPr rtlCol="0" anchor="ctr"/>
+          <a:lstStyle/>
+          <a:p>
+            <a:pPr algn="ctr"/>
+            <a:r>
+              <a:rPr lang="en-US" sz="1200" dirty="0">
+                <a:solidFill>
+                  <a:schemeClr val="bg1"/>
+                </a:solidFill>
+              </a:rPr>
+              <a:t>irp 2</a:t>
+            </a:r>
+          </a:p>
+        </p:txBody>
+      </p:sp>
+      <p:sp>
+        <p:nvSpPr>
+          <p:cNvPr id="16" name="Rectangle 15">
+            <a:extLst>
+              <a:ext uri="{FF2B5EF4-FFF2-40B4-BE49-F238E27FC236}">
+                <a16:creationId xmlns:a16="http://schemas.microsoft.com/office/drawing/2014/main" id="{113E4BAF-5E88-FB48-B730-A4E161D90910}"/>
+              </a:ext>
+            </a:extLst>
+          </p:cNvPr>
+          <p:cNvSpPr/>
+          <p:nvPr/>
+        </p:nvSpPr>
+        <p:spPr>
+          <a:xfrm>
+            <a:off x="6561982" y="1130926"/>
+            <a:ext cx="514106" cy="214398"/>
+          </a:xfrm>
+          <a:prstGeom prst="rect">
+            <a:avLst/>
+          </a:prstGeom>
+          <a:solidFill>
+            <a:schemeClr val="tx1"/>
+          </a:solidFill>
+        </p:spPr>
+        <p:style>
+          <a:lnRef idx="2">
+            <a:schemeClr val="accent1">
+              <a:shade val="50000"/>
+            </a:schemeClr>
+          </a:lnRef>
+          <a:fillRef idx="1">
+            <a:schemeClr val="accent1"/>
+          </a:fillRef>
+          <a:effectRef idx="0">
+            <a:schemeClr val="accent1"/>
+          </a:effectRef>
+          <a:fontRef idx="minor">
+            <a:schemeClr val="lt1"/>
+          </a:fontRef>
+        </p:style>
+        <p:txBody>
+          <a:bodyPr rtlCol="0" anchor="ctr"/>
+          <a:lstStyle/>
+          <a:p>
+            <a:pPr algn="ctr"/>
+            <a:r>
+              <a:rPr lang="en-US" sz="1200" dirty="0">
+                <a:solidFill>
+                  <a:schemeClr val="bg1"/>
+                </a:solidFill>
+              </a:rPr>
+              <a:t>irp 3</a:t>
+            </a:r>
+          </a:p>
+        </p:txBody>
+      </p:sp>
+      <p:sp>
+        <p:nvSpPr>
+          <p:cNvPr id="17" name="Rectangle 16">
+            <a:extLst>
+              <a:ext uri="{FF2B5EF4-FFF2-40B4-BE49-F238E27FC236}">
+                <a16:creationId xmlns:a16="http://schemas.microsoft.com/office/drawing/2014/main" id="{CD4486CE-F9DB-8F4C-855C-F0905E8197DA}"/>
+              </a:ext>
+            </a:extLst>
+          </p:cNvPr>
+          <p:cNvSpPr/>
+          <p:nvPr/>
+        </p:nvSpPr>
+        <p:spPr>
+          <a:xfrm>
+            <a:off x="5484633" y="1992774"/>
+            <a:ext cx="1187669" cy="210206"/>
+          </a:xfrm>
+          <a:prstGeom prst="rect">
+            <a:avLst/>
+          </a:prstGeom>
+          <a:solidFill>
+            <a:schemeClr val="tx1"/>
+          </a:solidFill>
+        </p:spPr>
+        <p:style>
+          <a:lnRef idx="2">
+            <a:schemeClr val="accent1">
+              <a:shade val="50000"/>
+            </a:schemeClr>
+          </a:lnRef>
+          <a:fillRef idx="1">
+            <a:schemeClr val="accent1"/>
+          </a:fillRef>
+          <a:effectRef idx="0">
+            <a:schemeClr val="accent1"/>
+          </a:effectRef>
+          <a:fontRef idx="minor">
+            <a:schemeClr val="lt1"/>
+          </a:fontRef>
+        </p:style>
+        <p:txBody>
+          <a:bodyPr rtlCol="0" anchor="ctr"/>
+          <a:lstStyle/>
+          <a:p>
+            <a:pPr algn="ctr"/>
+            <a:r>
+              <a:rPr lang="en-US" sz="1200" dirty="0">
+                <a:solidFill>
+                  <a:schemeClr val="bg1"/>
+                </a:solidFill>
+              </a:rPr>
+              <a:t>……….</a:t>
+            </a:r>
+          </a:p>
+        </p:txBody>
+      </p:sp>
+      <p:cxnSp>
+        <p:nvCxnSpPr>
+          <p:cNvPr id="19" name="Elbow Connector 18">
+            <a:extLst>
+              <a:ext uri="{FF2B5EF4-FFF2-40B4-BE49-F238E27FC236}">
+                <a16:creationId xmlns:a16="http://schemas.microsoft.com/office/drawing/2014/main" id="{11D7ED06-1A45-3544-AAB4-6C525808D5D7}"/>
+              </a:ext>
+            </a:extLst>
+          </p:cNvPr>
+          <p:cNvCxnSpPr>
+            <a:stCxn id="5" idx="3"/>
+            <a:endCxn id="10" idx="1"/>
+          </p:cNvCxnSpPr>
+          <p:nvPr/>
+        </p:nvCxnSpPr>
+        <p:spPr>
+          <a:xfrm flipV="1">
+            <a:off x="4308531" y="1634358"/>
+            <a:ext cx="699648" cy="2057050"/>
+          </a:xfrm>
+          <a:prstGeom prst="bentConnector3">
+            <a:avLst/>
+          </a:prstGeom>
+          <a:ln>
+            <a:tailEnd type="triangle"/>
+          </a:ln>
+        </p:spPr>
+        <p:style>
+          <a:lnRef idx="1">
+            <a:schemeClr val="accent1"/>
+          </a:lnRef>
+          <a:fillRef idx="0">
+            <a:schemeClr val="accent1"/>
+          </a:fillRef>
+          <a:effectRef idx="0">
+            <a:schemeClr val="accent1"/>
+          </a:effectRef>
+          <a:fontRef idx="minor">
+            <a:schemeClr val="tx1"/>
+          </a:fontRef>
+        </p:style>
+      </p:cxnSp>
+      <p:sp>
+        <p:nvSpPr>
+          <p:cNvPr id="21" name="Rectangle 20">
+            <a:extLst>
+              <a:ext uri="{FF2B5EF4-FFF2-40B4-BE49-F238E27FC236}">
+                <a16:creationId xmlns:a16="http://schemas.microsoft.com/office/drawing/2014/main" id="{5D580258-509B-CE40-A765-2B60691B30F2}"/>
+              </a:ext>
+            </a:extLst>
+          </p:cNvPr>
+          <p:cNvSpPr/>
+          <p:nvPr/>
+        </p:nvSpPr>
+        <p:spPr>
+          <a:xfrm>
+            <a:off x="5008179" y="5433848"/>
+            <a:ext cx="2175641" cy="924911"/>
+          </a:xfrm>
+          <a:prstGeom prst="rect">
+            <a:avLst/>
+          </a:prstGeom>
+          <a:solidFill>
+            <a:srgbClr val="FF0000"/>
+          </a:solidFill>
+        </p:spPr>
+        <p:style>
+          <a:lnRef idx="2">
+            <a:schemeClr val="accent1">
+              <a:shade val="50000"/>
+            </a:schemeClr>
+          </a:lnRef>
+          <a:fillRef idx="1">
+            <a:schemeClr val="accent1"/>
+          </a:fillRef>
+          <a:effectRef idx="0">
+            <a:schemeClr val="accent1"/>
+          </a:effectRef>
+          <a:fontRef idx="minor">
+            <a:schemeClr val="lt1"/>
+          </a:fontRef>
+        </p:style>
+        <p:txBody>
+          <a:bodyPr rtlCol="0" anchor="ctr"/>
+          <a:lstStyle/>
+          <a:p>
+            <a:pPr algn="ctr"/>
+            <a:endParaRPr lang="en-US"/>
+          </a:p>
+        </p:txBody>
+      </p:sp>
+      <p:cxnSp>
+        <p:nvCxnSpPr>
+          <p:cNvPr id="23" name="Elbow Connector 22">
+            <a:extLst>
+              <a:ext uri="{FF2B5EF4-FFF2-40B4-BE49-F238E27FC236}">
+                <a16:creationId xmlns:a16="http://schemas.microsoft.com/office/drawing/2014/main" id="{BE63F385-BEF9-F142-A3A0-47F365A4F0F8}"/>
+              </a:ext>
+            </a:extLst>
+          </p:cNvPr>
+          <p:cNvCxnSpPr>
+            <a:endCxn id="3" idx="1"/>
+          </p:cNvCxnSpPr>
+          <p:nvPr/>
+        </p:nvCxnSpPr>
+        <p:spPr>
+          <a:xfrm rot="10800000">
+            <a:off x="3342785" y="3429000"/>
+            <a:ext cx="4928358" cy="170092"/>
+          </a:xfrm>
+          <a:prstGeom prst="bentConnector5">
+            <a:avLst>
+              <a:gd name="adj1" fmla="val 39710"/>
+              <a:gd name="adj2" fmla="val -392792"/>
+              <a:gd name="adj3" fmla="val 104638"/>
+            </a:avLst>
+          </a:prstGeom>
+          <a:ln>
+            <a:tailEnd type="triangle"/>
+          </a:ln>
+        </p:spPr>
+        <p:style>
+          <a:lnRef idx="3">
+            <a:schemeClr val="accent4"/>
+          </a:lnRef>
+          <a:fillRef idx="0">
+            <a:schemeClr val="accent4"/>
+          </a:fillRef>
+          <a:effectRef idx="2">
+            <a:schemeClr val="accent4"/>
+          </a:effectRef>
+          <a:fontRef idx="minor">
+            <a:schemeClr val="tx1"/>
+          </a:fontRef>
+        </p:style>
+      </p:cxnSp>
+      <p:cxnSp>
+        <p:nvCxnSpPr>
+          <p:cNvPr id="25" name="Elbow Connector 24">
+            <a:extLst>
+              <a:ext uri="{FF2B5EF4-FFF2-40B4-BE49-F238E27FC236}">
+                <a16:creationId xmlns:a16="http://schemas.microsoft.com/office/drawing/2014/main" id="{DBFF9C58-742E-5640-B4B6-99262137BE20}"/>
+              </a:ext>
+            </a:extLst>
+          </p:cNvPr>
+          <p:cNvCxnSpPr>
+            <a:stCxn id="4" idx="3"/>
+            <a:endCxn id="21" idx="1"/>
+          </p:cNvCxnSpPr>
+          <p:nvPr/>
+        </p:nvCxnSpPr>
+        <p:spPr>
+          <a:xfrm>
+            <a:off x="4308531" y="3360332"/>
+            <a:ext cx="699648" cy="2535972"/>
+          </a:xfrm>
+          <a:prstGeom prst="bentConnector3">
+            <a:avLst/>
+          </a:prstGeom>
+          <a:ln>
+            <a:solidFill>
+              <a:srgbClr val="FFFF00"/>
+            </a:solidFill>
+            <a:tailEnd type="triangle"/>
+          </a:ln>
+        </p:spPr>
+        <p:style>
+          <a:lnRef idx="1">
+            <a:schemeClr val="accent1"/>
+          </a:lnRef>
+          <a:fillRef idx="0">
+            <a:schemeClr val="accent1"/>
+          </a:fillRef>
+          <a:effectRef idx="0">
+            <a:schemeClr val="accent1"/>
+          </a:effectRef>
+          <a:fontRef idx="minor">
+            <a:schemeClr val="tx1"/>
+          </a:fontRef>
+        </p:style>
+      </p:cxnSp>
+      <p:sp>
+        <p:nvSpPr>
+          <p:cNvPr id="26" name="Rectangle 25">
+            <a:extLst>
+              <a:ext uri="{FF2B5EF4-FFF2-40B4-BE49-F238E27FC236}">
+                <a16:creationId xmlns:a16="http://schemas.microsoft.com/office/drawing/2014/main" id="{6A9F37F5-6AC4-8840-A7BC-EE38B5C41389}"/>
+              </a:ext>
+            </a:extLst>
+          </p:cNvPr>
+          <p:cNvSpPr/>
+          <p:nvPr/>
+        </p:nvSpPr>
+        <p:spPr>
+          <a:xfrm>
+            <a:off x="5085898" y="5528441"/>
+            <a:ext cx="529459" cy="735724"/>
+          </a:xfrm>
+          <a:prstGeom prst="rect">
+            <a:avLst/>
+          </a:prstGeom>
+        </p:spPr>
+        <p:style>
+          <a:lnRef idx="2">
+            <a:schemeClr val="accent1">
+              <a:shade val="50000"/>
+            </a:schemeClr>
+          </a:lnRef>
+          <a:fillRef idx="1">
+            <a:schemeClr val="accent1"/>
+          </a:fillRef>
+          <a:effectRef idx="0">
+            <a:schemeClr val="accent1"/>
+          </a:effectRef>
+          <a:fontRef idx="minor">
+            <a:schemeClr val="lt1"/>
+          </a:fontRef>
+        </p:style>
+        <p:txBody>
+          <a:bodyPr rtlCol="0" anchor="ctr"/>
+          <a:lstStyle/>
+          <a:p>
+            <a:pPr algn="ctr"/>
+            <a:r>
+              <a:rPr lang="en-US" sz="1200" dirty="0"/>
+              <a:t>stack</a:t>
+            </a:r>
+          </a:p>
+        </p:txBody>
+      </p:sp>
+      <p:sp>
+        <p:nvSpPr>
+          <p:cNvPr id="27" name="Rectangle 26">
+            <a:extLst>
+              <a:ext uri="{FF2B5EF4-FFF2-40B4-BE49-F238E27FC236}">
+                <a16:creationId xmlns:a16="http://schemas.microsoft.com/office/drawing/2014/main" id="{A67CC7C6-7E2F-BF4E-B480-DEBAE22C815F}"/>
+              </a:ext>
+            </a:extLst>
+          </p:cNvPr>
+          <p:cNvSpPr/>
+          <p:nvPr/>
+        </p:nvSpPr>
+        <p:spPr>
+          <a:xfrm>
+            <a:off x="5802531" y="5528441"/>
+            <a:ext cx="529459" cy="735724"/>
+          </a:xfrm>
+          <a:prstGeom prst="rect">
+            <a:avLst/>
+          </a:prstGeom>
+        </p:spPr>
+        <p:style>
+          <a:lnRef idx="2">
+            <a:schemeClr val="accent1">
+              <a:shade val="50000"/>
+            </a:schemeClr>
+          </a:lnRef>
+          <a:fillRef idx="1">
+            <a:schemeClr val="accent1"/>
+          </a:fillRef>
+          <a:effectRef idx="0">
+            <a:schemeClr val="accent1"/>
+          </a:effectRef>
+          <a:fontRef idx="minor">
+            <a:schemeClr val="lt1"/>
+          </a:fontRef>
+        </p:style>
+        <p:txBody>
+          <a:bodyPr rtlCol="0" anchor="ctr"/>
+          <a:lstStyle/>
+          <a:p>
+            <a:pPr algn="ctr"/>
+            <a:r>
+              <a:rPr lang="en-US" sz="1200" dirty="0"/>
+              <a:t>code</a:t>
+            </a:r>
+          </a:p>
+        </p:txBody>
+      </p:sp>
+      <p:sp>
+        <p:nvSpPr>
+          <p:cNvPr id="28" name="Rectangle 27">
+            <a:extLst>
+              <a:ext uri="{FF2B5EF4-FFF2-40B4-BE49-F238E27FC236}">
+                <a16:creationId xmlns:a16="http://schemas.microsoft.com/office/drawing/2014/main" id="{61AB17A4-4936-2840-AFEA-AED0552942CF}"/>
+              </a:ext>
+            </a:extLst>
+          </p:cNvPr>
+          <p:cNvSpPr/>
+          <p:nvPr/>
+        </p:nvSpPr>
+        <p:spPr>
+          <a:xfrm>
+            <a:off x="6493175" y="5528441"/>
+            <a:ext cx="529459" cy="735724"/>
+          </a:xfrm>
+          <a:prstGeom prst="rect">
+            <a:avLst/>
+          </a:prstGeom>
+        </p:spPr>
+        <p:style>
+          <a:lnRef idx="2">
+            <a:schemeClr val="accent1">
+              <a:shade val="50000"/>
+            </a:schemeClr>
+          </a:lnRef>
+          <a:fillRef idx="1">
+            <a:schemeClr val="accent1"/>
+          </a:fillRef>
+          <a:effectRef idx="0">
+            <a:schemeClr val="accent1"/>
+          </a:effectRef>
+          <a:fontRef idx="minor">
+            <a:schemeClr val="lt1"/>
+          </a:fontRef>
+        </p:style>
+        <p:txBody>
+          <a:bodyPr rtlCol="0" anchor="ctr"/>
+          <a:lstStyle/>
+          <a:p>
+            <a:pPr algn="ctr"/>
+            <a:r>
+              <a:rPr lang="en-US" sz="1200" dirty="0"/>
+              <a:t>….</a:t>
+            </a:r>
+          </a:p>
+        </p:txBody>
+      </p:sp>
+    </p:spTree>
+    <p:extLst>
+      <p:ext uri="{BB962C8B-B14F-4D97-AF65-F5344CB8AC3E}">
+        <p14:creationId xmlns:p14="http://schemas.microsoft.com/office/powerpoint/2010/main" val="3866782621"/>
+      </p:ext>
+    </p:extLst>
+  </p:cSld>
+  <p:clrMapOvr>
+    <a:masterClrMapping/>
+  </p:clrMapOvr>
+</p:sld>
+</file>
+
+<file path=ppt/slides/slide4.xml><?xml version="1.0" encoding="utf-8"?>
+<p:sld xmlns:a="http://schemas.openxmlformats.org/drawingml/2006/main" xmlns:r="http://schemas.openxmlformats.org/officeDocument/2006/relationships" xmlns:p="http://schemas.openxmlformats.org/presentationml/2006/main">
+  <p:cSld>
+    <p:spTree>
+      <p:nvGrpSpPr>
+        <p:cNvPr id="1" name=""/>
+        <p:cNvGrpSpPr/>
+        <p:nvPr/>
+      </p:nvGrpSpPr>
+      <p:grpSpPr>
+        <a:xfrm>
+          <a:off x="0" y="0"/>
+          <a:ext cx="0" cy="0"/>
+          <a:chOff x="0" y="0"/>
+          <a:chExt cx="0" cy="0"/>
+        </a:xfrm>
+      </p:grpSpPr>
+      <p:sp>
+        <p:nvSpPr>
+          <p:cNvPr id="2" name="TextBox 1">
+            <a:extLst>
+              <a:ext uri="{FF2B5EF4-FFF2-40B4-BE49-F238E27FC236}">
+                <a16:creationId xmlns:a16="http://schemas.microsoft.com/office/drawing/2014/main" id="{A99980E2-A3A9-FD4A-9011-9A37E88F5891}"/>
+              </a:ext>
+            </a:extLst>
+          </p:cNvPr>
+          <p:cNvSpPr txBox="1"/>
+          <p:nvPr/>
+        </p:nvSpPr>
+        <p:spPr>
+          <a:xfrm>
+            <a:off x="1872537" y="332509"/>
+            <a:ext cx="8446926" cy="707886"/>
+          </a:xfrm>
+          <a:prstGeom prst="rect">
+            <a:avLst/>
+          </a:prstGeom>
+          <a:noFill/>
+        </p:spPr>
+        <p:txBody>
+          <a:bodyPr wrap="square" rtlCol="0">
+            <a:spAutoFit/>
+          </a:bodyPr>
+          <a:lstStyle/>
+          <a:p>
+            <a:pPr algn="ctr"/>
+            <a:r>
+              <a:rPr lang="en-US" sz="4000" dirty="0">
+                <a:solidFill>
+                  <a:schemeClr val="accent1">
+                    <a:lumMod val="60000"/>
+                    <a:lumOff val="40000"/>
+                  </a:schemeClr>
+                </a:solidFill>
+              </a:rPr>
+              <a:t>After HW interrupt Stack</a:t>
+            </a:r>
+          </a:p>
+        </p:txBody>
+      </p:sp>
+      <p:sp>
+        <p:nvSpPr>
+          <p:cNvPr id="3" name="Rectangle 2">
+            <a:extLst>
+              <a:ext uri="{FF2B5EF4-FFF2-40B4-BE49-F238E27FC236}">
+                <a16:creationId xmlns:a16="http://schemas.microsoft.com/office/drawing/2014/main" id="{483373CB-2135-F943-8C4D-33532B9FD7EE}"/>
+              </a:ext>
+            </a:extLst>
+          </p:cNvPr>
+          <p:cNvSpPr/>
+          <p:nvPr/>
+        </p:nvSpPr>
+        <p:spPr>
+          <a:xfrm>
+            <a:off x="4598276" y="1776248"/>
+            <a:ext cx="2995448" cy="3825766"/>
+          </a:xfrm>
+          <a:prstGeom prst="rect">
+            <a:avLst/>
+          </a:prstGeom>
+        </p:spPr>
+        <p:style>
+          <a:lnRef idx="2">
+            <a:schemeClr val="accent1">
+              <a:shade val="50000"/>
+            </a:schemeClr>
+          </a:lnRef>
+          <a:fillRef idx="1">
+            <a:schemeClr val="accent1"/>
+          </a:fillRef>
+          <a:effectRef idx="0">
+            <a:schemeClr val="accent1"/>
+          </a:effectRef>
+          <a:fontRef idx="minor">
+            <a:schemeClr val="lt1"/>
+          </a:fontRef>
+        </p:style>
+        <p:txBody>
+          <a:bodyPr rtlCol="0" anchor="ctr"/>
+          <a:lstStyle/>
+          <a:p>
+            <a:pPr algn="ctr"/>
+            <a:endParaRPr lang="en-US"/>
+          </a:p>
+        </p:txBody>
+      </p:sp>
+      <p:sp>
+        <p:nvSpPr>
+          <p:cNvPr id="9" name="Up Arrow 8">
+            <a:extLst>
+              <a:ext uri="{FF2B5EF4-FFF2-40B4-BE49-F238E27FC236}">
+                <a16:creationId xmlns:a16="http://schemas.microsoft.com/office/drawing/2014/main" id="{ECABAB04-33BF-6942-972B-BC4AF83CF4AB}"/>
+              </a:ext>
+            </a:extLst>
+          </p:cNvPr>
+          <p:cNvSpPr/>
+          <p:nvPr/>
+        </p:nvSpPr>
+        <p:spPr>
+          <a:xfrm>
+            <a:off x="7987862" y="2109951"/>
+            <a:ext cx="462455" cy="3158359"/>
+          </a:xfrm>
+          <a:prstGeom prst="upArrow">
+            <a:avLst/>
+          </a:prstGeom>
+          <a:solidFill>
+            <a:srgbClr val="FF0000"/>
+          </a:solidFill>
+          <a:ln>
+            <a:solidFill>
+              <a:srgbClr val="FFFF00"/>
+            </a:solidFill>
+          </a:ln>
+        </p:spPr>
+        <p:style>
+          <a:lnRef idx="2">
+            <a:schemeClr val="accent1">
+              <a:shade val="50000"/>
+            </a:schemeClr>
+          </a:lnRef>
+          <a:fillRef idx="1">
+            <a:schemeClr val="accent1"/>
+          </a:fillRef>
+          <a:effectRef idx="0">
+            <a:schemeClr val="accent1"/>
+          </a:effectRef>
+          <a:fontRef idx="minor">
+            <a:schemeClr val="lt1"/>
+          </a:fontRef>
+        </p:style>
+        <p:txBody>
+          <a:bodyPr rtlCol="0" anchor="ctr"/>
+          <a:lstStyle/>
+          <a:p>
+            <a:pPr algn="ctr"/>
+            <a:endParaRPr lang="en-US"/>
+          </a:p>
+        </p:txBody>
+      </p:sp>
+      <p:sp>
+        <p:nvSpPr>
+          <p:cNvPr id="10" name="TextBox 9">
+            <a:extLst>
+              <a:ext uri="{FF2B5EF4-FFF2-40B4-BE49-F238E27FC236}">
+                <a16:creationId xmlns:a16="http://schemas.microsoft.com/office/drawing/2014/main" id="{AD9FA7C0-0325-6B4F-8D67-4F79C57076FD}"/>
+              </a:ext>
+            </a:extLst>
+          </p:cNvPr>
+          <p:cNvSpPr txBox="1"/>
+          <p:nvPr/>
+        </p:nvSpPr>
+        <p:spPr>
+          <a:xfrm>
+            <a:off x="7752358" y="1390507"/>
+            <a:ext cx="933461" cy="369332"/>
+          </a:xfrm>
+          <a:prstGeom prst="rect">
+            <a:avLst/>
+          </a:prstGeom>
+          <a:noFill/>
+        </p:spPr>
+        <p:txBody>
+          <a:bodyPr wrap="none" rtlCol="0">
+            <a:spAutoFit/>
+          </a:bodyPr>
+          <a:lstStyle/>
+          <a:p>
+            <a:r>
+              <a:rPr lang="en-US" dirty="0"/>
+              <a:t>Address</a:t>
+            </a:r>
+          </a:p>
+        </p:txBody>
+      </p:sp>
+      <p:sp>
+        <p:nvSpPr>
+          <p:cNvPr id="11" name="TextBox 10">
+            <a:extLst>
+              <a:ext uri="{FF2B5EF4-FFF2-40B4-BE49-F238E27FC236}">
+                <a16:creationId xmlns:a16="http://schemas.microsoft.com/office/drawing/2014/main" id="{F34E729B-5F30-654E-9C26-ECF0B4A0C002}"/>
+              </a:ext>
+            </a:extLst>
+          </p:cNvPr>
+          <p:cNvSpPr txBox="1"/>
+          <p:nvPr/>
+        </p:nvSpPr>
+        <p:spPr>
+          <a:xfrm>
+            <a:off x="7934843" y="1759839"/>
+            <a:ext cx="568489" cy="369332"/>
+          </a:xfrm>
+          <a:prstGeom prst="rect">
+            <a:avLst/>
+          </a:prstGeom>
+          <a:noFill/>
+        </p:spPr>
+        <p:txBody>
+          <a:bodyPr wrap="none" rtlCol="0">
+            <a:spAutoFit/>
+          </a:bodyPr>
+          <a:lstStyle/>
+          <a:p>
+            <a:r>
+              <a:rPr lang="en-US" dirty="0"/>
+              <a:t>Low</a:t>
+            </a:r>
+          </a:p>
+        </p:txBody>
+      </p:sp>
+      <p:sp>
+        <p:nvSpPr>
+          <p:cNvPr id="12" name="TextBox 11">
+            <a:extLst>
+              <a:ext uri="{FF2B5EF4-FFF2-40B4-BE49-F238E27FC236}">
+                <a16:creationId xmlns:a16="http://schemas.microsoft.com/office/drawing/2014/main" id="{68DB77AB-6C70-E94D-9DF5-38F999CC7EF9}"/>
+              </a:ext>
+            </a:extLst>
+          </p:cNvPr>
+          <p:cNvSpPr txBox="1"/>
+          <p:nvPr/>
+        </p:nvSpPr>
+        <p:spPr>
+          <a:xfrm>
+            <a:off x="7912753" y="5282827"/>
+            <a:ext cx="612668" cy="369332"/>
+          </a:xfrm>
+          <a:prstGeom prst="rect">
+            <a:avLst/>
+          </a:prstGeom>
+          <a:noFill/>
+        </p:spPr>
+        <p:txBody>
+          <a:bodyPr wrap="none" rtlCol="0">
+            <a:spAutoFit/>
+          </a:bodyPr>
+          <a:lstStyle/>
+          <a:p>
+            <a:r>
+              <a:rPr lang="en-US" dirty="0"/>
+              <a:t>High</a:t>
+            </a:r>
+          </a:p>
+        </p:txBody>
+      </p:sp>
+      <p:sp>
+        <p:nvSpPr>
+          <p:cNvPr id="13" name="Rounded Rectangle 12">
+            <a:extLst>
+              <a:ext uri="{FF2B5EF4-FFF2-40B4-BE49-F238E27FC236}">
+                <a16:creationId xmlns:a16="http://schemas.microsoft.com/office/drawing/2014/main" id="{051E9389-86F8-7A49-9B81-4EECDCECA040}"/>
+              </a:ext>
+            </a:extLst>
+          </p:cNvPr>
+          <p:cNvSpPr/>
+          <p:nvPr/>
+        </p:nvSpPr>
+        <p:spPr>
+          <a:xfrm>
+            <a:off x="4611530" y="4887440"/>
+            <a:ext cx="2968940" cy="333704"/>
+          </a:xfrm>
+          <a:prstGeom prst="roundRect">
+            <a:avLst/>
+          </a:prstGeom>
+          <a:solidFill>
+            <a:schemeClr val="tx1"/>
+          </a:solidFill>
+          <a:ln>
+            <a:noFill/>
+          </a:ln>
+        </p:spPr>
+        <p:style>
+          <a:lnRef idx="2">
+            <a:schemeClr val="accent1">
+              <a:shade val="50000"/>
+            </a:schemeClr>
+          </a:lnRef>
+          <a:fillRef idx="1">
+            <a:schemeClr val="accent1"/>
+          </a:fillRef>
+          <a:effectRef idx="0">
+            <a:schemeClr val="accent1"/>
+          </a:effectRef>
+          <a:fontRef idx="minor">
+            <a:schemeClr val="lt1"/>
+          </a:fontRef>
+        </p:style>
+        <p:txBody>
+          <a:bodyPr rtlCol="0" anchor="ctr"/>
+          <a:lstStyle/>
+          <a:p>
+            <a:pPr algn="ctr"/>
+            <a:r>
+              <a:rPr lang="en-US" dirty="0">
+                <a:solidFill>
+                  <a:schemeClr val="bg1"/>
+                </a:solidFill>
+              </a:rPr>
+              <a:t>CS:IP</a:t>
+            </a:r>
+          </a:p>
+        </p:txBody>
+      </p:sp>
+      <p:sp>
+        <p:nvSpPr>
+          <p:cNvPr id="14" name="Rounded Rectangle 13">
+            <a:extLst>
+              <a:ext uri="{FF2B5EF4-FFF2-40B4-BE49-F238E27FC236}">
+                <a16:creationId xmlns:a16="http://schemas.microsoft.com/office/drawing/2014/main" id="{8501A936-B84F-6740-97A6-8CFC8875D7F5}"/>
+              </a:ext>
+            </a:extLst>
+          </p:cNvPr>
+          <p:cNvSpPr/>
+          <p:nvPr/>
+        </p:nvSpPr>
+        <p:spPr>
+          <a:xfrm>
+            <a:off x="4624784" y="5244727"/>
+            <a:ext cx="2968940" cy="333704"/>
+          </a:xfrm>
+          <a:prstGeom prst="roundRect">
+            <a:avLst/>
+          </a:prstGeom>
+          <a:solidFill>
+            <a:schemeClr val="tx1"/>
+          </a:solidFill>
+          <a:ln>
+            <a:noFill/>
+          </a:ln>
+        </p:spPr>
+        <p:style>
+          <a:lnRef idx="2">
+            <a:schemeClr val="accent1">
+              <a:shade val="50000"/>
+            </a:schemeClr>
+          </a:lnRef>
+          <a:fillRef idx="1">
+            <a:schemeClr val="accent1"/>
+          </a:fillRef>
+          <a:effectRef idx="0">
+            <a:schemeClr val="accent1"/>
+          </a:effectRef>
+          <a:fontRef idx="minor">
+            <a:schemeClr val="lt1"/>
+          </a:fontRef>
+        </p:style>
+        <p:txBody>
+          <a:bodyPr rtlCol="0" anchor="ctr"/>
+          <a:lstStyle/>
+          <a:p>
+            <a:pPr algn="ctr"/>
+            <a:r>
+              <a:rPr lang="en-US" dirty="0">
+                <a:solidFill>
+                  <a:schemeClr val="bg1"/>
+                </a:solidFill>
+              </a:rPr>
+              <a:t>SP</a:t>
+            </a:r>
+          </a:p>
+        </p:txBody>
+      </p:sp>
+      <p:sp>
+        <p:nvSpPr>
+          <p:cNvPr id="16" name="TextBox 15">
+            <a:extLst>
+              <a:ext uri="{FF2B5EF4-FFF2-40B4-BE49-F238E27FC236}">
+                <a16:creationId xmlns:a16="http://schemas.microsoft.com/office/drawing/2014/main" id="{58DB1AD2-5B93-FD45-ADF0-B754ACE32EB6}"/>
+              </a:ext>
+            </a:extLst>
+          </p:cNvPr>
+          <p:cNvSpPr txBox="1"/>
+          <p:nvPr/>
+        </p:nvSpPr>
+        <p:spPr>
+          <a:xfrm>
+            <a:off x="5569638" y="1406916"/>
+            <a:ext cx="1052724" cy="369332"/>
+          </a:xfrm>
+          <a:prstGeom prst="rect">
+            <a:avLst/>
+          </a:prstGeom>
+          <a:noFill/>
+        </p:spPr>
+        <p:txBody>
+          <a:bodyPr wrap="none" rtlCol="0">
+            <a:spAutoFit/>
+          </a:bodyPr>
+          <a:lstStyle/>
+          <a:p>
+            <a:r>
+              <a:rPr lang="en-US" dirty="0"/>
+              <a:t>TSS Stack</a:t>
+            </a:r>
+          </a:p>
+        </p:txBody>
+      </p:sp>
+      <p:sp>
+        <p:nvSpPr>
+          <p:cNvPr id="17" name="Rectangle 16">
+            <a:extLst>
+              <a:ext uri="{FF2B5EF4-FFF2-40B4-BE49-F238E27FC236}">
+                <a16:creationId xmlns:a16="http://schemas.microsoft.com/office/drawing/2014/main" id="{7DBE14ED-5592-C94E-A2A0-D561C58D2FE7}"/>
+              </a:ext>
+            </a:extLst>
+          </p:cNvPr>
+          <p:cNvSpPr/>
+          <p:nvPr/>
+        </p:nvSpPr>
+        <p:spPr>
+          <a:xfrm>
+            <a:off x="1177158" y="2448955"/>
+            <a:ext cx="2301765" cy="2480350"/>
+          </a:xfrm>
+          <a:prstGeom prst="rect">
+            <a:avLst/>
+          </a:prstGeom>
+        </p:spPr>
+        <p:style>
+          <a:lnRef idx="2">
+            <a:schemeClr val="accent1">
+              <a:shade val="50000"/>
+            </a:schemeClr>
+          </a:lnRef>
+          <a:fillRef idx="1">
+            <a:schemeClr val="accent1"/>
+          </a:fillRef>
+          <a:effectRef idx="0">
+            <a:schemeClr val="accent1"/>
+          </a:effectRef>
+          <a:fontRef idx="minor">
+            <a:schemeClr val="lt1"/>
+          </a:fontRef>
+        </p:style>
+        <p:txBody>
+          <a:bodyPr rtlCol="0" anchor="ctr"/>
+          <a:lstStyle/>
+          <a:p>
+            <a:pPr algn="ctr"/>
+            <a:r>
+              <a:rPr lang="en-US" dirty="0"/>
+              <a:t>.</a:t>
+            </a:r>
+          </a:p>
+          <a:p>
+            <a:pPr algn="ctr"/>
+            <a:r>
+              <a:rPr lang="en-US" dirty="0"/>
+              <a:t>.</a:t>
+            </a:r>
+          </a:p>
+          <a:p>
+            <a:pPr algn="ctr"/>
+            <a:r>
+              <a:rPr lang="en-US" dirty="0"/>
+              <a:t>.</a:t>
+            </a:r>
+          </a:p>
+          <a:p>
+            <a:pPr algn="ctr"/>
+            <a:r>
+              <a:rPr lang="en-US" dirty="0"/>
+              <a:t>.</a:t>
+            </a:r>
+          </a:p>
+          <a:p>
+            <a:pPr algn="ctr"/>
+            <a:endParaRPr lang="en-US" dirty="0"/>
+          </a:p>
+        </p:txBody>
+      </p:sp>
+      <p:sp>
+        <p:nvSpPr>
+          <p:cNvPr id="18" name="TextBox 17">
+            <a:extLst>
+              <a:ext uri="{FF2B5EF4-FFF2-40B4-BE49-F238E27FC236}">
+                <a16:creationId xmlns:a16="http://schemas.microsoft.com/office/drawing/2014/main" id="{42ECF660-C6FD-CB44-A035-D10AB9B78B1C}"/>
+              </a:ext>
+            </a:extLst>
+          </p:cNvPr>
+          <p:cNvSpPr txBox="1"/>
+          <p:nvPr/>
+        </p:nvSpPr>
+        <p:spPr>
+          <a:xfrm>
+            <a:off x="998483" y="2073591"/>
+            <a:ext cx="2574487" cy="369332"/>
+          </a:xfrm>
+          <a:prstGeom prst="rect">
+            <a:avLst/>
+          </a:prstGeom>
+          <a:noFill/>
+        </p:spPr>
+        <p:txBody>
+          <a:bodyPr wrap="none" rtlCol="0">
+            <a:spAutoFit/>
+          </a:bodyPr>
+          <a:lstStyle/>
+          <a:p>
+            <a:r>
+              <a:rPr lang="en-US" dirty="0"/>
+              <a:t>Interrupted Process Stack</a:t>
+            </a:r>
+          </a:p>
+        </p:txBody>
+      </p:sp>
+      <p:sp>
+        <p:nvSpPr>
+          <p:cNvPr id="19" name="Rounded Rectangle 18">
+            <a:extLst>
+              <a:ext uri="{FF2B5EF4-FFF2-40B4-BE49-F238E27FC236}">
+                <a16:creationId xmlns:a16="http://schemas.microsoft.com/office/drawing/2014/main" id="{F6C06B4A-40AA-0C40-8E2A-421C5890AB98}"/>
+              </a:ext>
+            </a:extLst>
+          </p:cNvPr>
+          <p:cNvSpPr/>
+          <p:nvPr/>
+        </p:nvSpPr>
+        <p:spPr>
+          <a:xfrm>
+            <a:off x="1177157" y="4595601"/>
+            <a:ext cx="2301765" cy="333704"/>
+          </a:xfrm>
+          <a:prstGeom prst="roundRect">
+            <a:avLst/>
+          </a:prstGeom>
+          <a:solidFill>
+            <a:schemeClr val="tx1"/>
+          </a:solidFill>
+          <a:ln>
+            <a:noFill/>
+          </a:ln>
+        </p:spPr>
+        <p:style>
+          <a:lnRef idx="2">
+            <a:schemeClr val="accent1">
+              <a:shade val="50000"/>
+            </a:schemeClr>
+          </a:lnRef>
+          <a:fillRef idx="1">
+            <a:schemeClr val="accent1"/>
+          </a:fillRef>
+          <a:effectRef idx="0">
+            <a:schemeClr val="accent1"/>
+          </a:effectRef>
+          <a:fontRef idx="minor">
+            <a:schemeClr val="lt1"/>
+          </a:fontRef>
+        </p:style>
+        <p:txBody>
+          <a:bodyPr rtlCol="0" anchor="ctr"/>
+          <a:lstStyle/>
+          <a:p>
+            <a:pPr algn="ctr"/>
+            <a:r>
+              <a:rPr lang="en-US" dirty="0">
+                <a:solidFill>
+                  <a:schemeClr val="bg1"/>
+                </a:solidFill>
+              </a:rPr>
+              <a:t>Runtime stack value 1</a:t>
+            </a:r>
+          </a:p>
+        </p:txBody>
+      </p:sp>
+      <p:sp>
+        <p:nvSpPr>
+          <p:cNvPr id="21" name="Rounded Rectangle 20">
+            <a:extLst>
+              <a:ext uri="{FF2B5EF4-FFF2-40B4-BE49-F238E27FC236}">
+                <a16:creationId xmlns:a16="http://schemas.microsoft.com/office/drawing/2014/main" id="{A48D9B6B-7058-B940-9DE9-809DFEF61E73}"/>
+              </a:ext>
+            </a:extLst>
+          </p:cNvPr>
+          <p:cNvSpPr/>
+          <p:nvPr/>
+        </p:nvSpPr>
+        <p:spPr>
+          <a:xfrm>
+            <a:off x="1177156" y="4257042"/>
+            <a:ext cx="2301765" cy="333704"/>
+          </a:xfrm>
+          <a:prstGeom prst="roundRect">
+            <a:avLst/>
+          </a:prstGeom>
+          <a:solidFill>
+            <a:schemeClr val="tx1"/>
+          </a:solidFill>
+          <a:ln>
+            <a:noFill/>
+          </a:ln>
+        </p:spPr>
+        <p:style>
+          <a:lnRef idx="2">
+            <a:schemeClr val="accent1">
+              <a:shade val="50000"/>
+            </a:schemeClr>
+          </a:lnRef>
+          <a:fillRef idx="1">
+            <a:schemeClr val="accent1"/>
+          </a:fillRef>
+          <a:effectRef idx="0">
+            <a:schemeClr val="accent1"/>
+          </a:effectRef>
+          <a:fontRef idx="minor">
+            <a:schemeClr val="lt1"/>
+          </a:fontRef>
+        </p:style>
+        <p:txBody>
+          <a:bodyPr rtlCol="0" anchor="ctr"/>
+          <a:lstStyle/>
+          <a:p>
+            <a:pPr algn="ctr"/>
+            <a:r>
+              <a:rPr lang="en-US" dirty="0">
+                <a:solidFill>
+                  <a:schemeClr val="bg1"/>
+                </a:solidFill>
+              </a:rPr>
+              <a:t>Runtime stack value 2</a:t>
+            </a:r>
+          </a:p>
+        </p:txBody>
+      </p:sp>
+      <p:sp>
+        <p:nvSpPr>
+          <p:cNvPr id="22" name="Rounded Rectangle 21">
+            <a:extLst>
+              <a:ext uri="{FF2B5EF4-FFF2-40B4-BE49-F238E27FC236}">
+                <a16:creationId xmlns:a16="http://schemas.microsoft.com/office/drawing/2014/main" id="{522E0BD7-D23D-124F-896F-90680F0A61FB}"/>
+              </a:ext>
+            </a:extLst>
+          </p:cNvPr>
+          <p:cNvSpPr/>
+          <p:nvPr/>
+        </p:nvSpPr>
+        <p:spPr>
+          <a:xfrm>
+            <a:off x="1177157" y="3923338"/>
+            <a:ext cx="2301765" cy="333704"/>
+          </a:xfrm>
+          <a:prstGeom prst="roundRect">
+            <a:avLst/>
+          </a:prstGeom>
+          <a:solidFill>
+            <a:schemeClr val="tx1"/>
+          </a:solidFill>
+          <a:ln>
+            <a:noFill/>
+          </a:ln>
+        </p:spPr>
+        <p:style>
+          <a:lnRef idx="2">
+            <a:schemeClr val="accent1">
+              <a:shade val="50000"/>
+            </a:schemeClr>
+          </a:lnRef>
+          <a:fillRef idx="1">
+            <a:schemeClr val="accent1"/>
+          </a:fillRef>
+          <a:effectRef idx="0">
+            <a:schemeClr val="accent1"/>
+          </a:effectRef>
+          <a:fontRef idx="minor">
+            <a:schemeClr val="lt1"/>
+          </a:fontRef>
+        </p:style>
+        <p:txBody>
+          <a:bodyPr rtlCol="0" anchor="ctr"/>
+          <a:lstStyle/>
+          <a:p>
+            <a:pPr algn="ctr"/>
+            <a:r>
+              <a:rPr lang="en-US" dirty="0">
+                <a:solidFill>
+                  <a:schemeClr val="bg1"/>
+                </a:solidFill>
+              </a:rPr>
+              <a:t>Runtime stack value 3</a:t>
+            </a:r>
+          </a:p>
+        </p:txBody>
+      </p:sp>
+      <p:sp>
+        <p:nvSpPr>
+          <p:cNvPr id="23" name="Rounded Rectangle 22">
+            <a:extLst>
+              <a:ext uri="{FF2B5EF4-FFF2-40B4-BE49-F238E27FC236}">
+                <a16:creationId xmlns:a16="http://schemas.microsoft.com/office/drawing/2014/main" id="{CBAAFC91-4BDD-B54D-B585-10058905BB25}"/>
+              </a:ext>
+            </a:extLst>
+          </p:cNvPr>
+          <p:cNvSpPr/>
+          <p:nvPr/>
+        </p:nvSpPr>
+        <p:spPr>
+          <a:xfrm>
+            <a:off x="1177156" y="2642005"/>
+            <a:ext cx="2301765" cy="333704"/>
+          </a:xfrm>
+          <a:prstGeom prst="roundRect">
+            <a:avLst/>
+          </a:prstGeom>
+          <a:solidFill>
+            <a:schemeClr val="tx1"/>
+          </a:solidFill>
+          <a:ln>
+            <a:noFill/>
+          </a:ln>
+        </p:spPr>
+        <p:style>
+          <a:lnRef idx="2">
+            <a:schemeClr val="accent1">
+              <a:shade val="50000"/>
+            </a:schemeClr>
+          </a:lnRef>
+          <a:fillRef idx="1">
+            <a:schemeClr val="accent1"/>
+          </a:fillRef>
+          <a:effectRef idx="0">
+            <a:schemeClr val="accent1"/>
+          </a:effectRef>
+          <a:fontRef idx="minor">
+            <a:schemeClr val="lt1"/>
+          </a:fontRef>
+        </p:style>
+        <p:txBody>
+          <a:bodyPr rtlCol="0" anchor="ctr"/>
+          <a:lstStyle/>
+          <a:p>
+            <a:pPr algn="ctr"/>
+            <a:r>
+              <a:rPr lang="en-US" dirty="0">
+                <a:solidFill>
+                  <a:schemeClr val="bg1"/>
+                </a:solidFill>
+              </a:rPr>
+              <a:t>Runtime stack value n</a:t>
+            </a:r>
+          </a:p>
+        </p:txBody>
+      </p:sp>
+    </p:spTree>
+    <p:extLst>
+      <p:ext uri="{BB962C8B-B14F-4D97-AF65-F5344CB8AC3E}">
+        <p14:creationId xmlns:p14="http://schemas.microsoft.com/office/powerpoint/2010/main" val="3287182790"/>
+      </p:ext>
+    </p:extLst>
+  </p:cSld>
+  <p:clrMapOvr>
+    <a:masterClrMapping/>
+  </p:clrMapOvr>
+</p:sld>
+</file>
+
+<file path=ppt/slides/slide5.xml><?xml version="1.0" encoding="utf-8"?>
+<p:sld xmlns:a="http://schemas.openxmlformats.org/drawingml/2006/main" xmlns:r="http://schemas.openxmlformats.org/officeDocument/2006/relationships" xmlns:p="http://schemas.openxmlformats.org/presentationml/2006/main">
+  <p:cSld>
+    <p:spTree>
+      <p:nvGrpSpPr>
+        <p:cNvPr id="1" name=""/>
+        <p:cNvGrpSpPr/>
+        <p:nvPr/>
+      </p:nvGrpSpPr>
+      <p:grpSpPr>
+        <a:xfrm>
+          <a:off x="0" y="0"/>
+          <a:ext cx="0" cy="0"/>
+          <a:chOff x="0" y="0"/>
+          <a:chExt cx="0" cy="0"/>
+        </a:xfrm>
+      </p:grpSpPr>
+      <p:sp>
+        <p:nvSpPr>
+          <p:cNvPr id="2" name="TextBox 1">
+            <a:extLst>
+              <a:ext uri="{FF2B5EF4-FFF2-40B4-BE49-F238E27FC236}">
+                <a16:creationId xmlns:a16="http://schemas.microsoft.com/office/drawing/2014/main" id="{A99980E2-A3A9-FD4A-9011-9A37E88F5891}"/>
+              </a:ext>
+            </a:extLst>
+          </p:cNvPr>
+          <p:cNvSpPr txBox="1"/>
+          <p:nvPr/>
+        </p:nvSpPr>
+        <p:spPr>
+          <a:xfrm>
+            <a:off x="1872537" y="332509"/>
+            <a:ext cx="8446926" cy="707886"/>
+          </a:xfrm>
+          <a:prstGeom prst="rect">
+            <a:avLst/>
+          </a:prstGeom>
+          <a:noFill/>
+        </p:spPr>
+        <p:txBody>
+          <a:bodyPr wrap="square" rtlCol="0">
+            <a:spAutoFit/>
+          </a:bodyPr>
+          <a:lstStyle/>
+          <a:p>
+            <a:pPr algn="ctr"/>
+            <a:r>
+              <a:rPr lang="en-US" sz="4000" dirty="0">
+                <a:solidFill>
+                  <a:schemeClr val="accent1">
+                    <a:lumMod val="60000"/>
+                    <a:lumOff val="40000"/>
+                  </a:schemeClr>
+                </a:solidFill>
+              </a:rPr>
+              <a:t>After save Stack</a:t>
+            </a:r>
+          </a:p>
+        </p:txBody>
+      </p:sp>
+      <p:sp>
+        <p:nvSpPr>
+          <p:cNvPr id="3" name="Rectangle 2">
+            <a:extLst>
+              <a:ext uri="{FF2B5EF4-FFF2-40B4-BE49-F238E27FC236}">
+                <a16:creationId xmlns:a16="http://schemas.microsoft.com/office/drawing/2014/main" id="{483373CB-2135-F943-8C4D-33532B9FD7EE}"/>
+              </a:ext>
+            </a:extLst>
+          </p:cNvPr>
+          <p:cNvSpPr/>
+          <p:nvPr/>
+        </p:nvSpPr>
+        <p:spPr>
+          <a:xfrm>
+            <a:off x="4598276" y="1776248"/>
+            <a:ext cx="2995448" cy="3825766"/>
+          </a:xfrm>
+          <a:prstGeom prst="rect">
+            <a:avLst/>
+          </a:prstGeom>
+        </p:spPr>
+        <p:style>
+          <a:lnRef idx="2">
+            <a:schemeClr val="accent1">
+              <a:shade val="50000"/>
+            </a:schemeClr>
+          </a:lnRef>
+          <a:fillRef idx="1">
+            <a:schemeClr val="accent1"/>
+          </a:fillRef>
+          <a:effectRef idx="0">
+            <a:schemeClr val="accent1"/>
+          </a:effectRef>
+          <a:fontRef idx="minor">
+            <a:schemeClr val="lt1"/>
+          </a:fontRef>
+        </p:style>
+        <p:txBody>
+          <a:bodyPr rtlCol="0" anchor="ctr"/>
+          <a:lstStyle/>
+          <a:p>
+            <a:pPr algn="ctr"/>
+            <a:endParaRPr lang="en-US"/>
+          </a:p>
+        </p:txBody>
+      </p:sp>
+      <p:sp>
+        <p:nvSpPr>
+          <p:cNvPr id="9" name="Up Arrow 8">
+            <a:extLst>
+              <a:ext uri="{FF2B5EF4-FFF2-40B4-BE49-F238E27FC236}">
+                <a16:creationId xmlns:a16="http://schemas.microsoft.com/office/drawing/2014/main" id="{ECABAB04-33BF-6942-972B-BC4AF83CF4AB}"/>
+              </a:ext>
+            </a:extLst>
+          </p:cNvPr>
+          <p:cNvSpPr/>
+          <p:nvPr/>
+        </p:nvSpPr>
+        <p:spPr>
+          <a:xfrm>
+            <a:off x="7987862" y="2109951"/>
+            <a:ext cx="462455" cy="3158359"/>
+          </a:xfrm>
+          <a:prstGeom prst="upArrow">
+            <a:avLst/>
+          </a:prstGeom>
+          <a:solidFill>
+            <a:srgbClr val="FF0000"/>
+          </a:solidFill>
+          <a:ln>
+            <a:solidFill>
+              <a:srgbClr val="FFFF00"/>
+            </a:solidFill>
+          </a:ln>
+        </p:spPr>
+        <p:style>
+          <a:lnRef idx="2">
+            <a:schemeClr val="accent1">
+              <a:shade val="50000"/>
+            </a:schemeClr>
+          </a:lnRef>
+          <a:fillRef idx="1">
+            <a:schemeClr val="accent1"/>
+          </a:fillRef>
+          <a:effectRef idx="0">
+            <a:schemeClr val="accent1"/>
+          </a:effectRef>
+          <a:fontRef idx="minor">
+            <a:schemeClr val="lt1"/>
+          </a:fontRef>
+        </p:style>
+        <p:txBody>
+          <a:bodyPr rtlCol="0" anchor="ctr"/>
+          <a:lstStyle/>
+          <a:p>
+            <a:pPr algn="ctr"/>
+            <a:endParaRPr lang="en-US"/>
+          </a:p>
+        </p:txBody>
+      </p:sp>
+      <p:sp>
+        <p:nvSpPr>
+          <p:cNvPr id="10" name="TextBox 9">
+            <a:extLst>
+              <a:ext uri="{FF2B5EF4-FFF2-40B4-BE49-F238E27FC236}">
+                <a16:creationId xmlns:a16="http://schemas.microsoft.com/office/drawing/2014/main" id="{AD9FA7C0-0325-6B4F-8D67-4F79C57076FD}"/>
+              </a:ext>
+            </a:extLst>
+          </p:cNvPr>
+          <p:cNvSpPr txBox="1"/>
+          <p:nvPr/>
+        </p:nvSpPr>
+        <p:spPr>
+          <a:xfrm>
+            <a:off x="7752358" y="1390507"/>
+            <a:ext cx="933461" cy="369332"/>
+          </a:xfrm>
+          <a:prstGeom prst="rect">
+            <a:avLst/>
+          </a:prstGeom>
+          <a:noFill/>
+        </p:spPr>
+        <p:txBody>
+          <a:bodyPr wrap="none" rtlCol="0">
+            <a:spAutoFit/>
+          </a:bodyPr>
+          <a:lstStyle/>
+          <a:p>
+            <a:r>
+              <a:rPr lang="en-US" dirty="0"/>
+              <a:t>Address</a:t>
+            </a:r>
+          </a:p>
+        </p:txBody>
+      </p:sp>
+      <p:sp>
+        <p:nvSpPr>
+          <p:cNvPr id="11" name="TextBox 10">
+            <a:extLst>
+              <a:ext uri="{FF2B5EF4-FFF2-40B4-BE49-F238E27FC236}">
+                <a16:creationId xmlns:a16="http://schemas.microsoft.com/office/drawing/2014/main" id="{F34E729B-5F30-654E-9C26-ECF0B4A0C002}"/>
+              </a:ext>
+            </a:extLst>
+          </p:cNvPr>
+          <p:cNvSpPr txBox="1"/>
+          <p:nvPr/>
+        </p:nvSpPr>
+        <p:spPr>
+          <a:xfrm>
+            <a:off x="7934843" y="1759839"/>
+            <a:ext cx="568489" cy="369332"/>
+          </a:xfrm>
+          <a:prstGeom prst="rect">
+            <a:avLst/>
+          </a:prstGeom>
+          <a:noFill/>
+        </p:spPr>
+        <p:txBody>
+          <a:bodyPr wrap="none" rtlCol="0">
+            <a:spAutoFit/>
+          </a:bodyPr>
+          <a:lstStyle/>
+          <a:p>
+            <a:r>
+              <a:rPr lang="en-US" dirty="0"/>
+              <a:t>Low</a:t>
+            </a:r>
+          </a:p>
+        </p:txBody>
+      </p:sp>
+      <p:sp>
+        <p:nvSpPr>
+          <p:cNvPr id="12" name="TextBox 11">
+            <a:extLst>
+              <a:ext uri="{FF2B5EF4-FFF2-40B4-BE49-F238E27FC236}">
+                <a16:creationId xmlns:a16="http://schemas.microsoft.com/office/drawing/2014/main" id="{68DB77AB-6C70-E94D-9DF5-38F999CC7EF9}"/>
+              </a:ext>
+            </a:extLst>
+          </p:cNvPr>
+          <p:cNvSpPr txBox="1"/>
+          <p:nvPr/>
+        </p:nvSpPr>
+        <p:spPr>
+          <a:xfrm>
+            <a:off x="7912753" y="5282827"/>
+            <a:ext cx="612668" cy="369332"/>
+          </a:xfrm>
+          <a:prstGeom prst="rect">
+            <a:avLst/>
+          </a:prstGeom>
+          <a:noFill/>
+        </p:spPr>
+        <p:txBody>
+          <a:bodyPr wrap="none" rtlCol="0">
+            <a:spAutoFit/>
+          </a:bodyPr>
+          <a:lstStyle/>
+          <a:p>
+            <a:r>
+              <a:rPr lang="en-US" dirty="0"/>
+              <a:t>High</a:t>
+            </a:r>
+          </a:p>
+        </p:txBody>
+      </p:sp>
+      <p:sp>
+        <p:nvSpPr>
+          <p:cNvPr id="13" name="Rounded Rectangle 12">
+            <a:extLst>
+              <a:ext uri="{FF2B5EF4-FFF2-40B4-BE49-F238E27FC236}">
+                <a16:creationId xmlns:a16="http://schemas.microsoft.com/office/drawing/2014/main" id="{051E9389-86F8-7A49-9B81-4EECDCECA040}"/>
+              </a:ext>
+            </a:extLst>
+          </p:cNvPr>
+          <p:cNvSpPr/>
+          <p:nvPr/>
+        </p:nvSpPr>
+        <p:spPr>
+          <a:xfrm>
+            <a:off x="4611530" y="4887440"/>
+            <a:ext cx="2968940" cy="333704"/>
+          </a:xfrm>
+          <a:prstGeom prst="roundRect">
+            <a:avLst/>
+          </a:prstGeom>
+          <a:solidFill>
+            <a:schemeClr val="tx1"/>
+          </a:solidFill>
+          <a:ln>
+            <a:noFill/>
+          </a:ln>
+        </p:spPr>
+        <p:style>
+          <a:lnRef idx="2">
+            <a:schemeClr val="accent1">
+              <a:shade val="50000"/>
+            </a:schemeClr>
+          </a:lnRef>
+          <a:fillRef idx="1">
+            <a:schemeClr val="accent1"/>
+          </a:fillRef>
+          <a:effectRef idx="0">
+            <a:schemeClr val="accent1"/>
+          </a:effectRef>
+          <a:fontRef idx="minor">
+            <a:schemeClr val="lt1"/>
+          </a:fontRef>
+        </p:style>
+        <p:txBody>
+          <a:bodyPr rtlCol="0" anchor="ctr"/>
+          <a:lstStyle/>
+          <a:p>
+            <a:pPr algn="ctr"/>
+            <a:r>
+              <a:rPr lang="en-US" dirty="0">
+                <a:solidFill>
+                  <a:schemeClr val="bg1"/>
+                </a:solidFill>
+              </a:rPr>
+              <a:t>CS:IP</a:t>
+            </a:r>
+          </a:p>
+        </p:txBody>
+      </p:sp>
+      <p:sp>
+        <p:nvSpPr>
+          <p:cNvPr id="14" name="Rounded Rectangle 13">
+            <a:extLst>
+              <a:ext uri="{FF2B5EF4-FFF2-40B4-BE49-F238E27FC236}">
+                <a16:creationId xmlns:a16="http://schemas.microsoft.com/office/drawing/2014/main" id="{8501A936-B84F-6740-97A6-8CFC8875D7F5}"/>
+              </a:ext>
+            </a:extLst>
+          </p:cNvPr>
+          <p:cNvSpPr/>
+          <p:nvPr/>
+        </p:nvSpPr>
+        <p:spPr>
+          <a:xfrm>
+            <a:off x="4624784" y="5244727"/>
+            <a:ext cx="2968940" cy="333704"/>
+          </a:xfrm>
+          <a:prstGeom prst="roundRect">
+            <a:avLst/>
+          </a:prstGeom>
+          <a:solidFill>
+            <a:schemeClr val="tx1"/>
+          </a:solidFill>
+          <a:ln>
+            <a:noFill/>
+          </a:ln>
+        </p:spPr>
+        <p:style>
+          <a:lnRef idx="2">
+            <a:schemeClr val="accent1">
+              <a:shade val="50000"/>
+            </a:schemeClr>
+          </a:lnRef>
+          <a:fillRef idx="1">
+            <a:schemeClr val="accent1"/>
+          </a:fillRef>
+          <a:effectRef idx="0">
+            <a:schemeClr val="accent1"/>
+          </a:effectRef>
+          <a:fontRef idx="minor">
+            <a:schemeClr val="lt1"/>
+          </a:fontRef>
+        </p:style>
+        <p:txBody>
+          <a:bodyPr rtlCol="0" anchor="ctr"/>
+          <a:lstStyle/>
+          <a:p>
+            <a:pPr algn="ctr"/>
+            <a:r>
+              <a:rPr lang="en-US" dirty="0">
+                <a:solidFill>
+                  <a:schemeClr val="bg1"/>
+                </a:solidFill>
+              </a:rPr>
+              <a:t>SP</a:t>
+            </a:r>
+          </a:p>
+        </p:txBody>
+      </p:sp>
+      <p:sp>
+        <p:nvSpPr>
+          <p:cNvPr id="16" name="TextBox 15">
+            <a:extLst>
+              <a:ext uri="{FF2B5EF4-FFF2-40B4-BE49-F238E27FC236}">
+                <a16:creationId xmlns:a16="http://schemas.microsoft.com/office/drawing/2014/main" id="{58DB1AD2-5B93-FD45-ADF0-B754ACE32EB6}"/>
+              </a:ext>
+            </a:extLst>
+          </p:cNvPr>
+          <p:cNvSpPr txBox="1"/>
+          <p:nvPr/>
+        </p:nvSpPr>
+        <p:spPr>
+          <a:xfrm>
+            <a:off x="5569638" y="1406916"/>
+            <a:ext cx="1052724" cy="369332"/>
+          </a:xfrm>
+          <a:prstGeom prst="rect">
+            <a:avLst/>
+          </a:prstGeom>
+          <a:noFill/>
+        </p:spPr>
+        <p:txBody>
+          <a:bodyPr wrap="none" rtlCol="0">
+            <a:spAutoFit/>
+          </a:bodyPr>
+          <a:lstStyle/>
+          <a:p>
+            <a:r>
+              <a:rPr lang="en-US" dirty="0"/>
+              <a:t>TSS Stack</a:t>
+            </a:r>
+          </a:p>
+        </p:txBody>
+      </p:sp>
+      <p:sp>
+        <p:nvSpPr>
+          <p:cNvPr id="17" name="Rectangle 16">
+            <a:extLst>
+              <a:ext uri="{FF2B5EF4-FFF2-40B4-BE49-F238E27FC236}">
+                <a16:creationId xmlns:a16="http://schemas.microsoft.com/office/drawing/2014/main" id="{7DBE14ED-5592-C94E-A2A0-D561C58D2FE7}"/>
+              </a:ext>
+            </a:extLst>
+          </p:cNvPr>
+          <p:cNvSpPr/>
+          <p:nvPr/>
+        </p:nvSpPr>
+        <p:spPr>
+          <a:xfrm>
+            <a:off x="1177158" y="2448955"/>
+            <a:ext cx="2301765" cy="2480350"/>
+          </a:xfrm>
+          <a:prstGeom prst="rect">
+            <a:avLst/>
+          </a:prstGeom>
+        </p:spPr>
+        <p:style>
+          <a:lnRef idx="2">
+            <a:schemeClr val="accent1">
+              <a:shade val="50000"/>
+            </a:schemeClr>
+          </a:lnRef>
+          <a:fillRef idx="1">
+            <a:schemeClr val="accent1"/>
+          </a:fillRef>
+          <a:effectRef idx="0">
+            <a:schemeClr val="accent1"/>
+          </a:effectRef>
+          <a:fontRef idx="minor">
+            <a:schemeClr val="lt1"/>
+          </a:fontRef>
+        </p:style>
+        <p:txBody>
+          <a:bodyPr rtlCol="0" anchor="ctr"/>
+          <a:lstStyle/>
+          <a:p>
+            <a:pPr algn="ctr"/>
+            <a:r>
+              <a:rPr lang="en-US" dirty="0"/>
+              <a:t>.</a:t>
+            </a:r>
+          </a:p>
+          <a:p>
+            <a:pPr algn="ctr"/>
+            <a:r>
+              <a:rPr lang="en-US" dirty="0"/>
+              <a:t>.</a:t>
+            </a:r>
+          </a:p>
+          <a:p>
+            <a:pPr algn="ctr"/>
+            <a:r>
+              <a:rPr lang="en-US" dirty="0"/>
+              <a:t>.</a:t>
+            </a:r>
+          </a:p>
+          <a:p>
+            <a:pPr algn="ctr"/>
+            <a:r>
+              <a:rPr lang="en-US" dirty="0"/>
+              <a:t>.</a:t>
+            </a:r>
+          </a:p>
+          <a:p>
+            <a:pPr algn="ctr"/>
+            <a:endParaRPr lang="en-US" dirty="0"/>
+          </a:p>
+        </p:txBody>
+      </p:sp>
+      <p:sp>
+        <p:nvSpPr>
+          <p:cNvPr id="18" name="TextBox 17">
+            <a:extLst>
+              <a:ext uri="{FF2B5EF4-FFF2-40B4-BE49-F238E27FC236}">
+                <a16:creationId xmlns:a16="http://schemas.microsoft.com/office/drawing/2014/main" id="{42ECF660-C6FD-CB44-A035-D10AB9B78B1C}"/>
+              </a:ext>
+            </a:extLst>
+          </p:cNvPr>
+          <p:cNvSpPr txBox="1"/>
+          <p:nvPr/>
+        </p:nvSpPr>
+        <p:spPr>
+          <a:xfrm>
+            <a:off x="998483" y="2073591"/>
+            <a:ext cx="2574487" cy="369332"/>
+          </a:xfrm>
+          <a:prstGeom prst="rect">
+            <a:avLst/>
+          </a:prstGeom>
+          <a:noFill/>
+        </p:spPr>
+        <p:txBody>
+          <a:bodyPr wrap="none" rtlCol="0">
+            <a:spAutoFit/>
+          </a:bodyPr>
+          <a:lstStyle/>
+          <a:p>
+            <a:r>
+              <a:rPr lang="en-US" dirty="0"/>
+              <a:t>Interrupted Process Stack</a:t>
+            </a:r>
+          </a:p>
+        </p:txBody>
+      </p:sp>
+      <p:sp>
+        <p:nvSpPr>
+          <p:cNvPr id="19" name="Rounded Rectangle 18">
+            <a:extLst>
+              <a:ext uri="{FF2B5EF4-FFF2-40B4-BE49-F238E27FC236}">
+                <a16:creationId xmlns:a16="http://schemas.microsoft.com/office/drawing/2014/main" id="{F6C06B4A-40AA-0C40-8E2A-421C5890AB98}"/>
+              </a:ext>
+            </a:extLst>
+          </p:cNvPr>
+          <p:cNvSpPr/>
+          <p:nvPr/>
+        </p:nvSpPr>
+        <p:spPr>
+          <a:xfrm>
+            <a:off x="1177157" y="4595601"/>
+            <a:ext cx="2301765" cy="333704"/>
+          </a:xfrm>
+          <a:prstGeom prst="roundRect">
+            <a:avLst/>
+          </a:prstGeom>
+          <a:solidFill>
+            <a:schemeClr val="tx1"/>
+          </a:solidFill>
+          <a:ln>
+            <a:noFill/>
+          </a:ln>
+        </p:spPr>
+        <p:style>
+          <a:lnRef idx="2">
+            <a:schemeClr val="accent1">
+              <a:shade val="50000"/>
+            </a:schemeClr>
+          </a:lnRef>
+          <a:fillRef idx="1">
+            <a:schemeClr val="accent1"/>
+          </a:fillRef>
+          <a:effectRef idx="0">
+            <a:schemeClr val="accent1"/>
+          </a:effectRef>
+          <a:fontRef idx="minor">
+            <a:schemeClr val="lt1"/>
+          </a:fontRef>
+        </p:style>
+        <p:txBody>
+          <a:bodyPr rtlCol="0" anchor="ctr"/>
+          <a:lstStyle/>
+          <a:p>
+            <a:pPr algn="ctr"/>
+            <a:r>
+              <a:rPr lang="en-US" dirty="0">
+                <a:solidFill>
+                  <a:schemeClr val="bg1"/>
+                </a:solidFill>
+              </a:rPr>
+              <a:t>Runtime stack value 1</a:t>
+            </a:r>
+          </a:p>
+        </p:txBody>
+      </p:sp>
+      <p:sp>
+        <p:nvSpPr>
+          <p:cNvPr id="21" name="Rounded Rectangle 20">
+            <a:extLst>
+              <a:ext uri="{FF2B5EF4-FFF2-40B4-BE49-F238E27FC236}">
+                <a16:creationId xmlns:a16="http://schemas.microsoft.com/office/drawing/2014/main" id="{A48D9B6B-7058-B940-9DE9-809DFEF61E73}"/>
+              </a:ext>
+            </a:extLst>
+          </p:cNvPr>
+          <p:cNvSpPr/>
+          <p:nvPr/>
+        </p:nvSpPr>
+        <p:spPr>
+          <a:xfrm>
+            <a:off x="1177156" y="4257042"/>
+            <a:ext cx="2301765" cy="333704"/>
+          </a:xfrm>
+          <a:prstGeom prst="roundRect">
+            <a:avLst/>
+          </a:prstGeom>
+          <a:solidFill>
+            <a:schemeClr val="tx1"/>
+          </a:solidFill>
+          <a:ln>
+            <a:noFill/>
+          </a:ln>
+        </p:spPr>
+        <p:style>
+          <a:lnRef idx="2">
+            <a:schemeClr val="accent1">
+              <a:shade val="50000"/>
+            </a:schemeClr>
+          </a:lnRef>
+          <a:fillRef idx="1">
+            <a:schemeClr val="accent1"/>
+          </a:fillRef>
+          <a:effectRef idx="0">
+            <a:schemeClr val="accent1"/>
+          </a:effectRef>
+          <a:fontRef idx="minor">
+            <a:schemeClr val="lt1"/>
+          </a:fontRef>
+        </p:style>
+        <p:txBody>
+          <a:bodyPr rtlCol="0" anchor="ctr"/>
+          <a:lstStyle/>
+          <a:p>
+            <a:pPr algn="ctr"/>
+            <a:r>
+              <a:rPr lang="en-US" dirty="0">
+                <a:solidFill>
+                  <a:schemeClr val="bg1"/>
+                </a:solidFill>
+              </a:rPr>
+              <a:t>Runtime stack value 2</a:t>
+            </a:r>
+          </a:p>
+        </p:txBody>
+      </p:sp>
+      <p:sp>
+        <p:nvSpPr>
+          <p:cNvPr id="22" name="Rounded Rectangle 21">
+            <a:extLst>
+              <a:ext uri="{FF2B5EF4-FFF2-40B4-BE49-F238E27FC236}">
+                <a16:creationId xmlns:a16="http://schemas.microsoft.com/office/drawing/2014/main" id="{522E0BD7-D23D-124F-896F-90680F0A61FB}"/>
+              </a:ext>
+            </a:extLst>
+          </p:cNvPr>
+          <p:cNvSpPr/>
+          <p:nvPr/>
+        </p:nvSpPr>
+        <p:spPr>
+          <a:xfrm>
+            <a:off x="1177157" y="3923338"/>
+            <a:ext cx="2301765" cy="333704"/>
+          </a:xfrm>
+          <a:prstGeom prst="roundRect">
+            <a:avLst/>
+          </a:prstGeom>
+          <a:solidFill>
+            <a:schemeClr val="tx1"/>
+          </a:solidFill>
+          <a:ln>
+            <a:noFill/>
+          </a:ln>
+        </p:spPr>
+        <p:style>
+          <a:lnRef idx="2">
+            <a:schemeClr val="accent1">
+              <a:shade val="50000"/>
+            </a:schemeClr>
+          </a:lnRef>
+          <a:fillRef idx="1">
+            <a:schemeClr val="accent1"/>
+          </a:fillRef>
+          <a:effectRef idx="0">
+            <a:schemeClr val="accent1"/>
+          </a:effectRef>
+          <a:fontRef idx="minor">
+            <a:schemeClr val="lt1"/>
+          </a:fontRef>
+        </p:style>
+        <p:txBody>
+          <a:bodyPr rtlCol="0" anchor="ctr"/>
+          <a:lstStyle/>
+          <a:p>
+            <a:pPr algn="ctr"/>
+            <a:r>
+              <a:rPr lang="en-US" dirty="0">
+                <a:solidFill>
+                  <a:schemeClr val="bg1"/>
+                </a:solidFill>
+              </a:rPr>
+              <a:t>Runtime stack value 3</a:t>
+            </a:r>
+          </a:p>
+        </p:txBody>
+      </p:sp>
+      <p:sp>
+        <p:nvSpPr>
+          <p:cNvPr id="23" name="Rounded Rectangle 22">
+            <a:extLst>
+              <a:ext uri="{FF2B5EF4-FFF2-40B4-BE49-F238E27FC236}">
+                <a16:creationId xmlns:a16="http://schemas.microsoft.com/office/drawing/2014/main" id="{CBAAFC91-4BDD-B54D-B585-10058905BB25}"/>
+              </a:ext>
+            </a:extLst>
+          </p:cNvPr>
+          <p:cNvSpPr/>
+          <p:nvPr/>
+        </p:nvSpPr>
+        <p:spPr>
+          <a:xfrm>
+            <a:off x="1177156" y="2642005"/>
+            <a:ext cx="2301765" cy="333704"/>
+          </a:xfrm>
+          <a:prstGeom prst="roundRect">
+            <a:avLst/>
+          </a:prstGeom>
+          <a:solidFill>
+            <a:schemeClr val="tx1"/>
+          </a:solidFill>
+          <a:ln>
+            <a:noFill/>
+          </a:ln>
+        </p:spPr>
+        <p:style>
+          <a:lnRef idx="2">
+            <a:schemeClr val="accent1">
+              <a:shade val="50000"/>
+            </a:schemeClr>
+          </a:lnRef>
+          <a:fillRef idx="1">
+            <a:schemeClr val="accent1"/>
+          </a:fillRef>
+          <a:effectRef idx="0">
+            <a:schemeClr val="accent1"/>
+          </a:effectRef>
+          <a:fontRef idx="minor">
+            <a:schemeClr val="lt1"/>
+          </a:fontRef>
+        </p:style>
+        <p:txBody>
+          <a:bodyPr rtlCol="0" anchor="ctr"/>
+          <a:lstStyle/>
+          <a:p>
+            <a:pPr algn="ctr"/>
+            <a:r>
+              <a:rPr lang="en-US" dirty="0">
+                <a:solidFill>
+                  <a:schemeClr val="bg1"/>
+                </a:solidFill>
+              </a:rPr>
+              <a:t>Runtime stack value n</a:t>
+            </a:r>
+          </a:p>
+        </p:txBody>
+      </p:sp>
+      <p:sp>
+        <p:nvSpPr>
+          <p:cNvPr id="20" name="Rounded Rectangle 19">
+            <a:extLst>
+              <a:ext uri="{FF2B5EF4-FFF2-40B4-BE49-F238E27FC236}">
+                <a16:creationId xmlns:a16="http://schemas.microsoft.com/office/drawing/2014/main" id="{A82B4046-FAE1-9048-9DFC-95E7880DF148}"/>
+              </a:ext>
+            </a:extLst>
+          </p:cNvPr>
+          <p:cNvSpPr/>
+          <p:nvPr/>
+        </p:nvSpPr>
+        <p:spPr>
+          <a:xfrm>
+            <a:off x="4598274" y="4210353"/>
+            <a:ext cx="2968940" cy="333704"/>
+          </a:xfrm>
+          <a:prstGeom prst="roundRect">
+            <a:avLst/>
+          </a:prstGeom>
+          <a:solidFill>
+            <a:schemeClr val="tx1"/>
+          </a:solidFill>
+          <a:ln>
+            <a:noFill/>
+          </a:ln>
+        </p:spPr>
+        <p:style>
+          <a:lnRef idx="2">
+            <a:schemeClr val="accent1">
+              <a:shade val="50000"/>
+            </a:schemeClr>
+          </a:lnRef>
+          <a:fillRef idx="1">
+            <a:schemeClr val="accent1"/>
+          </a:fillRef>
+          <a:effectRef idx="0">
+            <a:schemeClr val="accent1"/>
+          </a:effectRef>
+          <a:fontRef idx="minor">
+            <a:schemeClr val="lt1"/>
+          </a:fontRef>
+        </p:style>
+        <p:txBody>
+          <a:bodyPr rtlCol="0" anchor="ctr"/>
+          <a:lstStyle/>
+          <a:p>
+            <a:pPr algn="ctr"/>
+            <a:r>
+              <a:rPr lang="en-US" dirty="0">
+                <a:solidFill>
+                  <a:schemeClr val="bg1"/>
+                </a:solidFill>
+              </a:rPr>
+              <a:t>general-purpose regs</a:t>
+            </a:r>
+          </a:p>
+        </p:txBody>
+      </p:sp>
+      <p:sp>
+        <p:nvSpPr>
+          <p:cNvPr id="24" name="Rounded Rectangle 23">
+            <a:extLst>
+              <a:ext uri="{FF2B5EF4-FFF2-40B4-BE49-F238E27FC236}">
+                <a16:creationId xmlns:a16="http://schemas.microsoft.com/office/drawing/2014/main" id="{964E3268-EDE3-5341-94C0-80C62876B485}"/>
+              </a:ext>
+            </a:extLst>
+          </p:cNvPr>
+          <p:cNvSpPr/>
+          <p:nvPr/>
+        </p:nvSpPr>
+        <p:spPr>
+          <a:xfrm>
+            <a:off x="4598274" y="3867741"/>
+            <a:ext cx="2968940" cy="333704"/>
+          </a:xfrm>
+          <a:prstGeom prst="roundRect">
+            <a:avLst/>
+          </a:prstGeom>
+          <a:solidFill>
+            <a:schemeClr val="tx1"/>
+          </a:solidFill>
+          <a:ln>
+            <a:noFill/>
+          </a:ln>
+        </p:spPr>
+        <p:style>
+          <a:lnRef idx="2">
+            <a:schemeClr val="accent1">
+              <a:shade val="50000"/>
+            </a:schemeClr>
+          </a:lnRef>
+          <a:fillRef idx="1">
+            <a:schemeClr val="accent1"/>
+          </a:fillRef>
+          <a:effectRef idx="0">
+            <a:schemeClr val="accent1"/>
+          </a:effectRef>
+          <a:fontRef idx="minor">
+            <a:schemeClr val="lt1"/>
+          </a:fontRef>
+        </p:style>
+        <p:txBody>
+          <a:bodyPr rtlCol="0" anchor="ctr"/>
+          <a:lstStyle/>
+          <a:p>
+            <a:pPr algn="ctr"/>
+            <a:r>
+              <a:rPr lang="en-US" dirty="0">
+                <a:solidFill>
+                  <a:schemeClr val="bg1"/>
+                </a:solidFill>
+              </a:rPr>
+              <a:t>ds</a:t>
+            </a:r>
+          </a:p>
+        </p:txBody>
+      </p:sp>
+      <p:sp>
+        <p:nvSpPr>
+          <p:cNvPr id="25" name="Rounded Rectangle 24">
+            <a:extLst>
+              <a:ext uri="{FF2B5EF4-FFF2-40B4-BE49-F238E27FC236}">
+                <a16:creationId xmlns:a16="http://schemas.microsoft.com/office/drawing/2014/main" id="{CED4D31E-BE99-4A48-A01B-D922756235ED}"/>
+              </a:ext>
+            </a:extLst>
+          </p:cNvPr>
+          <p:cNvSpPr/>
+          <p:nvPr/>
+        </p:nvSpPr>
+        <p:spPr>
+          <a:xfrm>
+            <a:off x="4598274" y="3534037"/>
+            <a:ext cx="2968940" cy="333704"/>
+          </a:xfrm>
+          <a:prstGeom prst="roundRect">
+            <a:avLst/>
+          </a:prstGeom>
+          <a:solidFill>
+            <a:schemeClr val="tx1"/>
+          </a:solidFill>
+          <a:ln>
+            <a:noFill/>
+          </a:ln>
+        </p:spPr>
+        <p:style>
+          <a:lnRef idx="2">
+            <a:schemeClr val="accent1">
+              <a:shade val="50000"/>
+            </a:schemeClr>
+          </a:lnRef>
+          <a:fillRef idx="1">
+            <a:schemeClr val="accent1"/>
+          </a:fillRef>
+          <a:effectRef idx="0">
+            <a:schemeClr val="accent1"/>
+          </a:effectRef>
+          <a:fontRef idx="minor">
+            <a:schemeClr val="lt1"/>
+          </a:fontRef>
+        </p:style>
+        <p:txBody>
+          <a:bodyPr rtlCol="0" anchor="ctr"/>
+          <a:lstStyle/>
+          <a:p>
+            <a:pPr algn="ctr"/>
+            <a:r>
+              <a:rPr lang="en-US" dirty="0">
+                <a:solidFill>
+                  <a:schemeClr val="bg1"/>
+                </a:solidFill>
+              </a:rPr>
+              <a:t>es</a:t>
+            </a:r>
+          </a:p>
+        </p:txBody>
+      </p:sp>
+      <p:sp>
+        <p:nvSpPr>
+          <p:cNvPr id="26" name="Rounded Rectangle 25">
+            <a:extLst>
+              <a:ext uri="{FF2B5EF4-FFF2-40B4-BE49-F238E27FC236}">
+                <a16:creationId xmlns:a16="http://schemas.microsoft.com/office/drawing/2014/main" id="{4D55A5F3-DF77-F846-95C7-9C96652A9143}"/>
+              </a:ext>
+            </a:extLst>
+          </p:cNvPr>
+          <p:cNvSpPr/>
+          <p:nvPr/>
+        </p:nvSpPr>
+        <p:spPr>
+          <a:xfrm>
+            <a:off x="4598274" y="3182519"/>
+            <a:ext cx="2968940" cy="333704"/>
+          </a:xfrm>
+          <a:prstGeom prst="roundRect">
+            <a:avLst/>
+          </a:prstGeom>
+          <a:solidFill>
+            <a:schemeClr val="tx1"/>
+          </a:solidFill>
+          <a:ln>
+            <a:noFill/>
+          </a:ln>
+        </p:spPr>
+        <p:style>
+          <a:lnRef idx="2">
+            <a:schemeClr val="accent1">
+              <a:shade val="50000"/>
+            </a:schemeClr>
+          </a:lnRef>
+          <a:fillRef idx="1">
+            <a:schemeClr val="accent1"/>
+          </a:fillRef>
+          <a:effectRef idx="0">
+            <a:schemeClr val="accent1"/>
+          </a:effectRef>
+          <a:fontRef idx="minor">
+            <a:schemeClr val="lt1"/>
+          </a:fontRef>
+        </p:style>
+        <p:txBody>
+          <a:bodyPr rtlCol="0" anchor="ctr"/>
+          <a:lstStyle/>
+          <a:p>
+            <a:pPr algn="ctr"/>
+            <a:r>
+              <a:rPr lang="en-US" dirty="0">
+                <a:solidFill>
+                  <a:schemeClr val="bg1"/>
+                </a:solidFill>
+              </a:rPr>
+              <a:t>fs</a:t>
+            </a:r>
+          </a:p>
+        </p:txBody>
+      </p:sp>
+      <p:sp>
+        <p:nvSpPr>
+          <p:cNvPr id="27" name="Rounded Rectangle 26">
+            <a:extLst>
+              <a:ext uri="{FF2B5EF4-FFF2-40B4-BE49-F238E27FC236}">
+                <a16:creationId xmlns:a16="http://schemas.microsoft.com/office/drawing/2014/main" id="{68FC9006-BDD0-7F40-8E58-BE7B72F5402D}"/>
+              </a:ext>
+            </a:extLst>
+          </p:cNvPr>
+          <p:cNvSpPr/>
+          <p:nvPr/>
+        </p:nvSpPr>
+        <p:spPr>
+          <a:xfrm>
+            <a:off x="4598274" y="2839136"/>
+            <a:ext cx="2968940" cy="333704"/>
+          </a:xfrm>
+          <a:prstGeom prst="roundRect">
+            <a:avLst/>
+          </a:prstGeom>
+          <a:solidFill>
+            <a:schemeClr val="tx1"/>
+          </a:solidFill>
+          <a:ln>
+            <a:noFill/>
+          </a:ln>
+        </p:spPr>
+        <p:style>
+          <a:lnRef idx="2">
+            <a:schemeClr val="accent1">
+              <a:shade val="50000"/>
+            </a:schemeClr>
+          </a:lnRef>
+          <a:fillRef idx="1">
+            <a:schemeClr val="accent1"/>
+          </a:fillRef>
+          <a:effectRef idx="0">
+            <a:schemeClr val="accent1"/>
+          </a:effectRef>
+          <a:fontRef idx="minor">
+            <a:schemeClr val="lt1"/>
+          </a:fontRef>
+        </p:style>
+        <p:txBody>
+          <a:bodyPr rtlCol="0" anchor="ctr"/>
+          <a:lstStyle/>
+          <a:p>
+            <a:pPr algn="ctr"/>
+            <a:r>
+              <a:rPr lang="en-US" dirty="0">
+                <a:solidFill>
+                  <a:schemeClr val="bg1"/>
+                </a:solidFill>
+              </a:rPr>
+              <a:t>gs</a:t>
+            </a:r>
+          </a:p>
+        </p:txBody>
+      </p:sp>
+      <p:sp>
+        <p:nvSpPr>
+          <p:cNvPr id="29" name="Rectangle 28">
+            <a:extLst>
+              <a:ext uri="{FF2B5EF4-FFF2-40B4-BE49-F238E27FC236}">
+                <a16:creationId xmlns:a16="http://schemas.microsoft.com/office/drawing/2014/main" id="{37322179-62D5-8F46-90DE-9C70EDCF5087}"/>
+              </a:ext>
+            </a:extLst>
+          </p:cNvPr>
+          <p:cNvSpPr/>
+          <p:nvPr/>
+        </p:nvSpPr>
+        <p:spPr>
+          <a:xfrm>
+            <a:off x="8844451" y="2462787"/>
+            <a:ext cx="2301765" cy="2480350"/>
+          </a:xfrm>
+          <a:prstGeom prst="rect">
+            <a:avLst/>
+          </a:prstGeom>
+        </p:spPr>
+        <p:style>
+          <a:lnRef idx="2">
+            <a:schemeClr val="accent1">
+              <a:shade val="50000"/>
+            </a:schemeClr>
+          </a:lnRef>
+          <a:fillRef idx="1">
+            <a:schemeClr val="accent1"/>
+          </a:fillRef>
+          <a:effectRef idx="0">
+            <a:schemeClr val="accent1"/>
+          </a:effectRef>
+          <a:fontRef idx="minor">
+            <a:schemeClr val="lt1"/>
+          </a:fontRef>
+        </p:style>
+        <p:txBody>
+          <a:bodyPr rtlCol="0" anchor="ctr"/>
+          <a:lstStyle/>
+          <a:p>
+            <a:pPr algn="ctr"/>
+            <a:endParaRPr lang="en-US" dirty="0"/>
+          </a:p>
+          <a:p>
+            <a:pPr algn="ctr"/>
+            <a:endParaRPr lang="en-US" dirty="0"/>
+          </a:p>
+          <a:p>
+            <a:pPr algn="ctr"/>
+            <a:endParaRPr lang="en-US" dirty="0"/>
+          </a:p>
+        </p:txBody>
+      </p:sp>
+      <p:sp>
+        <p:nvSpPr>
+          <p:cNvPr id="30" name="TextBox 29">
+            <a:extLst>
+              <a:ext uri="{FF2B5EF4-FFF2-40B4-BE49-F238E27FC236}">
+                <a16:creationId xmlns:a16="http://schemas.microsoft.com/office/drawing/2014/main" id="{93A8274A-DC7E-544C-9905-59830EB54047}"/>
+              </a:ext>
+            </a:extLst>
+          </p:cNvPr>
+          <p:cNvSpPr txBox="1"/>
+          <p:nvPr/>
+        </p:nvSpPr>
+        <p:spPr>
+          <a:xfrm>
+            <a:off x="9329411" y="2118130"/>
+            <a:ext cx="1331839" cy="369332"/>
+          </a:xfrm>
+          <a:prstGeom prst="rect">
+            <a:avLst/>
+          </a:prstGeom>
+          <a:noFill/>
+        </p:spPr>
+        <p:txBody>
+          <a:bodyPr wrap="none" rtlCol="0">
+            <a:spAutoFit/>
+          </a:bodyPr>
+          <a:lstStyle/>
+          <a:p>
+            <a:r>
+              <a:rPr lang="en-US" dirty="0"/>
+              <a:t>Kernel Stack</a:t>
+            </a:r>
+          </a:p>
+        </p:txBody>
+      </p:sp>
+      <p:sp>
+        <p:nvSpPr>
+          <p:cNvPr id="31" name="Rounded Rectangle 30">
+            <a:extLst>
+              <a:ext uri="{FF2B5EF4-FFF2-40B4-BE49-F238E27FC236}">
+                <a16:creationId xmlns:a16="http://schemas.microsoft.com/office/drawing/2014/main" id="{804EA3D7-F7C2-5C43-A0AD-D886903CF0C4}"/>
+              </a:ext>
+            </a:extLst>
+          </p:cNvPr>
+          <p:cNvSpPr/>
+          <p:nvPr/>
+        </p:nvSpPr>
+        <p:spPr>
+          <a:xfrm>
+            <a:off x="8848211" y="4595601"/>
+            <a:ext cx="2301765" cy="333704"/>
+          </a:xfrm>
+          <a:prstGeom prst="roundRect">
+            <a:avLst/>
+          </a:prstGeom>
+          <a:solidFill>
+            <a:schemeClr val="tx1"/>
+          </a:solidFill>
+          <a:ln>
+            <a:noFill/>
+          </a:ln>
+        </p:spPr>
+        <p:style>
+          <a:lnRef idx="2">
+            <a:schemeClr val="accent1">
+              <a:shade val="50000"/>
+            </a:schemeClr>
+          </a:lnRef>
+          <a:fillRef idx="1">
+            <a:schemeClr val="accent1"/>
+          </a:fillRef>
+          <a:effectRef idx="0">
+            <a:schemeClr val="accent1"/>
+          </a:effectRef>
+          <a:fontRef idx="minor">
+            <a:schemeClr val="lt1"/>
+          </a:fontRef>
+        </p:style>
+        <p:txBody>
+          <a:bodyPr rtlCol="0" anchor="ctr"/>
+          <a:lstStyle/>
+          <a:p>
+            <a:pPr algn="ctr"/>
+            <a:r>
+              <a:rPr lang="en-US" dirty="0">
+                <a:solidFill>
+                  <a:schemeClr val="bg1"/>
+                </a:solidFill>
+              </a:rPr>
+              <a:t>restart</a:t>
+            </a:r>
+          </a:p>
+        </p:txBody>
+      </p:sp>
+      <p:sp>
+        <p:nvSpPr>
+          <p:cNvPr id="36" name="Rounded Rectangle 35">
+            <a:extLst>
+              <a:ext uri="{FF2B5EF4-FFF2-40B4-BE49-F238E27FC236}">
+                <a16:creationId xmlns:a16="http://schemas.microsoft.com/office/drawing/2014/main" id="{9B2F082E-4A8E-C948-ABD2-4341544896AD}"/>
+              </a:ext>
+            </a:extLst>
+          </p:cNvPr>
+          <p:cNvSpPr/>
+          <p:nvPr/>
+        </p:nvSpPr>
+        <p:spPr>
+          <a:xfrm>
+            <a:off x="4611529" y="4541945"/>
+            <a:ext cx="2968940" cy="333704"/>
+          </a:xfrm>
+          <a:prstGeom prst="roundRect">
+            <a:avLst/>
+          </a:prstGeom>
+          <a:solidFill>
+            <a:schemeClr val="tx1"/>
+          </a:solidFill>
+          <a:ln>
+            <a:noFill/>
+          </a:ln>
+        </p:spPr>
+        <p:style>
+          <a:lnRef idx="2">
+            <a:schemeClr val="accent1">
+              <a:shade val="50000"/>
+            </a:schemeClr>
+          </a:lnRef>
+          <a:fillRef idx="1">
+            <a:schemeClr val="accent1"/>
+          </a:fillRef>
+          <a:effectRef idx="0">
+            <a:schemeClr val="accent1"/>
+          </a:effectRef>
+          <a:fontRef idx="minor">
+            <a:schemeClr val="lt1"/>
+          </a:fontRef>
+        </p:style>
+        <p:txBody>
+          <a:bodyPr rtlCol="0" anchor="ctr"/>
+          <a:lstStyle/>
+          <a:p>
+            <a:pPr algn="ctr"/>
+            <a:r>
+              <a:rPr lang="en-US" dirty="0">
+                <a:solidFill>
+                  <a:schemeClr val="bg1"/>
+                </a:solidFill>
+              </a:rPr>
+              <a:t>Save addr</a:t>
+            </a:r>
+          </a:p>
+        </p:txBody>
+      </p:sp>
+    </p:spTree>
+    <p:extLst>
+      <p:ext uri="{BB962C8B-B14F-4D97-AF65-F5344CB8AC3E}">
+        <p14:creationId xmlns:p14="http://schemas.microsoft.com/office/powerpoint/2010/main" val="3972278012"/>
+      </p:ext>
+    </p:extLst>
+  </p:cSld>
+  <p:clrMapOvr>
+    <a:masterClrMapping/>
+  </p:clrMapOvr>
+</p:sld>
+</file>
+
+<file path=ppt/slides/slide6.xml><?xml version="1.0" encoding="utf-8"?>
+<p:sld xmlns:a="http://schemas.openxmlformats.org/drawingml/2006/main" xmlns:r="http://schemas.openxmlformats.org/officeDocument/2006/relationships" xmlns:p="http://schemas.openxmlformats.org/presentationml/2006/main">
+  <p:cSld>
+    <p:spTree>
+      <p:nvGrpSpPr>
+        <p:cNvPr id="1" name=""/>
+        <p:cNvGrpSpPr/>
+        <p:nvPr/>
+      </p:nvGrpSpPr>
+      <p:grpSpPr>
+        <a:xfrm>
+          <a:off x="0" y="0"/>
+          <a:ext cx="0" cy="0"/>
+          <a:chOff x="0" y="0"/>
+          <a:chExt cx="0" cy="0"/>
+        </a:xfrm>
+      </p:grpSpPr>
+      <p:sp>
+        <p:nvSpPr>
+          <p:cNvPr id="2" name="TextBox 1">
+            <a:extLst>
+              <a:ext uri="{FF2B5EF4-FFF2-40B4-BE49-F238E27FC236}">
+                <a16:creationId xmlns:a16="http://schemas.microsoft.com/office/drawing/2014/main" id="{A99980E2-A3A9-FD4A-9011-9A37E88F5891}"/>
+              </a:ext>
+            </a:extLst>
+          </p:cNvPr>
+          <p:cNvSpPr txBox="1"/>
+          <p:nvPr/>
+        </p:nvSpPr>
+        <p:spPr>
+          <a:xfrm>
+            <a:off x="1872537" y="332509"/>
+            <a:ext cx="8446926" cy="707886"/>
+          </a:xfrm>
+          <a:prstGeom prst="rect">
+            <a:avLst/>
+          </a:prstGeom>
+          <a:noFill/>
+        </p:spPr>
+        <p:txBody>
+          <a:bodyPr wrap="square" rtlCol="0">
+            <a:spAutoFit/>
+          </a:bodyPr>
+          <a:lstStyle/>
+          <a:p>
+            <a:pPr algn="ctr"/>
+            <a:r>
+              <a:rPr lang="en-US" sz="4000" dirty="0">
+                <a:solidFill>
+                  <a:schemeClr val="accent1">
+                    <a:lumMod val="60000"/>
+                    <a:lumOff val="40000"/>
+                  </a:schemeClr>
+                </a:solidFill>
+              </a:rPr>
+              <a:t>After restart Stack</a:t>
+            </a:r>
+          </a:p>
+        </p:txBody>
+      </p:sp>
+      <p:sp>
+        <p:nvSpPr>
+          <p:cNvPr id="3" name="Rectangle 2">
+            <a:extLst>
+              <a:ext uri="{FF2B5EF4-FFF2-40B4-BE49-F238E27FC236}">
+                <a16:creationId xmlns:a16="http://schemas.microsoft.com/office/drawing/2014/main" id="{483373CB-2135-F943-8C4D-33532B9FD7EE}"/>
+              </a:ext>
+            </a:extLst>
+          </p:cNvPr>
+          <p:cNvSpPr/>
+          <p:nvPr/>
+        </p:nvSpPr>
+        <p:spPr>
+          <a:xfrm>
+            <a:off x="4598276" y="1776248"/>
+            <a:ext cx="2995448" cy="3825766"/>
+          </a:xfrm>
+          <a:prstGeom prst="rect">
+            <a:avLst/>
+          </a:prstGeom>
+        </p:spPr>
+        <p:style>
+          <a:lnRef idx="2">
+            <a:schemeClr val="accent1">
+              <a:shade val="50000"/>
+            </a:schemeClr>
+          </a:lnRef>
+          <a:fillRef idx="1">
+            <a:schemeClr val="accent1"/>
+          </a:fillRef>
+          <a:effectRef idx="0">
+            <a:schemeClr val="accent1"/>
+          </a:effectRef>
+          <a:fontRef idx="minor">
+            <a:schemeClr val="lt1"/>
+          </a:fontRef>
+        </p:style>
+        <p:txBody>
+          <a:bodyPr rtlCol="0" anchor="ctr"/>
+          <a:lstStyle/>
+          <a:p>
+            <a:pPr algn="ctr"/>
+            <a:endParaRPr lang="en-US"/>
+          </a:p>
+        </p:txBody>
+      </p:sp>
+      <p:sp>
+        <p:nvSpPr>
+          <p:cNvPr id="9" name="Up Arrow 8">
+            <a:extLst>
+              <a:ext uri="{FF2B5EF4-FFF2-40B4-BE49-F238E27FC236}">
+                <a16:creationId xmlns:a16="http://schemas.microsoft.com/office/drawing/2014/main" id="{ECABAB04-33BF-6942-972B-BC4AF83CF4AB}"/>
+              </a:ext>
+            </a:extLst>
+          </p:cNvPr>
+          <p:cNvSpPr/>
+          <p:nvPr/>
+        </p:nvSpPr>
+        <p:spPr>
+          <a:xfrm>
+            <a:off x="7987862" y="2109951"/>
+            <a:ext cx="462455" cy="3158359"/>
+          </a:xfrm>
+          <a:prstGeom prst="upArrow">
+            <a:avLst/>
+          </a:prstGeom>
+          <a:solidFill>
+            <a:srgbClr val="FF0000"/>
+          </a:solidFill>
+          <a:ln>
+            <a:solidFill>
+              <a:srgbClr val="FFFF00"/>
+            </a:solidFill>
+          </a:ln>
+        </p:spPr>
+        <p:style>
+          <a:lnRef idx="2">
+            <a:schemeClr val="accent1">
+              <a:shade val="50000"/>
+            </a:schemeClr>
+          </a:lnRef>
+          <a:fillRef idx="1">
+            <a:schemeClr val="accent1"/>
+          </a:fillRef>
+          <a:effectRef idx="0">
+            <a:schemeClr val="accent1"/>
+          </a:effectRef>
+          <a:fontRef idx="minor">
+            <a:schemeClr val="lt1"/>
+          </a:fontRef>
+        </p:style>
+        <p:txBody>
+          <a:bodyPr rtlCol="0" anchor="ctr"/>
+          <a:lstStyle/>
+          <a:p>
+            <a:pPr algn="ctr"/>
+            <a:endParaRPr lang="en-US"/>
+          </a:p>
+        </p:txBody>
+      </p:sp>
+      <p:sp>
+        <p:nvSpPr>
+          <p:cNvPr id="10" name="TextBox 9">
+            <a:extLst>
+              <a:ext uri="{FF2B5EF4-FFF2-40B4-BE49-F238E27FC236}">
+                <a16:creationId xmlns:a16="http://schemas.microsoft.com/office/drawing/2014/main" id="{AD9FA7C0-0325-6B4F-8D67-4F79C57076FD}"/>
+              </a:ext>
+            </a:extLst>
+          </p:cNvPr>
+          <p:cNvSpPr txBox="1"/>
+          <p:nvPr/>
+        </p:nvSpPr>
+        <p:spPr>
+          <a:xfrm>
+            <a:off x="7752358" y="1390507"/>
+            <a:ext cx="933461" cy="369332"/>
+          </a:xfrm>
+          <a:prstGeom prst="rect">
+            <a:avLst/>
+          </a:prstGeom>
+          <a:noFill/>
+        </p:spPr>
+        <p:txBody>
+          <a:bodyPr wrap="none" rtlCol="0">
+            <a:spAutoFit/>
+          </a:bodyPr>
+          <a:lstStyle/>
+          <a:p>
+            <a:r>
+              <a:rPr lang="en-US" dirty="0"/>
+              <a:t>Address</a:t>
+            </a:r>
+          </a:p>
+        </p:txBody>
+      </p:sp>
+      <p:sp>
+        <p:nvSpPr>
+          <p:cNvPr id="11" name="TextBox 10">
+            <a:extLst>
+              <a:ext uri="{FF2B5EF4-FFF2-40B4-BE49-F238E27FC236}">
+                <a16:creationId xmlns:a16="http://schemas.microsoft.com/office/drawing/2014/main" id="{F34E729B-5F30-654E-9C26-ECF0B4A0C002}"/>
+              </a:ext>
+            </a:extLst>
+          </p:cNvPr>
+          <p:cNvSpPr txBox="1"/>
+          <p:nvPr/>
+        </p:nvSpPr>
+        <p:spPr>
+          <a:xfrm>
+            <a:off x="7934843" y="1759839"/>
+            <a:ext cx="568489" cy="369332"/>
+          </a:xfrm>
+          <a:prstGeom prst="rect">
+            <a:avLst/>
+          </a:prstGeom>
+          <a:noFill/>
+        </p:spPr>
+        <p:txBody>
+          <a:bodyPr wrap="none" rtlCol="0">
+            <a:spAutoFit/>
+          </a:bodyPr>
+          <a:lstStyle/>
+          <a:p>
+            <a:r>
+              <a:rPr lang="en-US" dirty="0"/>
+              <a:t>Low</a:t>
+            </a:r>
+          </a:p>
+        </p:txBody>
+      </p:sp>
+      <p:sp>
+        <p:nvSpPr>
+          <p:cNvPr id="12" name="TextBox 11">
+            <a:extLst>
+              <a:ext uri="{FF2B5EF4-FFF2-40B4-BE49-F238E27FC236}">
+                <a16:creationId xmlns:a16="http://schemas.microsoft.com/office/drawing/2014/main" id="{68DB77AB-6C70-E94D-9DF5-38F999CC7EF9}"/>
+              </a:ext>
+            </a:extLst>
+          </p:cNvPr>
+          <p:cNvSpPr txBox="1"/>
+          <p:nvPr/>
+        </p:nvSpPr>
+        <p:spPr>
+          <a:xfrm>
+            <a:off x="7912753" y="5282827"/>
+            <a:ext cx="612668" cy="369332"/>
+          </a:xfrm>
+          <a:prstGeom prst="rect">
+            <a:avLst/>
+          </a:prstGeom>
+          <a:noFill/>
+        </p:spPr>
+        <p:txBody>
+          <a:bodyPr wrap="none" rtlCol="0">
+            <a:spAutoFit/>
+          </a:bodyPr>
+          <a:lstStyle/>
+          <a:p>
+            <a:r>
+              <a:rPr lang="en-US" dirty="0"/>
+              <a:t>High</a:t>
+            </a:r>
+          </a:p>
+        </p:txBody>
+      </p:sp>
+      <p:sp>
+        <p:nvSpPr>
+          <p:cNvPr id="13" name="Rounded Rectangle 12">
+            <a:extLst>
+              <a:ext uri="{FF2B5EF4-FFF2-40B4-BE49-F238E27FC236}">
+                <a16:creationId xmlns:a16="http://schemas.microsoft.com/office/drawing/2014/main" id="{051E9389-86F8-7A49-9B81-4EECDCECA040}"/>
+              </a:ext>
+            </a:extLst>
+          </p:cNvPr>
+          <p:cNvSpPr/>
+          <p:nvPr/>
+        </p:nvSpPr>
+        <p:spPr>
+          <a:xfrm>
+            <a:off x="4611530" y="4887440"/>
+            <a:ext cx="2968940" cy="333704"/>
+          </a:xfrm>
+          <a:prstGeom prst="roundRect">
+            <a:avLst/>
+          </a:prstGeom>
+          <a:solidFill>
+            <a:schemeClr val="tx1"/>
+          </a:solidFill>
+          <a:ln>
+            <a:noFill/>
+          </a:ln>
+        </p:spPr>
+        <p:style>
+          <a:lnRef idx="2">
+            <a:schemeClr val="accent1">
+              <a:shade val="50000"/>
+            </a:schemeClr>
+          </a:lnRef>
+          <a:fillRef idx="1">
+            <a:schemeClr val="accent1"/>
+          </a:fillRef>
+          <a:effectRef idx="0">
+            <a:schemeClr val="accent1"/>
+          </a:effectRef>
+          <a:fontRef idx="minor">
+            <a:schemeClr val="lt1"/>
+          </a:fontRef>
+        </p:style>
+        <p:txBody>
+          <a:bodyPr rtlCol="0" anchor="ctr"/>
+          <a:lstStyle/>
+          <a:p>
+            <a:pPr algn="ctr"/>
+            <a:r>
+              <a:rPr lang="en-US" dirty="0">
+                <a:solidFill>
+                  <a:schemeClr val="bg1"/>
+                </a:solidFill>
+              </a:rPr>
+              <a:t>CS:IP</a:t>
+            </a:r>
+          </a:p>
+        </p:txBody>
+      </p:sp>
+      <p:sp>
+        <p:nvSpPr>
+          <p:cNvPr id="14" name="Rounded Rectangle 13">
+            <a:extLst>
+              <a:ext uri="{FF2B5EF4-FFF2-40B4-BE49-F238E27FC236}">
+                <a16:creationId xmlns:a16="http://schemas.microsoft.com/office/drawing/2014/main" id="{8501A936-B84F-6740-97A6-8CFC8875D7F5}"/>
+              </a:ext>
+            </a:extLst>
+          </p:cNvPr>
+          <p:cNvSpPr/>
+          <p:nvPr/>
+        </p:nvSpPr>
+        <p:spPr>
+          <a:xfrm>
+            <a:off x="4624784" y="5244727"/>
+            <a:ext cx="2968940" cy="333704"/>
+          </a:xfrm>
+          <a:prstGeom prst="roundRect">
+            <a:avLst/>
+          </a:prstGeom>
+          <a:solidFill>
+            <a:schemeClr val="tx1"/>
+          </a:solidFill>
+          <a:ln>
+            <a:noFill/>
+          </a:ln>
+        </p:spPr>
+        <p:style>
+          <a:lnRef idx="2">
+            <a:schemeClr val="accent1">
+              <a:shade val="50000"/>
+            </a:schemeClr>
+          </a:lnRef>
+          <a:fillRef idx="1">
+            <a:schemeClr val="accent1"/>
+          </a:fillRef>
+          <a:effectRef idx="0">
+            <a:schemeClr val="accent1"/>
+          </a:effectRef>
+          <a:fontRef idx="minor">
+            <a:schemeClr val="lt1"/>
+          </a:fontRef>
+        </p:style>
+        <p:txBody>
+          <a:bodyPr rtlCol="0" anchor="ctr"/>
+          <a:lstStyle/>
+          <a:p>
+            <a:pPr algn="ctr"/>
+            <a:r>
+              <a:rPr lang="en-US" dirty="0">
+                <a:solidFill>
+                  <a:schemeClr val="bg1"/>
+                </a:solidFill>
+              </a:rPr>
+              <a:t>SP</a:t>
+            </a:r>
+          </a:p>
+        </p:txBody>
+      </p:sp>
+      <p:sp>
+        <p:nvSpPr>
+          <p:cNvPr id="16" name="TextBox 15">
+            <a:extLst>
+              <a:ext uri="{FF2B5EF4-FFF2-40B4-BE49-F238E27FC236}">
+                <a16:creationId xmlns:a16="http://schemas.microsoft.com/office/drawing/2014/main" id="{58DB1AD2-5B93-FD45-ADF0-B754ACE32EB6}"/>
+              </a:ext>
+            </a:extLst>
+          </p:cNvPr>
+          <p:cNvSpPr txBox="1"/>
+          <p:nvPr/>
+        </p:nvSpPr>
+        <p:spPr>
+          <a:xfrm>
+            <a:off x="5569638" y="1406916"/>
+            <a:ext cx="1052724" cy="369332"/>
+          </a:xfrm>
+          <a:prstGeom prst="rect">
+            <a:avLst/>
+          </a:prstGeom>
+          <a:noFill/>
+        </p:spPr>
+        <p:txBody>
+          <a:bodyPr wrap="none" rtlCol="0">
+            <a:spAutoFit/>
+          </a:bodyPr>
+          <a:lstStyle/>
+          <a:p>
+            <a:r>
+              <a:rPr lang="en-US" dirty="0"/>
+              <a:t>TSS Stack</a:t>
+            </a:r>
+          </a:p>
+        </p:txBody>
+      </p:sp>
+      <p:sp>
+        <p:nvSpPr>
+          <p:cNvPr id="17" name="Rectangle 16">
+            <a:extLst>
+              <a:ext uri="{FF2B5EF4-FFF2-40B4-BE49-F238E27FC236}">
+                <a16:creationId xmlns:a16="http://schemas.microsoft.com/office/drawing/2014/main" id="{7DBE14ED-5592-C94E-A2A0-D561C58D2FE7}"/>
+              </a:ext>
+            </a:extLst>
+          </p:cNvPr>
+          <p:cNvSpPr/>
+          <p:nvPr/>
+        </p:nvSpPr>
+        <p:spPr>
+          <a:xfrm>
+            <a:off x="1177158" y="2448955"/>
+            <a:ext cx="2301765" cy="2480350"/>
+          </a:xfrm>
+          <a:prstGeom prst="rect">
+            <a:avLst/>
+          </a:prstGeom>
+        </p:spPr>
+        <p:style>
+          <a:lnRef idx="2">
+            <a:schemeClr val="accent1">
+              <a:shade val="50000"/>
+            </a:schemeClr>
+          </a:lnRef>
+          <a:fillRef idx="1">
+            <a:schemeClr val="accent1"/>
+          </a:fillRef>
+          <a:effectRef idx="0">
+            <a:schemeClr val="accent1"/>
+          </a:effectRef>
+          <a:fontRef idx="minor">
+            <a:schemeClr val="lt1"/>
+          </a:fontRef>
+        </p:style>
+        <p:txBody>
+          <a:bodyPr rtlCol="0" anchor="ctr"/>
+          <a:lstStyle/>
+          <a:p>
+            <a:pPr algn="ctr"/>
+            <a:r>
+              <a:rPr lang="en-US" dirty="0"/>
+              <a:t>.</a:t>
+            </a:r>
+          </a:p>
+          <a:p>
+            <a:pPr algn="ctr"/>
+            <a:r>
+              <a:rPr lang="en-US" dirty="0"/>
+              <a:t>.</a:t>
+            </a:r>
+          </a:p>
+          <a:p>
+            <a:pPr algn="ctr"/>
+            <a:r>
+              <a:rPr lang="en-US" dirty="0"/>
+              <a:t>.</a:t>
+            </a:r>
+          </a:p>
+          <a:p>
+            <a:pPr algn="ctr"/>
+            <a:r>
+              <a:rPr lang="en-US" dirty="0"/>
+              <a:t>.</a:t>
+            </a:r>
+          </a:p>
+          <a:p>
+            <a:pPr algn="ctr"/>
+            <a:endParaRPr lang="en-US" dirty="0"/>
+          </a:p>
+        </p:txBody>
+      </p:sp>
+      <p:sp>
+        <p:nvSpPr>
+          <p:cNvPr id="18" name="TextBox 17">
+            <a:extLst>
+              <a:ext uri="{FF2B5EF4-FFF2-40B4-BE49-F238E27FC236}">
+                <a16:creationId xmlns:a16="http://schemas.microsoft.com/office/drawing/2014/main" id="{42ECF660-C6FD-CB44-A035-D10AB9B78B1C}"/>
+              </a:ext>
+            </a:extLst>
+          </p:cNvPr>
+          <p:cNvSpPr txBox="1"/>
+          <p:nvPr/>
+        </p:nvSpPr>
+        <p:spPr>
+          <a:xfrm>
+            <a:off x="998483" y="2073591"/>
+            <a:ext cx="2574487" cy="369332"/>
+          </a:xfrm>
+          <a:prstGeom prst="rect">
+            <a:avLst/>
+          </a:prstGeom>
+          <a:noFill/>
+        </p:spPr>
+        <p:txBody>
+          <a:bodyPr wrap="none" rtlCol="0">
+            <a:spAutoFit/>
+          </a:bodyPr>
+          <a:lstStyle/>
+          <a:p>
+            <a:r>
+              <a:rPr lang="en-US" dirty="0"/>
+              <a:t>Interrupted Process Stack</a:t>
+            </a:r>
+          </a:p>
+        </p:txBody>
+      </p:sp>
+      <p:sp>
+        <p:nvSpPr>
+          <p:cNvPr id="19" name="Rounded Rectangle 18">
+            <a:extLst>
+              <a:ext uri="{FF2B5EF4-FFF2-40B4-BE49-F238E27FC236}">
+                <a16:creationId xmlns:a16="http://schemas.microsoft.com/office/drawing/2014/main" id="{F6C06B4A-40AA-0C40-8E2A-421C5890AB98}"/>
+              </a:ext>
+            </a:extLst>
+          </p:cNvPr>
+          <p:cNvSpPr/>
+          <p:nvPr/>
+        </p:nvSpPr>
+        <p:spPr>
+          <a:xfrm>
+            <a:off x="1177157" y="4595601"/>
+            <a:ext cx="2301765" cy="333704"/>
+          </a:xfrm>
+          <a:prstGeom prst="roundRect">
+            <a:avLst/>
+          </a:prstGeom>
+          <a:solidFill>
+            <a:schemeClr val="tx1"/>
+          </a:solidFill>
+          <a:ln>
+            <a:noFill/>
+          </a:ln>
+        </p:spPr>
+        <p:style>
+          <a:lnRef idx="2">
+            <a:schemeClr val="accent1">
+              <a:shade val="50000"/>
+            </a:schemeClr>
+          </a:lnRef>
+          <a:fillRef idx="1">
+            <a:schemeClr val="accent1"/>
+          </a:fillRef>
+          <a:effectRef idx="0">
+            <a:schemeClr val="accent1"/>
+          </a:effectRef>
+          <a:fontRef idx="minor">
+            <a:schemeClr val="lt1"/>
+          </a:fontRef>
+        </p:style>
+        <p:txBody>
+          <a:bodyPr rtlCol="0" anchor="ctr"/>
+          <a:lstStyle/>
+          <a:p>
+            <a:pPr algn="ctr"/>
+            <a:r>
+              <a:rPr lang="en-US" dirty="0">
+                <a:solidFill>
+                  <a:schemeClr val="bg1"/>
+                </a:solidFill>
+              </a:rPr>
+              <a:t>Runtime stack value 1</a:t>
+            </a:r>
+          </a:p>
+        </p:txBody>
+      </p:sp>
+      <p:sp>
+        <p:nvSpPr>
+          <p:cNvPr id="21" name="Rounded Rectangle 20">
+            <a:extLst>
+              <a:ext uri="{FF2B5EF4-FFF2-40B4-BE49-F238E27FC236}">
+                <a16:creationId xmlns:a16="http://schemas.microsoft.com/office/drawing/2014/main" id="{A48D9B6B-7058-B940-9DE9-809DFEF61E73}"/>
+              </a:ext>
+            </a:extLst>
+          </p:cNvPr>
+          <p:cNvSpPr/>
+          <p:nvPr/>
+        </p:nvSpPr>
+        <p:spPr>
+          <a:xfrm>
+            <a:off x="1177156" y="4257042"/>
+            <a:ext cx="2301765" cy="333704"/>
+          </a:xfrm>
+          <a:prstGeom prst="roundRect">
+            <a:avLst/>
+          </a:prstGeom>
+          <a:solidFill>
+            <a:schemeClr val="tx1"/>
+          </a:solidFill>
+          <a:ln>
+            <a:noFill/>
+          </a:ln>
+        </p:spPr>
+        <p:style>
+          <a:lnRef idx="2">
+            <a:schemeClr val="accent1">
+              <a:shade val="50000"/>
+            </a:schemeClr>
+          </a:lnRef>
+          <a:fillRef idx="1">
+            <a:schemeClr val="accent1"/>
+          </a:fillRef>
+          <a:effectRef idx="0">
+            <a:schemeClr val="accent1"/>
+          </a:effectRef>
+          <a:fontRef idx="minor">
+            <a:schemeClr val="lt1"/>
+          </a:fontRef>
+        </p:style>
+        <p:txBody>
+          <a:bodyPr rtlCol="0" anchor="ctr"/>
+          <a:lstStyle/>
+          <a:p>
+            <a:pPr algn="ctr"/>
+            <a:r>
+              <a:rPr lang="en-US" dirty="0">
+                <a:solidFill>
+                  <a:schemeClr val="bg1"/>
+                </a:solidFill>
+              </a:rPr>
+              <a:t>Runtime stack value 2</a:t>
+            </a:r>
+          </a:p>
+        </p:txBody>
+      </p:sp>
+      <p:sp>
+        <p:nvSpPr>
+          <p:cNvPr id="22" name="Rounded Rectangle 21">
+            <a:extLst>
+              <a:ext uri="{FF2B5EF4-FFF2-40B4-BE49-F238E27FC236}">
+                <a16:creationId xmlns:a16="http://schemas.microsoft.com/office/drawing/2014/main" id="{522E0BD7-D23D-124F-896F-90680F0A61FB}"/>
+              </a:ext>
+            </a:extLst>
+          </p:cNvPr>
+          <p:cNvSpPr/>
+          <p:nvPr/>
+        </p:nvSpPr>
+        <p:spPr>
+          <a:xfrm>
+            <a:off x="1177157" y="3923338"/>
+            <a:ext cx="2301765" cy="333704"/>
+          </a:xfrm>
+          <a:prstGeom prst="roundRect">
+            <a:avLst/>
+          </a:prstGeom>
+          <a:solidFill>
+            <a:schemeClr val="tx1"/>
+          </a:solidFill>
+          <a:ln>
+            <a:noFill/>
+          </a:ln>
+        </p:spPr>
+        <p:style>
+          <a:lnRef idx="2">
+            <a:schemeClr val="accent1">
+              <a:shade val="50000"/>
+            </a:schemeClr>
+          </a:lnRef>
+          <a:fillRef idx="1">
+            <a:schemeClr val="accent1"/>
+          </a:fillRef>
+          <a:effectRef idx="0">
+            <a:schemeClr val="accent1"/>
+          </a:effectRef>
+          <a:fontRef idx="minor">
+            <a:schemeClr val="lt1"/>
+          </a:fontRef>
+        </p:style>
+        <p:txBody>
+          <a:bodyPr rtlCol="0" anchor="ctr"/>
+          <a:lstStyle/>
+          <a:p>
+            <a:pPr algn="ctr"/>
+            <a:r>
+              <a:rPr lang="en-US" dirty="0">
+                <a:solidFill>
+                  <a:schemeClr val="bg1"/>
+                </a:solidFill>
+              </a:rPr>
+              <a:t>Runtime stack value 3</a:t>
+            </a:r>
+          </a:p>
+        </p:txBody>
+      </p:sp>
+      <p:sp>
+        <p:nvSpPr>
+          <p:cNvPr id="23" name="Rounded Rectangle 22">
+            <a:extLst>
+              <a:ext uri="{FF2B5EF4-FFF2-40B4-BE49-F238E27FC236}">
+                <a16:creationId xmlns:a16="http://schemas.microsoft.com/office/drawing/2014/main" id="{CBAAFC91-4BDD-B54D-B585-10058905BB25}"/>
+              </a:ext>
+            </a:extLst>
+          </p:cNvPr>
+          <p:cNvSpPr/>
+          <p:nvPr/>
+        </p:nvSpPr>
+        <p:spPr>
+          <a:xfrm>
+            <a:off x="1177156" y="2642005"/>
+            <a:ext cx="2301765" cy="333704"/>
+          </a:xfrm>
+          <a:prstGeom prst="roundRect">
+            <a:avLst/>
+          </a:prstGeom>
+          <a:solidFill>
+            <a:schemeClr val="tx1"/>
+          </a:solidFill>
+          <a:ln>
+            <a:noFill/>
+          </a:ln>
+        </p:spPr>
+        <p:style>
+          <a:lnRef idx="2">
+            <a:schemeClr val="accent1">
+              <a:shade val="50000"/>
+            </a:schemeClr>
+          </a:lnRef>
+          <a:fillRef idx="1">
+            <a:schemeClr val="accent1"/>
+          </a:fillRef>
+          <a:effectRef idx="0">
+            <a:schemeClr val="accent1"/>
+          </a:effectRef>
+          <a:fontRef idx="minor">
+            <a:schemeClr val="lt1"/>
+          </a:fontRef>
+        </p:style>
+        <p:txBody>
+          <a:bodyPr rtlCol="0" anchor="ctr"/>
+          <a:lstStyle/>
+          <a:p>
+            <a:pPr algn="ctr"/>
+            <a:r>
+              <a:rPr lang="en-US" dirty="0">
+                <a:solidFill>
+                  <a:schemeClr val="bg1"/>
+                </a:solidFill>
+              </a:rPr>
+              <a:t>Runtime stack value n</a:t>
+            </a:r>
+          </a:p>
+        </p:txBody>
+      </p:sp>
+      <p:sp>
+        <p:nvSpPr>
+          <p:cNvPr id="20" name="Rounded Rectangle 19">
+            <a:extLst>
+              <a:ext uri="{FF2B5EF4-FFF2-40B4-BE49-F238E27FC236}">
+                <a16:creationId xmlns:a16="http://schemas.microsoft.com/office/drawing/2014/main" id="{A82B4046-FAE1-9048-9DFC-95E7880DF148}"/>
+              </a:ext>
+            </a:extLst>
+          </p:cNvPr>
+          <p:cNvSpPr/>
+          <p:nvPr/>
+        </p:nvSpPr>
+        <p:spPr>
+          <a:xfrm>
+            <a:off x="4598274" y="4210353"/>
+            <a:ext cx="2968940" cy="333704"/>
+          </a:xfrm>
+          <a:prstGeom prst="roundRect">
+            <a:avLst/>
+          </a:prstGeom>
+          <a:solidFill>
+            <a:schemeClr val="tx1"/>
+          </a:solidFill>
+          <a:ln>
+            <a:noFill/>
+          </a:ln>
+        </p:spPr>
+        <p:style>
+          <a:lnRef idx="2">
+            <a:schemeClr val="accent1">
+              <a:shade val="50000"/>
+            </a:schemeClr>
+          </a:lnRef>
+          <a:fillRef idx="1">
+            <a:schemeClr val="accent1"/>
+          </a:fillRef>
+          <a:effectRef idx="0">
+            <a:schemeClr val="accent1"/>
+          </a:effectRef>
+          <a:fontRef idx="minor">
+            <a:schemeClr val="lt1"/>
+          </a:fontRef>
+        </p:style>
+        <p:txBody>
+          <a:bodyPr rtlCol="0" anchor="ctr"/>
+          <a:lstStyle/>
+          <a:p>
+            <a:pPr algn="ctr"/>
+            <a:r>
+              <a:rPr lang="en-US" dirty="0">
+                <a:solidFill>
+                  <a:schemeClr val="bg1"/>
+                </a:solidFill>
+              </a:rPr>
+              <a:t>general-purpose regs</a:t>
+            </a:r>
+          </a:p>
+        </p:txBody>
+      </p:sp>
+      <p:sp>
+        <p:nvSpPr>
+          <p:cNvPr id="24" name="Rounded Rectangle 23">
+            <a:extLst>
+              <a:ext uri="{FF2B5EF4-FFF2-40B4-BE49-F238E27FC236}">
+                <a16:creationId xmlns:a16="http://schemas.microsoft.com/office/drawing/2014/main" id="{964E3268-EDE3-5341-94C0-80C62876B485}"/>
+              </a:ext>
+            </a:extLst>
+          </p:cNvPr>
+          <p:cNvSpPr/>
+          <p:nvPr/>
+        </p:nvSpPr>
+        <p:spPr>
+          <a:xfrm>
+            <a:off x="4598274" y="3867741"/>
+            <a:ext cx="2968940" cy="333704"/>
+          </a:xfrm>
+          <a:prstGeom prst="roundRect">
+            <a:avLst/>
+          </a:prstGeom>
+          <a:solidFill>
+            <a:schemeClr val="tx1"/>
+          </a:solidFill>
+          <a:ln>
+            <a:noFill/>
+          </a:ln>
+        </p:spPr>
+        <p:style>
+          <a:lnRef idx="2">
+            <a:schemeClr val="accent1">
+              <a:shade val="50000"/>
+            </a:schemeClr>
+          </a:lnRef>
+          <a:fillRef idx="1">
+            <a:schemeClr val="accent1"/>
+          </a:fillRef>
+          <a:effectRef idx="0">
+            <a:schemeClr val="accent1"/>
+          </a:effectRef>
+          <a:fontRef idx="minor">
+            <a:schemeClr val="lt1"/>
+          </a:fontRef>
+        </p:style>
+        <p:txBody>
+          <a:bodyPr rtlCol="0" anchor="ctr"/>
+          <a:lstStyle/>
+          <a:p>
+            <a:pPr algn="ctr"/>
+            <a:r>
+              <a:rPr lang="en-US" dirty="0">
+                <a:solidFill>
+                  <a:schemeClr val="bg1"/>
+                </a:solidFill>
+              </a:rPr>
+              <a:t>ds</a:t>
+            </a:r>
+          </a:p>
+        </p:txBody>
+      </p:sp>
+      <p:sp>
+        <p:nvSpPr>
+          <p:cNvPr id="25" name="Rounded Rectangle 24">
+            <a:extLst>
+              <a:ext uri="{FF2B5EF4-FFF2-40B4-BE49-F238E27FC236}">
+                <a16:creationId xmlns:a16="http://schemas.microsoft.com/office/drawing/2014/main" id="{CED4D31E-BE99-4A48-A01B-D922756235ED}"/>
+              </a:ext>
+            </a:extLst>
+          </p:cNvPr>
+          <p:cNvSpPr/>
+          <p:nvPr/>
+        </p:nvSpPr>
+        <p:spPr>
+          <a:xfrm>
+            <a:off x="4598274" y="3534037"/>
+            <a:ext cx="2968940" cy="333704"/>
+          </a:xfrm>
+          <a:prstGeom prst="roundRect">
+            <a:avLst/>
+          </a:prstGeom>
+          <a:solidFill>
+            <a:schemeClr val="tx1"/>
+          </a:solidFill>
+          <a:ln>
+            <a:noFill/>
+          </a:ln>
+        </p:spPr>
+        <p:style>
+          <a:lnRef idx="2">
+            <a:schemeClr val="accent1">
+              <a:shade val="50000"/>
+            </a:schemeClr>
+          </a:lnRef>
+          <a:fillRef idx="1">
+            <a:schemeClr val="accent1"/>
+          </a:fillRef>
+          <a:effectRef idx="0">
+            <a:schemeClr val="accent1"/>
+          </a:effectRef>
+          <a:fontRef idx="minor">
+            <a:schemeClr val="lt1"/>
+          </a:fontRef>
+        </p:style>
+        <p:txBody>
+          <a:bodyPr rtlCol="0" anchor="ctr"/>
+          <a:lstStyle/>
+          <a:p>
+            <a:pPr algn="ctr"/>
+            <a:r>
+              <a:rPr lang="en-US" dirty="0">
+                <a:solidFill>
+                  <a:schemeClr val="bg1"/>
+                </a:solidFill>
+              </a:rPr>
+              <a:t>es</a:t>
+            </a:r>
+          </a:p>
+        </p:txBody>
+      </p:sp>
+      <p:sp>
+        <p:nvSpPr>
+          <p:cNvPr id="26" name="Rounded Rectangle 25">
+            <a:extLst>
+              <a:ext uri="{FF2B5EF4-FFF2-40B4-BE49-F238E27FC236}">
+                <a16:creationId xmlns:a16="http://schemas.microsoft.com/office/drawing/2014/main" id="{4D55A5F3-DF77-F846-95C7-9C96652A9143}"/>
+              </a:ext>
+            </a:extLst>
+          </p:cNvPr>
+          <p:cNvSpPr/>
+          <p:nvPr/>
+        </p:nvSpPr>
+        <p:spPr>
+          <a:xfrm>
+            <a:off x="4598274" y="3182519"/>
+            <a:ext cx="2968940" cy="333704"/>
+          </a:xfrm>
+          <a:prstGeom prst="roundRect">
+            <a:avLst/>
+          </a:prstGeom>
+          <a:solidFill>
+            <a:schemeClr val="tx1"/>
+          </a:solidFill>
+          <a:ln>
+            <a:noFill/>
+          </a:ln>
+        </p:spPr>
+        <p:style>
+          <a:lnRef idx="2">
+            <a:schemeClr val="accent1">
+              <a:shade val="50000"/>
+            </a:schemeClr>
+          </a:lnRef>
+          <a:fillRef idx="1">
+            <a:schemeClr val="accent1"/>
+          </a:fillRef>
+          <a:effectRef idx="0">
+            <a:schemeClr val="accent1"/>
+          </a:effectRef>
+          <a:fontRef idx="minor">
+            <a:schemeClr val="lt1"/>
+          </a:fontRef>
+        </p:style>
+        <p:txBody>
+          <a:bodyPr rtlCol="0" anchor="ctr"/>
+          <a:lstStyle/>
+          <a:p>
+            <a:pPr algn="ctr"/>
+            <a:r>
+              <a:rPr lang="en-US" dirty="0">
+                <a:solidFill>
+                  <a:schemeClr val="bg1"/>
+                </a:solidFill>
+              </a:rPr>
+              <a:t>fs</a:t>
+            </a:r>
+          </a:p>
+        </p:txBody>
+      </p:sp>
+      <p:sp>
+        <p:nvSpPr>
+          <p:cNvPr id="27" name="Rounded Rectangle 26">
+            <a:extLst>
+              <a:ext uri="{FF2B5EF4-FFF2-40B4-BE49-F238E27FC236}">
+                <a16:creationId xmlns:a16="http://schemas.microsoft.com/office/drawing/2014/main" id="{68FC9006-BDD0-7F40-8E58-BE7B72F5402D}"/>
+              </a:ext>
+            </a:extLst>
+          </p:cNvPr>
+          <p:cNvSpPr/>
+          <p:nvPr/>
+        </p:nvSpPr>
+        <p:spPr>
+          <a:xfrm>
+            <a:off x="4598274" y="2839136"/>
+            <a:ext cx="2968940" cy="333704"/>
+          </a:xfrm>
+          <a:prstGeom prst="roundRect">
+            <a:avLst/>
+          </a:prstGeom>
+          <a:solidFill>
+            <a:schemeClr val="tx1"/>
+          </a:solidFill>
+          <a:ln>
+            <a:noFill/>
+          </a:ln>
+        </p:spPr>
+        <p:style>
+          <a:lnRef idx="2">
+            <a:schemeClr val="accent1">
+              <a:shade val="50000"/>
+            </a:schemeClr>
+          </a:lnRef>
+          <a:fillRef idx="1">
+            <a:schemeClr val="accent1"/>
+          </a:fillRef>
+          <a:effectRef idx="0">
+            <a:schemeClr val="accent1"/>
+          </a:effectRef>
+          <a:fontRef idx="minor">
+            <a:schemeClr val="lt1"/>
+          </a:fontRef>
+        </p:style>
+        <p:txBody>
+          <a:bodyPr rtlCol="0" anchor="ctr"/>
+          <a:lstStyle/>
+          <a:p>
+            <a:pPr algn="ctr"/>
+            <a:r>
+              <a:rPr lang="en-US" dirty="0">
+                <a:solidFill>
+                  <a:schemeClr val="bg1"/>
+                </a:solidFill>
+              </a:rPr>
+              <a:t>gs</a:t>
+            </a:r>
+          </a:p>
+        </p:txBody>
+      </p:sp>
+      <p:sp>
+        <p:nvSpPr>
+          <p:cNvPr id="29" name="Rectangle 28">
+            <a:extLst>
+              <a:ext uri="{FF2B5EF4-FFF2-40B4-BE49-F238E27FC236}">
+                <a16:creationId xmlns:a16="http://schemas.microsoft.com/office/drawing/2014/main" id="{37322179-62D5-8F46-90DE-9C70EDCF5087}"/>
+              </a:ext>
+            </a:extLst>
+          </p:cNvPr>
+          <p:cNvSpPr/>
+          <p:nvPr/>
+        </p:nvSpPr>
+        <p:spPr>
+          <a:xfrm>
+            <a:off x="8844451" y="2462787"/>
+            <a:ext cx="2301765" cy="2480350"/>
+          </a:xfrm>
+          <a:prstGeom prst="rect">
+            <a:avLst/>
+          </a:prstGeom>
+        </p:spPr>
+        <p:style>
+          <a:lnRef idx="2">
+            <a:schemeClr val="accent1">
+              <a:shade val="50000"/>
+            </a:schemeClr>
+          </a:lnRef>
+          <a:fillRef idx="1">
+            <a:schemeClr val="accent1"/>
+          </a:fillRef>
+          <a:effectRef idx="0">
+            <a:schemeClr val="accent1"/>
+          </a:effectRef>
+          <a:fontRef idx="minor">
+            <a:schemeClr val="lt1"/>
+          </a:fontRef>
+        </p:style>
+        <p:txBody>
+          <a:bodyPr rtlCol="0" anchor="ctr"/>
+          <a:lstStyle/>
+          <a:p>
+            <a:pPr algn="ctr"/>
+            <a:endParaRPr lang="en-US" dirty="0"/>
+          </a:p>
+          <a:p>
+            <a:pPr algn="ctr"/>
+            <a:endParaRPr lang="en-US" dirty="0"/>
+          </a:p>
+          <a:p>
+            <a:pPr algn="ctr"/>
+            <a:endParaRPr lang="en-US" dirty="0"/>
+          </a:p>
+        </p:txBody>
+      </p:sp>
+      <p:sp>
+        <p:nvSpPr>
+          <p:cNvPr id="30" name="TextBox 29">
+            <a:extLst>
+              <a:ext uri="{FF2B5EF4-FFF2-40B4-BE49-F238E27FC236}">
+                <a16:creationId xmlns:a16="http://schemas.microsoft.com/office/drawing/2014/main" id="{93A8274A-DC7E-544C-9905-59830EB54047}"/>
+              </a:ext>
+            </a:extLst>
+          </p:cNvPr>
+          <p:cNvSpPr txBox="1"/>
+          <p:nvPr/>
+        </p:nvSpPr>
+        <p:spPr>
+          <a:xfrm>
+            <a:off x="9329411" y="2118130"/>
+            <a:ext cx="1331839" cy="369332"/>
+          </a:xfrm>
+          <a:prstGeom prst="rect">
+            <a:avLst/>
+          </a:prstGeom>
+          <a:noFill/>
+        </p:spPr>
+        <p:txBody>
+          <a:bodyPr wrap="none" rtlCol="0">
+            <a:spAutoFit/>
+          </a:bodyPr>
+          <a:lstStyle/>
+          <a:p>
+            <a:r>
+              <a:rPr lang="en-US" dirty="0"/>
+              <a:t>Kernel Stack</a:t>
+            </a:r>
+          </a:p>
+        </p:txBody>
+      </p:sp>
+      <p:sp>
+        <p:nvSpPr>
+          <p:cNvPr id="31" name="Rounded Rectangle 30">
+            <a:extLst>
+              <a:ext uri="{FF2B5EF4-FFF2-40B4-BE49-F238E27FC236}">
+                <a16:creationId xmlns:a16="http://schemas.microsoft.com/office/drawing/2014/main" id="{804EA3D7-F7C2-5C43-A0AD-D886903CF0C4}"/>
+              </a:ext>
+            </a:extLst>
+          </p:cNvPr>
+          <p:cNvSpPr/>
+          <p:nvPr/>
+        </p:nvSpPr>
+        <p:spPr>
+          <a:xfrm>
+            <a:off x="8848211" y="4595601"/>
+            <a:ext cx="2301765" cy="333704"/>
+          </a:xfrm>
+          <a:prstGeom prst="roundRect">
+            <a:avLst/>
+          </a:prstGeom>
+          <a:solidFill>
+            <a:schemeClr val="tx1"/>
+          </a:solidFill>
+          <a:ln>
+            <a:noFill/>
+          </a:ln>
+        </p:spPr>
+        <p:style>
+          <a:lnRef idx="2">
+            <a:schemeClr val="accent1">
+              <a:shade val="50000"/>
+            </a:schemeClr>
+          </a:lnRef>
+          <a:fillRef idx="1">
+            <a:schemeClr val="accent1"/>
+          </a:fillRef>
+          <a:effectRef idx="0">
+            <a:schemeClr val="accent1"/>
+          </a:effectRef>
+          <a:fontRef idx="minor">
+            <a:schemeClr val="lt1"/>
+          </a:fontRef>
+        </p:style>
+        <p:txBody>
+          <a:bodyPr rtlCol="0" anchor="ctr"/>
+          <a:lstStyle/>
+          <a:p>
+            <a:pPr algn="ctr"/>
+            <a:r>
+              <a:rPr lang="en-US" dirty="0">
+                <a:solidFill>
+                  <a:schemeClr val="bg1"/>
+                </a:solidFill>
+              </a:rPr>
+              <a:t>restart</a:t>
+            </a:r>
+          </a:p>
+        </p:txBody>
+      </p:sp>
+      <p:sp>
+        <p:nvSpPr>
+          <p:cNvPr id="36" name="Rounded Rectangle 35">
+            <a:extLst>
+              <a:ext uri="{FF2B5EF4-FFF2-40B4-BE49-F238E27FC236}">
+                <a16:creationId xmlns:a16="http://schemas.microsoft.com/office/drawing/2014/main" id="{9B2F082E-4A8E-C948-ABD2-4341544896AD}"/>
+              </a:ext>
+            </a:extLst>
+          </p:cNvPr>
+          <p:cNvSpPr/>
+          <p:nvPr/>
+        </p:nvSpPr>
+        <p:spPr>
+          <a:xfrm>
+            <a:off x="4611529" y="4541945"/>
+            <a:ext cx="2968940" cy="333704"/>
+          </a:xfrm>
+          <a:prstGeom prst="roundRect">
+            <a:avLst/>
+          </a:prstGeom>
+          <a:solidFill>
+            <a:schemeClr val="tx1"/>
+          </a:solidFill>
+          <a:ln>
+            <a:noFill/>
+          </a:ln>
+        </p:spPr>
+        <p:style>
+          <a:lnRef idx="2">
+            <a:schemeClr val="accent1">
+              <a:shade val="50000"/>
+            </a:schemeClr>
+          </a:lnRef>
+          <a:fillRef idx="1">
+            <a:schemeClr val="accent1"/>
+          </a:fillRef>
+          <a:effectRef idx="0">
+            <a:schemeClr val="accent1"/>
+          </a:effectRef>
+          <a:fontRef idx="minor">
+            <a:schemeClr val="lt1"/>
+          </a:fontRef>
+        </p:style>
+        <p:txBody>
+          <a:bodyPr rtlCol="0" anchor="ctr"/>
+          <a:lstStyle/>
+          <a:p>
+            <a:pPr algn="ctr"/>
+            <a:r>
+              <a:rPr lang="en-US" dirty="0">
+                <a:solidFill>
+                  <a:schemeClr val="bg1"/>
+                </a:solidFill>
+              </a:rPr>
+              <a:t>Save addr</a:t>
+            </a:r>
+          </a:p>
+        </p:txBody>
+      </p:sp>
+    </p:spTree>
+    <p:extLst>
+      <p:ext uri="{BB962C8B-B14F-4D97-AF65-F5344CB8AC3E}">
+        <p14:creationId xmlns:p14="http://schemas.microsoft.com/office/powerpoint/2010/main" val="2455859685"/>
       </p:ext>
     </p:extLst>
   </p:cSld>
@@ -4342,4 +11466,299 @@
     </a:ext>
   </a:extLst>
 </a:theme>
+</file>
+
+<file path=ppt/theme/theme2.xml><?xml version="1.0" encoding="utf-8"?>
+<a:theme xmlns:a="http://schemas.openxmlformats.org/drawingml/2006/main" name="Office Theme">
+  <a:themeElements>
+    <a:clrScheme name="Office">
+      <a:dk1>
+        <a:sysClr val="windowText" lastClr="000000"/>
+      </a:dk1>
+      <a:lt1>
+        <a:sysClr val="window" lastClr="FFFFFF"/>
+      </a:lt1>
+      <a:dk2>
+        <a:srgbClr val="44546A"/>
+      </a:dk2>
+      <a:lt2>
+        <a:srgbClr val="E7E6E6"/>
+      </a:lt2>
+      <a:accent1>
+        <a:srgbClr val="4472C4"/>
+      </a:accent1>
+      <a:accent2>
+        <a:srgbClr val="ED7D31"/>
+      </a:accent2>
+      <a:accent3>
+        <a:srgbClr val="A5A5A5"/>
+      </a:accent3>
+      <a:accent4>
+        <a:srgbClr val="FFC000"/>
+      </a:accent4>
+      <a:accent5>
+        <a:srgbClr val="5B9BD5"/>
+      </a:accent5>
+      <a:accent6>
+        <a:srgbClr val="70AD47"/>
+      </a:accent6>
+      <a:hlink>
+        <a:srgbClr val="0563C1"/>
+      </a:hlink>
+      <a:folHlink>
+        <a:srgbClr val="954F72"/>
+      </a:folHlink>
+    </a:clrScheme>
+    <a:fontScheme name="Office">
+      <a:majorFont>
+        <a:latin typeface="Calibri Light" panose="020F0302020204030204"/>
+        <a:ea typeface=""/>
+        <a:cs typeface=""/>
+        <a:font script="Jpan" typeface="游ゴシック Light"/>
+        <a:font script="Hang" typeface="맑은 고딕"/>
+        <a:font script="Hans" typeface="等线 Light"/>
+        <a:font script="Hant" typeface="新細明體"/>
+        <a:font script="Arab" typeface="Times New Roman"/>
+        <a:font script="Hebr" typeface="Times New Roman"/>
+        <a:font script="Thai" typeface="Angsana New"/>
+        <a:font script="Ethi" typeface="Nyala"/>
+        <a:font script="Beng" typeface="Vrinda"/>
+        <a:font script="Gujr" typeface="Shruti"/>
+        <a:font script="Khmr" typeface="MoolBoran"/>
+        <a:font script="Knda" typeface="Tunga"/>
+        <a:font script="Guru" typeface="Raavi"/>
+        <a:font script="Cans" typeface="Euphemia"/>
+        <a:font script="Cher" typeface="Plantagenet Cherokee"/>
+        <a:font script="Yiii" typeface="Microsoft Yi Baiti"/>
+        <a:font script="Tibt" typeface="Microsoft Himalaya"/>
+        <a:font script="Thaa" typeface="MV Boli"/>
+        <a:font script="Deva" typeface="Mangal"/>
+        <a:font script="Telu" typeface="Gautami"/>
+        <a:font script="Taml" typeface="Latha"/>
+        <a:font script="Syrc" typeface="Estrangelo Edessa"/>
+        <a:font script="Orya" typeface="Kalinga"/>
+        <a:font script="Mlym" typeface="Kartika"/>
+        <a:font script="Laoo" typeface="DokChampa"/>
+        <a:font script="Sinh" typeface="Iskoola Pota"/>
+        <a:font script="Mong" typeface="Mongolian Baiti"/>
+        <a:font script="Viet" typeface="Times New Roman"/>
+        <a:font script="Uigh" typeface="Microsoft Uighur"/>
+        <a:font script="Geor" typeface="Sylfaen"/>
+        <a:font script="Armn" typeface="Arial"/>
+        <a:font script="Bugi" typeface="Leelawadee UI"/>
+        <a:font script="Bopo" typeface="Microsoft JhengHei"/>
+        <a:font script="Java" typeface="Javanese Text"/>
+        <a:font script="Lisu" typeface="Segoe UI"/>
+        <a:font script="Mymr" typeface="Myanmar Text"/>
+        <a:font script="Nkoo" typeface="Ebrima"/>
+        <a:font script="Olck" typeface="Nirmala UI"/>
+        <a:font script="Osma" typeface="Ebrima"/>
+        <a:font script="Phag" typeface="Phagspa"/>
+        <a:font script="Syrn" typeface="Estrangelo Edessa"/>
+        <a:font script="Syrj" typeface="Estrangelo Edessa"/>
+        <a:font script="Syre" typeface="Estrangelo Edessa"/>
+        <a:font script="Sora" typeface="Nirmala UI"/>
+        <a:font script="Tale" typeface="Microsoft Tai Le"/>
+        <a:font script="Talu" typeface="Microsoft New Tai Lue"/>
+        <a:font script="Tfng" typeface="Ebrima"/>
+      </a:majorFont>
+      <a:minorFont>
+        <a:latin typeface="Calibri" panose="020F0502020204030204"/>
+        <a:ea typeface=""/>
+        <a:cs typeface=""/>
+        <a:font script="Jpan" typeface="游ゴシック"/>
+        <a:font script="Hang" typeface="맑은 고딕"/>
+        <a:font script="Hans" typeface="等线"/>
+        <a:font script="Hant" typeface="新細明體"/>
+        <a:font script="Arab" typeface="Arial"/>
+        <a:font script="Hebr" typeface="Arial"/>
+        <a:font script="Thai" typeface="Cordia New"/>
+        <a:font script="Ethi" typeface="Nyala"/>
+        <a:font script="Beng" typeface="Vrinda"/>
+        <a:font script="Gujr" typeface="Shruti"/>
+        <a:font script="Khmr" typeface="DaunPenh"/>
+        <a:font script="Knda" typeface="Tunga"/>
+        <a:font script="Guru" typeface="Raavi"/>
+        <a:font script="Cans" typeface="Euphemia"/>
+        <a:font script="Cher" typeface="Plantagenet Cherokee"/>
+        <a:font script="Yiii" typeface="Microsoft Yi Baiti"/>
+        <a:font script="Tibt" typeface="Microsoft Himalaya"/>
+        <a:font script="Thaa" typeface="MV Boli"/>
+        <a:font script="Deva" typeface="Mangal"/>
+        <a:font script="Telu" typeface="Gautami"/>
+        <a:font script="Taml" typeface="Latha"/>
+        <a:font script="Syrc" typeface="Estrangelo Edessa"/>
+        <a:font script="Orya" typeface="Kalinga"/>
+        <a:font script="Mlym" typeface="Kartika"/>
+        <a:font script="Laoo" typeface="DokChampa"/>
+        <a:font script="Sinh" typeface="Iskoola Pota"/>
+        <a:font script="Mong" typeface="Mongolian Baiti"/>
+        <a:font script="Viet" typeface="Arial"/>
+        <a:font script="Uigh" typeface="Microsoft Uighur"/>
+        <a:font script="Geor" typeface="Sylfaen"/>
+        <a:font script="Armn" typeface="Arial"/>
+        <a:font script="Bugi" typeface="Leelawadee UI"/>
+        <a:font script="Bopo" typeface="Microsoft JhengHei"/>
+        <a:font script="Java" typeface="Javanese Text"/>
+        <a:font script="Lisu" typeface="Segoe UI"/>
+        <a:font script="Mymr" typeface="Myanmar Text"/>
+        <a:font script="Nkoo" typeface="Ebrima"/>
+        <a:font script="Olck" typeface="Nirmala UI"/>
+        <a:font script="Osma" typeface="Ebrima"/>
+        <a:font script="Phag" typeface="Phagspa"/>
+        <a:font script="Syrn" typeface="Estrangelo Edessa"/>
+        <a:font script="Syrj" typeface="Estrangelo Edessa"/>
+        <a:font script="Syre" typeface="Estrangelo Edessa"/>
+        <a:font script="Sora" typeface="Nirmala UI"/>
+        <a:font script="Tale" typeface="Microsoft Tai Le"/>
+        <a:font script="Talu" typeface="Microsoft New Tai Lue"/>
+        <a:font script="Tfng" typeface="Ebrima"/>
+      </a:minorFont>
+    </a:fontScheme>
+    <a:fmtScheme name="Office">
+      <a:fillStyleLst>
+        <a:solidFill>
+          <a:schemeClr val="phClr"/>
+        </a:solidFill>
+        <a:gradFill rotWithShape="1">
+          <a:gsLst>
+            <a:gs pos="0">
+              <a:schemeClr val="phClr">
+                <a:lumMod val="110000"/>
+                <a:satMod val="105000"/>
+                <a:tint val="67000"/>
+              </a:schemeClr>
+            </a:gs>
+            <a:gs pos="50000">
+              <a:schemeClr val="phClr">
+                <a:lumMod val="105000"/>
+                <a:satMod val="103000"/>
+                <a:tint val="73000"/>
+              </a:schemeClr>
+            </a:gs>
+            <a:gs pos="100000">
+              <a:schemeClr val="phClr">
+                <a:lumMod val="105000"/>
+                <a:satMod val="109000"/>
+                <a:tint val="81000"/>
+              </a:schemeClr>
+            </a:gs>
+          </a:gsLst>
+          <a:lin ang="5400000" scaled="0"/>
+        </a:gradFill>
+        <a:gradFill rotWithShape="1">
+          <a:gsLst>
+            <a:gs pos="0">
+              <a:schemeClr val="phClr">
+                <a:satMod val="103000"/>
+                <a:lumMod val="102000"/>
+                <a:tint val="94000"/>
+              </a:schemeClr>
+            </a:gs>
+            <a:gs pos="50000">
+              <a:schemeClr val="phClr">
+                <a:satMod val="110000"/>
+                <a:lumMod val="100000"/>
+                <a:shade val="100000"/>
+              </a:schemeClr>
+            </a:gs>
+            <a:gs pos="100000">
+              <a:schemeClr val="phClr">
+                <a:lumMod val="99000"/>
+                <a:satMod val="120000"/>
+                <a:shade val="78000"/>
+              </a:schemeClr>
+            </a:gs>
+          </a:gsLst>
+          <a:lin ang="5400000" scaled="0"/>
+        </a:gradFill>
+      </a:fillStyleLst>
+      <a:lnStyleLst>
+        <a:ln w="6350" cap="flat" cmpd="sng" algn="ctr">
+          <a:solidFill>
+            <a:schemeClr val="phClr"/>
+          </a:solidFill>
+          <a:prstDash val="solid"/>
+          <a:miter lim="800000"/>
+        </a:ln>
+        <a:ln w="12700" cap="flat" cmpd="sng" algn="ctr">
+          <a:solidFill>
+            <a:schemeClr val="phClr"/>
+          </a:solidFill>
+          <a:prstDash val="solid"/>
+          <a:miter lim="800000"/>
+        </a:ln>
+        <a:ln w="19050" cap="flat" cmpd="sng" algn="ctr">
+          <a:solidFill>
+            <a:schemeClr val="phClr"/>
+          </a:solidFill>
+          <a:prstDash val="solid"/>
+          <a:miter lim="800000"/>
+        </a:ln>
+      </a:lnStyleLst>
+      <a:effectStyleLst>
+        <a:effectStyle>
+          <a:effectLst/>
+        </a:effectStyle>
+        <a:effectStyle>
+          <a:effectLst/>
+        </a:effectStyle>
+        <a:effectStyle>
+          <a:effectLst>
+            <a:outerShdw blurRad="57150" dist="19050" dir="5400000" algn="ctr" rotWithShape="0">
+              <a:srgbClr val="000000">
+                <a:alpha val="63000"/>
+              </a:srgbClr>
+            </a:outerShdw>
+          </a:effectLst>
+        </a:effectStyle>
+      </a:effectStyleLst>
+      <a:bgFillStyleLst>
+        <a:solidFill>
+          <a:schemeClr val="phClr"/>
+        </a:solidFill>
+        <a:solidFill>
+          <a:schemeClr val="phClr">
+            <a:tint val="95000"/>
+            <a:satMod val="170000"/>
+          </a:schemeClr>
+        </a:solidFill>
+        <a:gradFill rotWithShape="1">
+          <a:gsLst>
+            <a:gs pos="0">
+              <a:schemeClr val="phClr">
+                <a:tint val="93000"/>
+                <a:satMod val="150000"/>
+                <a:shade val="98000"/>
+                <a:lumMod val="102000"/>
+              </a:schemeClr>
+            </a:gs>
+            <a:gs pos="50000">
+              <a:schemeClr val="phClr">
+                <a:tint val="98000"/>
+                <a:satMod val="130000"/>
+                <a:shade val="90000"/>
+                <a:lumMod val="103000"/>
+              </a:schemeClr>
+            </a:gs>
+            <a:gs pos="100000">
+              <a:schemeClr val="phClr">
+                <a:shade val="63000"/>
+                <a:satMod val="120000"/>
+              </a:schemeClr>
+            </a:gs>
+          </a:gsLst>
+          <a:lin ang="5400000" scaled="0"/>
+        </a:gradFill>
+      </a:bgFillStyleLst>
+    </a:fmtScheme>
+  </a:themeElements>
+  <a:objectDefaults/>
+  <a:extraClrSchemeLst/>
+  <a:extLst>
+    <a:ext uri="{05A4C25C-085E-4340-85A3-A5531E510DB2}">
+      <thm15:themeFamily xmlns:thm15="http://schemas.microsoft.com/office/thememl/2012/main" name="Office Theme" id="{62F939B6-93AF-4DB8-9C6B-D6C7DFDC589F}" vid="{4A3C46E8-61CC-4603-A589-7422A47A8E4A}"/>
+    </a:ext>
+  </a:extLst>
+</a:theme>
 </file>